--- a/分享/AI编程/AI编程分享.pptx
+++ b/分享/AI编程/AI编程分享.pptx
@@ -47,8 +47,8 @@
         <a:solidFill>
           <a:schemeClr val="tx1"/>
         </a:solidFill>
-        <a:latin typeface="Arial" panose="020B0604020202090204" pitchFamily="34" charset="0"/>
-        <a:ea typeface="宋体" pitchFamily="2" charset="-122"/>
+        <a:latin typeface="Arial" panose="020B0604020202020204" pitchFamily="34" charset="0"/>
+        <a:ea typeface="宋体" panose="02010600030101010101" pitchFamily="2" charset="-122"/>
         <a:cs typeface="+mn-cs"/>
       </a:defRPr>
     </a:lvl1pPr>
@@ -67,8 +67,8 @@
         <a:solidFill>
           <a:schemeClr val="tx1"/>
         </a:solidFill>
-        <a:latin typeface="Arial" panose="020B0604020202090204" pitchFamily="34" charset="0"/>
-        <a:ea typeface="宋体" pitchFamily="2" charset="-122"/>
+        <a:latin typeface="Arial" panose="020B0604020202020204" pitchFamily="34" charset="0"/>
+        <a:ea typeface="宋体" panose="02010600030101010101" pitchFamily="2" charset="-122"/>
         <a:cs typeface="+mn-cs"/>
       </a:defRPr>
     </a:lvl2pPr>
@@ -87,8 +87,8 @@
         <a:solidFill>
           <a:schemeClr val="tx1"/>
         </a:solidFill>
-        <a:latin typeface="Arial" panose="020B0604020202090204" pitchFamily="34" charset="0"/>
-        <a:ea typeface="宋体" pitchFamily="2" charset="-122"/>
+        <a:latin typeface="Arial" panose="020B0604020202020204" pitchFamily="34" charset="0"/>
+        <a:ea typeface="宋体" panose="02010600030101010101" pitchFamily="2" charset="-122"/>
         <a:cs typeface="+mn-cs"/>
       </a:defRPr>
     </a:lvl3pPr>
@@ -107,8 +107,8 @@
         <a:solidFill>
           <a:schemeClr val="tx1"/>
         </a:solidFill>
-        <a:latin typeface="Arial" panose="020B0604020202090204" pitchFamily="34" charset="0"/>
-        <a:ea typeface="宋体" pitchFamily="2" charset="-122"/>
+        <a:latin typeface="Arial" panose="020B0604020202020204" pitchFamily="34" charset="0"/>
+        <a:ea typeface="宋体" panose="02010600030101010101" pitchFamily="2" charset="-122"/>
         <a:cs typeface="+mn-cs"/>
       </a:defRPr>
     </a:lvl4pPr>
@@ -127,8 +127,8 @@
         <a:solidFill>
           <a:schemeClr val="tx1"/>
         </a:solidFill>
-        <a:latin typeface="Arial" panose="020B0604020202090204" pitchFamily="34" charset="0"/>
-        <a:ea typeface="宋体" pitchFamily="2" charset="-122"/>
+        <a:latin typeface="Arial" panose="020B0604020202020204" pitchFamily="34" charset="0"/>
+        <a:ea typeface="宋体" panose="02010600030101010101" pitchFamily="2" charset="-122"/>
         <a:cs typeface="+mn-cs"/>
       </a:defRPr>
     </a:lvl5pPr>
@@ -147,8 +147,8 @@
         <a:solidFill>
           <a:schemeClr val="tx1"/>
         </a:solidFill>
-        <a:latin typeface="Arial" panose="020B0604020202090204" pitchFamily="34" charset="0"/>
-        <a:ea typeface="宋体" pitchFamily="2" charset="-122"/>
+        <a:latin typeface="Arial" panose="020B0604020202020204" pitchFamily="34" charset="0"/>
+        <a:ea typeface="宋体" panose="02010600030101010101" pitchFamily="2" charset="-122"/>
         <a:cs typeface="+mn-cs"/>
       </a:defRPr>
     </a:lvl6pPr>
@@ -167,8 +167,8 @@
         <a:solidFill>
           <a:schemeClr val="tx1"/>
         </a:solidFill>
-        <a:latin typeface="Arial" panose="020B0604020202090204" pitchFamily="34" charset="0"/>
-        <a:ea typeface="宋体" pitchFamily="2" charset="-122"/>
+        <a:latin typeface="Arial" panose="020B0604020202020204" pitchFamily="34" charset="0"/>
+        <a:ea typeface="宋体" panose="02010600030101010101" pitchFamily="2" charset="-122"/>
         <a:cs typeface="+mn-cs"/>
       </a:defRPr>
     </a:lvl7pPr>
@@ -187,8 +187,8 @@
         <a:solidFill>
           <a:schemeClr val="tx1"/>
         </a:solidFill>
-        <a:latin typeface="Arial" panose="020B0604020202090204" pitchFamily="34" charset="0"/>
-        <a:ea typeface="宋体" pitchFamily="2" charset="-122"/>
+        <a:latin typeface="Arial" panose="020B0604020202020204" pitchFamily="34" charset="0"/>
+        <a:ea typeface="宋体" panose="02010600030101010101" pitchFamily="2" charset="-122"/>
         <a:cs typeface="+mn-cs"/>
       </a:defRPr>
     </a:lvl8pPr>
@@ -207,8 +207,8 @@
         <a:solidFill>
           <a:schemeClr val="tx1"/>
         </a:solidFill>
-        <a:latin typeface="Arial" panose="020B0604020202090204" pitchFamily="34" charset="0"/>
-        <a:ea typeface="宋体" pitchFamily="2" charset="-122"/>
+        <a:latin typeface="Arial" panose="020B0604020202020204" pitchFamily="34" charset="0"/>
+        <a:ea typeface="宋体" panose="02010600030101010101" pitchFamily="2" charset="-122"/>
         <a:cs typeface="+mn-cs"/>
       </a:defRPr>
     </a:lvl9pPr>
@@ -216,12 +216,12 @@
   <p:extLst>
     <p:ext uri="{EFAFB233-063F-42B5-8137-9DF3F51BA10A}">
       <p15:sldGuideLst xmlns:p15="http://schemas.microsoft.com/office/powerpoint/2012/main">
-        <p15:guide id="1" orient="horz" pos="2160" userDrawn="1">
+        <p15:guide id="1" orient="horz" pos="2124" userDrawn="1">
           <p15:clr>
             <a:srgbClr val="A4A3A4"/>
           </p15:clr>
         </p15:guide>
-        <p15:guide id="2" pos="2920" userDrawn="1">
+        <p15:guide id="2" pos="2936" userDrawn="1">
           <p15:clr>
             <a:srgbClr val="A4A3A4"/>
           </p15:clr>
@@ -363,7 +363,7 @@
           <a:p>
             <a:pPr lvl="0"/>
             <a:endParaRPr lang="zh-CN" altLang="en-US">
-              <a:latin typeface="Arial" panose="020B0604020202090204" pitchFamily="34" charset="0"/>
+              <a:latin typeface="Arial" panose="020B0604020202020204" pitchFamily="34" charset="0"/>
             </a:endParaRPr>
           </a:p>
         </p:txBody>
@@ -385,7 +385,7 @@
           <a:p>
             <a:pPr lvl="0"/>
             <a:endParaRPr lang="zh-CN" altLang="en-US">
-              <a:latin typeface="Arial" panose="020B0604020202090204" pitchFamily="34" charset="0"/>
+              <a:latin typeface="Arial" panose="020B0604020202020204" pitchFamily="34" charset="0"/>
             </a:endParaRPr>
           </a:p>
         </p:txBody>
@@ -408,11 +408,11 @@
             <a:pPr lvl="0"/>
             <a:fld id="{9A0DB2DC-4C9A-4742-B13C-FB6460FD3503}" type="slidenum">
               <a:rPr lang="zh-CN" altLang="en-US">
-                <a:latin typeface="Arial" panose="020B0604020202090204" pitchFamily="34" charset="0"/>
+                <a:latin typeface="Arial" panose="020B0604020202020204" pitchFamily="34" charset="0"/>
               </a:rPr>
             </a:fld>
             <a:endParaRPr lang="zh-CN" altLang="en-US">
-              <a:latin typeface="Arial" panose="020B0604020202090204" pitchFamily="34" charset="0"/>
+              <a:latin typeface="Arial" panose="020B0604020202020204" pitchFamily="34" charset="0"/>
             </a:endParaRPr>
           </a:p>
         </p:txBody>
@@ -538,7 +538,7 @@
           <a:p>
             <a:pPr lvl="0"/>
             <a:endParaRPr lang="zh-CN" altLang="en-US">
-              <a:latin typeface="Arial" panose="020B0604020202090204" pitchFamily="34" charset="0"/>
+              <a:latin typeface="Arial" panose="020B0604020202020204" pitchFamily="34" charset="0"/>
             </a:endParaRPr>
           </a:p>
         </p:txBody>
@@ -560,7 +560,7 @@
           <a:p>
             <a:pPr lvl="0"/>
             <a:endParaRPr lang="zh-CN" altLang="en-US">
-              <a:latin typeface="Arial" panose="020B0604020202090204" pitchFamily="34" charset="0"/>
+              <a:latin typeface="Arial" panose="020B0604020202020204" pitchFamily="34" charset="0"/>
             </a:endParaRPr>
           </a:p>
         </p:txBody>
@@ -583,11 +583,11 @@
             <a:pPr lvl="0"/>
             <a:fld id="{9A0DB2DC-4C9A-4742-B13C-FB6460FD3503}" type="slidenum">
               <a:rPr lang="zh-CN" altLang="en-US">
-                <a:latin typeface="Arial" panose="020B0604020202090204" pitchFamily="34" charset="0"/>
+                <a:latin typeface="Arial" panose="020B0604020202020204" pitchFamily="34" charset="0"/>
               </a:rPr>
             </a:fld>
             <a:endParaRPr lang="zh-CN" altLang="en-US">
-              <a:latin typeface="Arial" panose="020B0604020202090204" pitchFamily="34" charset="0"/>
+              <a:latin typeface="Arial" panose="020B0604020202020204" pitchFamily="34" charset="0"/>
             </a:endParaRPr>
           </a:p>
         </p:txBody>
@@ -723,7 +723,7 @@
           <a:p>
             <a:pPr lvl="0"/>
             <a:endParaRPr lang="zh-CN" altLang="en-US">
-              <a:latin typeface="Arial" panose="020B0604020202090204" pitchFamily="34" charset="0"/>
+              <a:latin typeface="Arial" panose="020B0604020202020204" pitchFamily="34" charset="0"/>
             </a:endParaRPr>
           </a:p>
         </p:txBody>
@@ -745,7 +745,7 @@
           <a:p>
             <a:pPr lvl="0"/>
             <a:endParaRPr lang="zh-CN" altLang="en-US">
-              <a:latin typeface="Arial" panose="020B0604020202090204" pitchFamily="34" charset="0"/>
+              <a:latin typeface="Arial" panose="020B0604020202020204" pitchFamily="34" charset="0"/>
             </a:endParaRPr>
           </a:p>
         </p:txBody>
@@ -768,11 +768,11 @@
             <a:pPr lvl="0"/>
             <a:fld id="{9A0DB2DC-4C9A-4742-B13C-FB6460FD3503}" type="slidenum">
               <a:rPr lang="zh-CN" altLang="en-US">
-                <a:latin typeface="Arial" panose="020B0604020202090204" pitchFamily="34" charset="0"/>
+                <a:latin typeface="Arial" panose="020B0604020202020204" pitchFamily="34" charset="0"/>
               </a:rPr>
             </a:fld>
             <a:endParaRPr lang="zh-CN" altLang="en-US">
-              <a:latin typeface="Arial" panose="020B0604020202090204" pitchFamily="34" charset="0"/>
+              <a:latin typeface="Arial" panose="020B0604020202020204" pitchFamily="34" charset="0"/>
             </a:endParaRPr>
           </a:p>
         </p:txBody>
@@ -3088,7 +3088,7 @@
           <a:p>
             <a:pPr lvl="0"/>
             <a:endParaRPr lang="zh-CN" altLang="en-US">
-              <a:latin typeface="Arial" panose="020B0604020202090204" pitchFamily="34" charset="0"/>
+              <a:latin typeface="Arial" panose="020B0604020202020204" pitchFamily="34" charset="0"/>
             </a:endParaRPr>
           </a:p>
         </p:txBody>
@@ -3110,7 +3110,7 @@
           <a:p>
             <a:pPr lvl="0"/>
             <a:endParaRPr lang="zh-CN" altLang="en-US">
-              <a:latin typeface="Arial" panose="020B0604020202090204" pitchFamily="34" charset="0"/>
+              <a:latin typeface="Arial" panose="020B0604020202020204" pitchFamily="34" charset="0"/>
             </a:endParaRPr>
           </a:p>
         </p:txBody>
@@ -3133,11 +3133,11 @@
             <a:pPr lvl="0"/>
             <a:fld id="{9A0DB2DC-4C9A-4742-B13C-FB6460FD3503}" type="slidenum">
               <a:rPr lang="zh-CN" altLang="en-US">
-                <a:latin typeface="Arial" panose="020B0604020202090204" pitchFamily="34" charset="0"/>
+                <a:latin typeface="Arial" panose="020B0604020202020204" pitchFamily="34" charset="0"/>
               </a:rPr>
             </a:fld>
             <a:endParaRPr lang="zh-CN" altLang="en-US">
-              <a:latin typeface="Arial" panose="020B0604020202090204" pitchFamily="34" charset="0"/>
+              <a:latin typeface="Arial" panose="020B0604020202020204" pitchFamily="34" charset="0"/>
             </a:endParaRPr>
           </a:p>
         </p:txBody>
@@ -4511,7 +4511,7 @@
           <a:p>
             <a:pPr lvl="0"/>
             <a:endParaRPr lang="zh-CN" altLang="en-US">
-              <a:latin typeface="Arial" panose="020B0604020202090204" pitchFamily="34" charset="0"/>
+              <a:latin typeface="Arial" panose="020B0604020202020204" pitchFamily="34" charset="0"/>
             </a:endParaRPr>
           </a:p>
         </p:txBody>
@@ -4533,7 +4533,7 @@
           <a:p>
             <a:pPr lvl="0"/>
             <a:endParaRPr lang="zh-CN" altLang="en-US">
-              <a:latin typeface="Arial" panose="020B0604020202090204" pitchFamily="34" charset="0"/>
+              <a:latin typeface="Arial" panose="020B0604020202020204" pitchFamily="34" charset="0"/>
             </a:endParaRPr>
           </a:p>
         </p:txBody>
@@ -4556,11 +4556,11 @@
             <a:pPr lvl="0"/>
             <a:fld id="{9A0DB2DC-4C9A-4742-B13C-FB6460FD3503}" type="slidenum">
               <a:rPr lang="zh-CN" altLang="en-US">
-                <a:latin typeface="Arial" panose="020B0604020202090204" pitchFamily="34" charset="0"/>
+                <a:latin typeface="Arial" panose="020B0604020202020204" pitchFamily="34" charset="0"/>
               </a:rPr>
             </a:fld>
             <a:endParaRPr lang="zh-CN" altLang="en-US">
-              <a:latin typeface="Arial" panose="020B0604020202090204" pitchFamily="34" charset="0"/>
+              <a:latin typeface="Arial" panose="020B0604020202020204" pitchFamily="34" charset="0"/>
             </a:endParaRPr>
           </a:p>
         </p:txBody>
@@ -4752,7 +4752,7 @@
           <a:p>
             <a:pPr lvl="0"/>
             <a:endParaRPr lang="zh-CN" altLang="en-US">
-              <a:latin typeface="Arial" panose="020B0604020202090204" pitchFamily="34" charset="0"/>
+              <a:latin typeface="Arial" panose="020B0604020202020204" pitchFamily="34" charset="0"/>
             </a:endParaRPr>
           </a:p>
         </p:txBody>
@@ -4774,7 +4774,7 @@
           <a:p>
             <a:pPr lvl="0"/>
             <a:endParaRPr lang="zh-CN" altLang="en-US">
-              <a:latin typeface="Arial" panose="020B0604020202090204" pitchFamily="34" charset="0"/>
+              <a:latin typeface="Arial" panose="020B0604020202020204" pitchFamily="34" charset="0"/>
             </a:endParaRPr>
           </a:p>
         </p:txBody>
@@ -4797,11 +4797,11 @@
             <a:pPr lvl="0"/>
             <a:fld id="{9A0DB2DC-4C9A-4742-B13C-FB6460FD3503}" type="slidenum">
               <a:rPr lang="zh-CN" altLang="en-US">
-                <a:latin typeface="Arial" panose="020B0604020202090204" pitchFamily="34" charset="0"/>
+                <a:latin typeface="Arial" panose="020B0604020202020204" pitchFamily="34" charset="0"/>
               </a:rPr>
             </a:fld>
             <a:endParaRPr lang="zh-CN" altLang="en-US">
-              <a:latin typeface="Arial" panose="020B0604020202090204" pitchFamily="34" charset="0"/>
+              <a:latin typeface="Arial" panose="020B0604020202020204" pitchFamily="34" charset="0"/>
             </a:endParaRPr>
           </a:p>
         </p:txBody>
@@ -5130,7 +5130,7 @@
           <a:p>
             <a:pPr lvl="0"/>
             <a:endParaRPr lang="zh-CN" altLang="en-US">
-              <a:latin typeface="Arial" panose="020B0604020202090204" pitchFamily="34" charset="0"/>
+              <a:latin typeface="Arial" panose="020B0604020202020204" pitchFamily="34" charset="0"/>
             </a:endParaRPr>
           </a:p>
         </p:txBody>
@@ -5152,7 +5152,7 @@
           <a:p>
             <a:pPr lvl="0"/>
             <a:endParaRPr lang="zh-CN" altLang="en-US">
-              <a:latin typeface="Arial" panose="020B0604020202090204" pitchFamily="34" charset="0"/>
+              <a:latin typeface="Arial" panose="020B0604020202020204" pitchFamily="34" charset="0"/>
             </a:endParaRPr>
           </a:p>
         </p:txBody>
@@ -5175,11 +5175,11 @@
             <a:pPr lvl="0"/>
             <a:fld id="{9A0DB2DC-4C9A-4742-B13C-FB6460FD3503}" type="slidenum">
               <a:rPr lang="zh-CN" altLang="en-US">
-                <a:latin typeface="Arial" panose="020B0604020202090204" pitchFamily="34" charset="0"/>
+                <a:latin typeface="Arial" panose="020B0604020202020204" pitchFamily="34" charset="0"/>
               </a:rPr>
             </a:fld>
             <a:endParaRPr lang="zh-CN" altLang="en-US">
-              <a:latin typeface="Arial" panose="020B0604020202090204" pitchFamily="34" charset="0"/>
+              <a:latin typeface="Arial" panose="020B0604020202020204" pitchFamily="34" charset="0"/>
             </a:endParaRPr>
           </a:p>
         </p:txBody>
@@ -5249,7 +5249,7 @@
           <a:p>
             <a:pPr lvl="0"/>
             <a:endParaRPr lang="zh-CN" altLang="en-US">
-              <a:latin typeface="Arial" panose="020B0604020202090204" pitchFamily="34" charset="0"/>
+              <a:latin typeface="Arial" panose="020B0604020202020204" pitchFamily="34" charset="0"/>
             </a:endParaRPr>
           </a:p>
         </p:txBody>
@@ -5271,7 +5271,7 @@
           <a:p>
             <a:pPr lvl="0"/>
             <a:endParaRPr lang="zh-CN" altLang="en-US">
-              <a:latin typeface="Arial" panose="020B0604020202090204" pitchFamily="34" charset="0"/>
+              <a:latin typeface="Arial" panose="020B0604020202020204" pitchFamily="34" charset="0"/>
             </a:endParaRPr>
           </a:p>
         </p:txBody>
@@ -5294,11 +5294,11 @@
             <a:pPr lvl="0"/>
             <a:fld id="{9A0DB2DC-4C9A-4742-B13C-FB6460FD3503}" type="slidenum">
               <a:rPr lang="zh-CN" altLang="en-US">
-                <a:latin typeface="Arial" panose="020B0604020202090204" pitchFamily="34" charset="0"/>
+                <a:latin typeface="Arial" panose="020B0604020202020204" pitchFamily="34" charset="0"/>
               </a:rPr>
             </a:fld>
             <a:endParaRPr lang="zh-CN" altLang="en-US">
-              <a:latin typeface="Arial" panose="020B0604020202090204" pitchFamily="34" charset="0"/>
+              <a:latin typeface="Arial" panose="020B0604020202020204" pitchFamily="34" charset="0"/>
             </a:endParaRPr>
           </a:p>
         </p:txBody>
@@ -5345,7 +5345,7 @@
           <a:p>
             <a:pPr lvl="0"/>
             <a:endParaRPr lang="zh-CN" altLang="en-US">
-              <a:latin typeface="Arial" panose="020B0604020202090204" pitchFamily="34" charset="0"/>
+              <a:latin typeface="Arial" panose="020B0604020202020204" pitchFamily="34" charset="0"/>
             </a:endParaRPr>
           </a:p>
         </p:txBody>
@@ -5367,7 +5367,7 @@
           <a:p>
             <a:pPr lvl="0"/>
             <a:endParaRPr lang="zh-CN" altLang="en-US">
-              <a:latin typeface="Arial" panose="020B0604020202090204" pitchFamily="34" charset="0"/>
+              <a:latin typeface="Arial" panose="020B0604020202020204" pitchFamily="34" charset="0"/>
             </a:endParaRPr>
           </a:p>
         </p:txBody>
@@ -5390,11 +5390,11 @@
             <a:pPr lvl="0"/>
             <a:fld id="{9A0DB2DC-4C9A-4742-B13C-FB6460FD3503}" type="slidenum">
               <a:rPr lang="zh-CN" altLang="en-US">
-                <a:latin typeface="Arial" panose="020B0604020202090204" pitchFamily="34" charset="0"/>
+                <a:latin typeface="Arial" panose="020B0604020202020204" pitchFamily="34" charset="0"/>
               </a:rPr>
             </a:fld>
             <a:endParaRPr lang="zh-CN" altLang="en-US">
-              <a:latin typeface="Arial" panose="020B0604020202090204" pitchFamily="34" charset="0"/>
+              <a:latin typeface="Arial" panose="020B0604020202020204" pitchFamily="34" charset="0"/>
             </a:endParaRPr>
           </a:p>
         </p:txBody>
@@ -5628,7 +5628,7 @@
           <a:p>
             <a:pPr lvl="0"/>
             <a:endParaRPr lang="zh-CN" altLang="en-US">
-              <a:latin typeface="Arial" panose="020B0604020202090204" pitchFamily="34" charset="0"/>
+              <a:latin typeface="Arial" panose="020B0604020202020204" pitchFamily="34" charset="0"/>
             </a:endParaRPr>
           </a:p>
         </p:txBody>
@@ -5650,7 +5650,7 @@
           <a:p>
             <a:pPr lvl="0"/>
             <a:endParaRPr lang="zh-CN" altLang="en-US">
-              <a:latin typeface="Arial" panose="020B0604020202090204" pitchFamily="34" charset="0"/>
+              <a:latin typeface="Arial" panose="020B0604020202020204" pitchFamily="34" charset="0"/>
             </a:endParaRPr>
           </a:p>
         </p:txBody>
@@ -5673,11 +5673,11 @@
             <a:pPr lvl="0"/>
             <a:fld id="{9A0DB2DC-4C9A-4742-B13C-FB6460FD3503}" type="slidenum">
               <a:rPr lang="zh-CN" altLang="en-US">
-                <a:latin typeface="Arial" panose="020B0604020202090204" pitchFamily="34" charset="0"/>
+                <a:latin typeface="Arial" panose="020B0604020202020204" pitchFamily="34" charset="0"/>
               </a:rPr>
             </a:fld>
             <a:endParaRPr lang="zh-CN" altLang="en-US">
-              <a:latin typeface="Arial" panose="020B0604020202090204" pitchFamily="34" charset="0"/>
+              <a:latin typeface="Arial" panose="020B0604020202020204" pitchFamily="34" charset="0"/>
             </a:endParaRPr>
           </a:p>
         </p:txBody>
@@ -5883,7 +5883,7 @@
           <a:p>
             <a:pPr lvl="0"/>
             <a:endParaRPr lang="zh-CN" altLang="en-US">
-              <a:latin typeface="Arial" panose="020B0604020202090204" pitchFamily="34" charset="0"/>
+              <a:latin typeface="Arial" panose="020B0604020202020204" pitchFamily="34" charset="0"/>
             </a:endParaRPr>
           </a:p>
         </p:txBody>
@@ -5905,7 +5905,7 @@
           <a:p>
             <a:pPr lvl="0"/>
             <a:endParaRPr lang="zh-CN" altLang="en-US">
-              <a:latin typeface="Arial" panose="020B0604020202090204" pitchFamily="34" charset="0"/>
+              <a:latin typeface="Arial" panose="020B0604020202020204" pitchFamily="34" charset="0"/>
             </a:endParaRPr>
           </a:p>
         </p:txBody>
@@ -5928,11 +5928,11 @@
             <a:pPr lvl="0"/>
             <a:fld id="{9A0DB2DC-4C9A-4742-B13C-FB6460FD3503}" type="slidenum">
               <a:rPr lang="zh-CN" altLang="en-US">
-                <a:latin typeface="Arial" panose="020B0604020202090204" pitchFamily="34" charset="0"/>
+                <a:latin typeface="Arial" panose="020B0604020202020204" pitchFamily="34" charset="0"/>
               </a:rPr>
             </a:fld>
             <a:endParaRPr lang="zh-CN" altLang="en-US">
-              <a:latin typeface="Arial" panose="020B0604020202090204" pitchFamily="34" charset="0"/>
+              <a:latin typeface="Arial" panose="020B0604020202020204" pitchFamily="34" charset="0"/>
             </a:endParaRPr>
           </a:p>
         </p:txBody>
@@ -6100,7 +6100,7 @@
           <a:p>
             <a:pPr lvl="0"/>
             <a:endParaRPr lang="zh-CN" altLang="en-US">
-              <a:latin typeface="Arial" panose="020B0604020202090204" pitchFamily="34" charset="0"/>
+              <a:latin typeface="Arial" panose="020B0604020202020204" pitchFamily="34" charset="0"/>
             </a:endParaRPr>
           </a:p>
         </p:txBody>
@@ -6138,7 +6138,7 @@
           <a:p>
             <a:pPr lvl="0"/>
             <a:endParaRPr lang="zh-CN" altLang="en-US">
-              <a:latin typeface="Arial" panose="020B0604020202090204" pitchFamily="34" charset="0"/>
+              <a:latin typeface="Arial" panose="020B0604020202020204" pitchFamily="34" charset="0"/>
             </a:endParaRPr>
           </a:p>
         </p:txBody>
@@ -6177,11 +6177,11 @@
             <a:pPr lvl="0"/>
             <a:fld id="{9A0DB2DC-4C9A-4742-B13C-FB6460FD3503}" type="slidenum">
               <a:rPr lang="zh-CN" altLang="en-US">
-                <a:latin typeface="Arial" panose="020B0604020202090204" pitchFamily="34" charset="0"/>
+                <a:latin typeface="Arial" panose="020B0604020202020204" pitchFamily="34" charset="0"/>
               </a:rPr>
             </a:fld>
             <a:endParaRPr lang="zh-CN" altLang="en-US">
-              <a:latin typeface="Arial" panose="020B0604020202090204" pitchFamily="34" charset="0"/>
+              <a:latin typeface="Arial" panose="020B0604020202020204" pitchFamily="34" charset="0"/>
             </a:endParaRPr>
           </a:p>
         </p:txBody>
@@ -6444,8 +6444,8 @@
           <a:solidFill>
             <a:schemeClr val="tx1"/>
           </a:solidFill>
-          <a:latin typeface="Arial" panose="020B0604020202090204" pitchFamily="34" charset="0"/>
-          <a:ea typeface="宋体" pitchFamily="2" charset="-122"/>
+          <a:latin typeface="Arial" panose="020B0604020202020204" pitchFamily="34" charset="0"/>
+          <a:ea typeface="宋体" panose="02010600030101010101" pitchFamily="2" charset="-122"/>
           <a:cs typeface="+mn-cs"/>
         </a:defRPr>
       </a:lvl2pPr>
@@ -6464,8 +6464,8 @@
           <a:solidFill>
             <a:schemeClr val="tx1"/>
           </a:solidFill>
-          <a:latin typeface="Arial" panose="020B0604020202090204" pitchFamily="34" charset="0"/>
-          <a:ea typeface="宋体" pitchFamily="2" charset="-122"/>
+          <a:latin typeface="Arial" panose="020B0604020202020204" pitchFamily="34" charset="0"/>
+          <a:ea typeface="宋体" panose="02010600030101010101" pitchFamily="2" charset="-122"/>
           <a:cs typeface="+mn-cs"/>
         </a:defRPr>
       </a:lvl3pPr>
@@ -6484,8 +6484,8 @@
           <a:solidFill>
             <a:schemeClr val="tx1"/>
           </a:solidFill>
-          <a:latin typeface="Arial" panose="020B0604020202090204" pitchFamily="34" charset="0"/>
-          <a:ea typeface="宋体" pitchFamily="2" charset="-122"/>
+          <a:latin typeface="Arial" panose="020B0604020202020204" pitchFamily="34" charset="0"/>
+          <a:ea typeface="宋体" panose="02010600030101010101" pitchFamily="2" charset="-122"/>
           <a:cs typeface="+mn-cs"/>
         </a:defRPr>
       </a:lvl4pPr>
@@ -6504,8 +6504,8 @@
           <a:solidFill>
             <a:schemeClr val="tx1"/>
           </a:solidFill>
-          <a:latin typeface="Arial" panose="020B0604020202090204" pitchFamily="34" charset="0"/>
-          <a:ea typeface="宋体" pitchFamily="2" charset="-122"/>
+          <a:latin typeface="Arial" panose="020B0604020202020204" pitchFamily="34" charset="0"/>
+          <a:ea typeface="宋体" panose="02010600030101010101" pitchFamily="2" charset="-122"/>
           <a:cs typeface="+mn-cs"/>
         </a:defRPr>
       </a:lvl5pPr>
@@ -6524,8 +6524,8 @@
           <a:solidFill>
             <a:schemeClr val="tx1"/>
           </a:solidFill>
-          <a:latin typeface="Arial" panose="020B0604020202090204" pitchFamily="34" charset="0"/>
-          <a:ea typeface="宋体" pitchFamily="2" charset="-122"/>
+          <a:latin typeface="Arial" panose="020B0604020202020204" pitchFamily="34" charset="0"/>
+          <a:ea typeface="宋体" panose="02010600030101010101" pitchFamily="2" charset="-122"/>
           <a:cs typeface="+mn-cs"/>
         </a:defRPr>
       </a:lvl6pPr>
@@ -6544,8 +6544,8 @@
           <a:solidFill>
             <a:schemeClr val="tx1"/>
           </a:solidFill>
-          <a:latin typeface="Arial" panose="020B0604020202090204" pitchFamily="34" charset="0"/>
-          <a:ea typeface="宋体" pitchFamily="2" charset="-122"/>
+          <a:latin typeface="Arial" panose="020B0604020202020204" pitchFamily="34" charset="0"/>
+          <a:ea typeface="宋体" panose="02010600030101010101" pitchFamily="2" charset="-122"/>
           <a:cs typeface="+mn-cs"/>
         </a:defRPr>
       </a:lvl7pPr>
@@ -6564,8 +6564,8 @@
           <a:solidFill>
             <a:schemeClr val="tx1"/>
           </a:solidFill>
-          <a:latin typeface="Arial" panose="020B0604020202090204" pitchFamily="34" charset="0"/>
-          <a:ea typeface="宋体" pitchFamily="2" charset="-122"/>
+          <a:latin typeface="Arial" panose="020B0604020202020204" pitchFamily="34" charset="0"/>
+          <a:ea typeface="宋体" panose="02010600030101010101" pitchFamily="2" charset="-122"/>
           <a:cs typeface="+mn-cs"/>
         </a:defRPr>
       </a:lvl8pPr>
@@ -6584,8 +6584,8 @@
           <a:solidFill>
             <a:schemeClr val="tx1"/>
           </a:solidFill>
-          <a:latin typeface="Arial" panose="020B0604020202090204" pitchFamily="34" charset="0"/>
-          <a:ea typeface="宋体" pitchFamily="2" charset="-122"/>
+          <a:latin typeface="Arial" panose="020B0604020202020204" pitchFamily="34" charset="0"/>
+          <a:ea typeface="宋体" panose="02010600030101010101" pitchFamily="2" charset="-122"/>
           <a:cs typeface="+mn-cs"/>
         </a:defRPr>
       </a:lvl9pPr>
@@ -6908,7 +6908,7 @@
         <a:spcAft>
           <a:spcPts val="1000"/>
         </a:spcAft>
-        <a:buFont typeface="Arial" panose="020B0604020202090204" pitchFamily="34" charset="0"/>
+        <a:buFont typeface="Arial" panose="020B0604020202020204" pitchFamily="34" charset="0"/>
         <a:buChar char="●"/>
         <a:defRPr sz="1350" u="none" strike="noStrike" kern="1200" cap="none" spc="150" normalizeH="0" baseline="0">
           <a:solidFill>
@@ -6933,7 +6933,7 @@
         <a:spcAft>
           <a:spcPts val="600"/>
         </a:spcAft>
-        <a:buFont typeface="Arial" panose="020B0604020202090204" pitchFamily="34" charset="0"/>
+        <a:buFont typeface="Arial" panose="020B0604020202020204" pitchFamily="34" charset="0"/>
         <a:buChar char="●"/>
         <a:tabLst>
           <a:tab pos="1207135" algn="l"/>
@@ -6964,7 +6964,7 @@
         <a:spcAft>
           <a:spcPts val="600"/>
         </a:spcAft>
-        <a:buFont typeface="Arial" panose="020B0604020202090204" pitchFamily="34" charset="0"/>
+        <a:buFont typeface="Arial" panose="020B0604020202020204" pitchFamily="34" charset="0"/>
         <a:buChar char="●"/>
         <a:defRPr sz="1200" u="none" strike="noStrike" kern="1200" cap="none" spc="150" normalizeH="0" baseline="0">
           <a:solidFill>
@@ -7014,7 +7014,7 @@
         <a:spcAft>
           <a:spcPts val="300"/>
         </a:spcAft>
-        <a:buFont typeface="Arial" panose="020B0604020202090204" pitchFamily="34" charset="0"/>
+        <a:buFont typeface="Arial" panose="020B0604020202020204" pitchFamily="34" charset="0"/>
         <a:buChar char="•"/>
         <a:defRPr sz="1050" u="none" strike="noStrike" kern="1200" cap="none" spc="150" normalizeH="0" baseline="0">
           <a:solidFill>
@@ -7036,7 +7036,7 @@
         <a:spcBef>
           <a:spcPts val="375"/>
         </a:spcBef>
-        <a:buFont typeface="Arial" panose="020B0604020202090204" pitchFamily="34" charset="0"/>
+        <a:buFont typeface="Arial" panose="020B0604020202020204" pitchFamily="34" charset="0"/>
         <a:buChar char="•"/>
         <a:defRPr sz="1350" kern="1200">
           <a:solidFill>
@@ -7054,7 +7054,7 @@
         <a:spcBef>
           <a:spcPts val="375"/>
         </a:spcBef>
-        <a:buFont typeface="Arial" panose="020B0604020202090204" pitchFamily="34" charset="0"/>
+        <a:buFont typeface="Arial" panose="020B0604020202020204" pitchFamily="34" charset="0"/>
         <a:buChar char="•"/>
         <a:defRPr sz="1350" kern="1200">
           <a:solidFill>
@@ -7072,7 +7072,7 @@
         <a:spcBef>
           <a:spcPts val="375"/>
         </a:spcBef>
-        <a:buFont typeface="Arial" panose="020B0604020202090204" pitchFamily="34" charset="0"/>
+        <a:buFont typeface="Arial" panose="020B0604020202020204" pitchFamily="34" charset="0"/>
         <a:buChar char="•"/>
         <a:defRPr sz="1350" kern="1200">
           <a:solidFill>
@@ -7090,7 +7090,7 @@
         <a:spcBef>
           <a:spcPts val="375"/>
         </a:spcBef>
-        <a:buFont typeface="Arial" panose="020B0604020202090204" pitchFamily="34" charset="0"/>
+        <a:buFont typeface="Arial" panose="020B0604020202020204" pitchFamily="34" charset="0"/>
         <a:buChar char="•"/>
         <a:defRPr sz="1350" kern="1200">
           <a:solidFill>
@@ -7213,35 +7213,6 @@
       <p:grpSpPr/>
       <p:sp>
         <p:nvSpPr>
-          <p:cNvPr id="5" name="文本占位符 4"/>
-          <p:cNvSpPr>
-            <a:spLocks noGrp="1"/>
-          </p:cNvSpPr>
-          <p:nvPr>
-            <p:ph type="body" idx="13"/>
-            <p:custDataLst>
-              <p:tags r:id="rId1"/>
-            </p:custDataLst>
-          </p:nvPr>
-        </p:nvSpPr>
-        <p:spPr/>
-        <p:txBody>
-          <a:bodyPr/>
-          <a:p>
-            <a:r>
-              <a:rPr lang="zh-CN" altLang="en-US"/>
-              <a:t>2025/02/0</a:t>
-            </a:r>
-            <a:r>
-              <a:rPr lang="en-US" altLang="zh-CN"/>
-              <a:t>4</a:t>
-            </a:r>
-            <a:endParaRPr lang="en-US" altLang="zh-CN"/>
-          </a:p>
-        </p:txBody>
-      </p:sp>
-      <p:sp>
-        <p:nvSpPr>
           <p:cNvPr id="6" name="标题 5"/>
           <p:cNvSpPr>
             <a:spLocks noGrp="1"/>
@@ -7249,11 +7220,16 @@
           <p:nvPr>
             <p:ph type="ctrTitle" idx="14"/>
             <p:custDataLst>
-              <p:tags r:id="rId2"/>
+              <p:tags r:id="rId1"/>
             </p:custDataLst>
           </p:nvPr>
         </p:nvSpPr>
-        <p:spPr/>
+        <p:spPr>
+          <a:xfrm>
+            <a:off x="1115694" y="1988821"/>
+            <a:ext cx="7058027" cy="1571627"/>
+          </a:xfrm>
+        </p:spPr>
         <p:txBody>
           <a:bodyPr/>
           <a:p>
@@ -7274,11 +7250,16 @@
           <p:nvPr>
             <p:ph type="body" idx="15"/>
             <p:custDataLst>
-              <p:tags r:id="rId3"/>
+              <p:tags r:id="rId2"/>
             </p:custDataLst>
           </p:nvPr>
         </p:nvSpPr>
-        <p:spPr/>
+        <p:spPr>
+          <a:xfrm>
+            <a:off x="1115694" y="2924807"/>
+            <a:ext cx="6972302" cy="342900"/>
+          </a:xfrm>
+        </p:spPr>
         <p:txBody>
           <a:bodyPr/>
           <a:p>
@@ -7292,7 +7273,7 @@
       </p:sp>
     </p:spTree>
     <p:custDataLst>
-      <p:tags r:id="rId4"/>
+      <p:tags r:id="rId3"/>
     </p:custDataLst>
   </p:cSld>
   <p:clrMapOvr>
@@ -7431,7 +7412,7 @@
                 <a:latin typeface="Microsoft YaHei UI" panose="020B0503020204020204" charset="-122"/>
                 <a:ea typeface="Microsoft YaHei UI" panose="020B0503020204020204" charset="-122"/>
               </a:rPr>
-              <a:t>AI</a:t>
+              <a:t>AI </a:t>
             </a:r>
             <a:r>
               <a:rPr lang="zh-CN" altLang="en-US" sz="3300">
@@ -7443,36 +7424,6 @@
               </a:rPr>
               <a:t>语言模型</a:t>
             </a:r>
-            <a:r>
-              <a:rPr lang="en-US" altLang="zh-CN" sz="3300">
-                <a:solidFill>
-                  <a:schemeClr val="tx1"/>
-                </a:solidFill>
-                <a:latin typeface="Microsoft YaHei UI" panose="020B0503020204020204" charset="-122"/>
-                <a:ea typeface="Microsoft YaHei UI" panose="020B0503020204020204" charset="-122"/>
-              </a:rPr>
-              <a:t>（</a:t>
-            </a:r>
-            <a:r>
-              <a:rPr lang="zh-CN" altLang="en-US" sz="3300">
-                <a:solidFill>
-                  <a:schemeClr val="tx1"/>
-                </a:solidFill>
-                <a:latin typeface="Microsoft YaHei UI" panose="020B0503020204020204" charset="-122"/>
-                <a:ea typeface="Microsoft YaHei UI" panose="020B0503020204020204" charset="-122"/>
-              </a:rPr>
-              <a:t>了解一下</a:t>
-            </a:r>
-            <a:r>
-              <a:rPr lang="en-US" altLang="zh-CN" sz="3300">
-                <a:solidFill>
-                  <a:schemeClr val="tx1"/>
-                </a:solidFill>
-                <a:latin typeface="Microsoft YaHei UI" panose="020B0503020204020204" charset="-122"/>
-                <a:ea typeface="Microsoft YaHei UI" panose="020B0503020204020204" charset="-122"/>
-              </a:rPr>
-              <a:t>）</a:t>
-            </a:r>
             <a:endParaRPr lang="en-US" altLang="zh-CN" sz="3300">
               <a:solidFill>
                 <a:schemeClr val="tx1"/>
@@ -7491,8 +7442,8 @@
         </p:nvSpPr>
         <p:spPr>
           <a:xfrm>
-            <a:off x="1764030" y="1624330"/>
-            <a:ext cx="6882130" cy="368300"/>
+            <a:off x="1763395" y="1638935"/>
+            <a:ext cx="6882130" cy="645160"/>
           </a:xfrm>
           <a:prstGeom prst="rect">
             <a:avLst/>
@@ -7505,7 +7456,7 @@
           </a:bodyPr>
           <a:p>
             <a:r>
-              <a:rPr lang="en-US" altLang="zh-CN">
+              <a:rPr lang="en-US" altLang="zh-CN" sz="1800">
                 <a:solidFill>
                   <a:schemeClr val="tx1">
                     <a:lumMod val="50000"/>
@@ -7513,42 +7464,52 @@
                   </a:schemeClr>
                 </a:solidFill>
               </a:rPr>
-              <a:t>AI </a:t>
+              <a:t>AI 模型有很多，不同产品用到的不一样，不是所有模型都适合编程；</a:t>
+            </a:r>
+            <a:endParaRPr lang="en-US" altLang="zh-CN" sz="1800">
+              <a:solidFill>
+                <a:schemeClr val="tx1">
+                  <a:lumMod val="50000"/>
+                  <a:lumOff val="50000"/>
+                </a:schemeClr>
+              </a:solidFill>
+            </a:endParaRPr>
+          </a:p>
+          <a:p>
+            <a:r>
+              <a:rPr lang="en-US" altLang="zh-CN" sz="1800">
+                <a:solidFill>
+                  <a:srgbClr val="FF0000"/>
+                </a:solidFill>
+                <a:sym typeface="+mn-ea"/>
+              </a:rPr>
+              <a:t>推理性模型</a:t>
             </a:r>
             <a:r>
-              <a:rPr lang="zh-CN" altLang="en-US">
+              <a:rPr lang="zh-CN" altLang="en-US" sz="1800">
                 <a:solidFill>
                   <a:schemeClr val="tx1">
                     <a:lumMod val="50000"/>
                     <a:lumOff val="50000"/>
                   </a:schemeClr>
                 </a:solidFill>
+                <a:sym typeface="+mn-ea"/>
               </a:rPr>
-              <a:t>模型有很多</a:t>
+              <a:t>会更</a:t>
             </a:r>
             <a:r>
-              <a:rPr lang="en-US" altLang="zh-CN">
+              <a:rPr lang="en-US" altLang="zh-CN" sz="1800">
                 <a:solidFill>
                   <a:schemeClr val="tx1">
                     <a:lumMod val="50000"/>
                     <a:lumOff val="50000"/>
                   </a:schemeClr>
                 </a:solidFill>
+                <a:sym typeface="+mn-ea"/>
               </a:rPr>
-              <a:t>，</a:t>
+              <a:t>适合编程这类工科技术业务</a:t>
             </a:r>
-            <a:r>
-              <a:rPr lang="zh-CN" altLang="en-US">
-                <a:solidFill>
-                  <a:schemeClr val="tx1">
-                    <a:lumMod val="50000"/>
-                    <a:lumOff val="50000"/>
-                  </a:schemeClr>
-                </a:solidFill>
-              </a:rPr>
-              <a:t>不同产品用到的不一样，不是所有模型都适合编程</a:t>
-            </a:r>
-            <a:endParaRPr lang="zh-CN" altLang="en-US">
+            <a:endParaRPr lang="en-US" altLang="zh-CN" sz="1800">
               <a:solidFill>
                 <a:schemeClr val="tx1">
                   <a:lumMod val="50000"/>
@@ -7567,7 +7528,7 @@
         </p:nvGrpSpPr>
         <p:grpSpPr>
           <a:xfrm>
-            <a:off x="1908175" y="2182495"/>
+            <a:off x="1890395" y="2421255"/>
             <a:ext cx="4820920" cy="305435"/>
             <a:chOff x="4937" y="4076"/>
             <a:chExt cx="7592" cy="481"/>
@@ -7765,63 +7726,11 @@
               </a:pPr>
               <a:r>
                 <a:rPr lang="en-US" altLang="zh-CN" sz="1800">
-                  <a:solidFill>
-                    <a:schemeClr val="tx1"/>
-                  </a:solidFill>
                   <a:latin typeface="Microsoft YaHei UI" panose="020B0503020204020204" charset="-122"/>
                   <a:ea typeface="Microsoft YaHei UI" panose="020B0503020204020204" charset="-122"/>
+                  <a:sym typeface="+mn-ea"/>
                 </a:rPr>
-                <a:t>deepseeek r1（</a:t>
-              </a:r>
-              <a:r>
-                <a:rPr lang="zh-CN" altLang="en-US" sz="1800">
-                  <a:solidFill>
-                    <a:schemeClr val="tx1"/>
-                  </a:solidFill>
-                  <a:latin typeface="Microsoft YaHei UI" panose="020B0503020204020204" charset="-122"/>
-                  <a:ea typeface="Microsoft YaHei UI" panose="020B0503020204020204" charset="-122"/>
-                </a:rPr>
-                <a:t>适合推理</a:t>
-              </a:r>
-              <a:r>
-                <a:rPr lang="en-US" altLang="zh-CN" sz="1800">
-                  <a:solidFill>
-                    <a:schemeClr val="tx1"/>
-                  </a:solidFill>
-                  <a:latin typeface="Microsoft YaHei UI" panose="020B0503020204020204" charset="-122"/>
-                  <a:ea typeface="Microsoft YaHei UI" panose="020B0503020204020204" charset="-122"/>
-                </a:rPr>
-                <a:t>，</a:t>
-              </a:r>
-              <a:r>
-                <a:rPr lang="zh-CN" altLang="en-US" sz="1800">
-                  <a:solidFill>
-                    <a:schemeClr val="tx1"/>
-                  </a:solidFill>
-                  <a:latin typeface="Microsoft YaHei UI" panose="020B0503020204020204" charset="-122"/>
-                  <a:ea typeface="Microsoft YaHei UI" panose="020B0503020204020204" charset="-122"/>
-                </a:rPr>
-                <a:t>会补充</a:t>
-              </a:r>
-              <a:r>
-                <a:rPr lang="zh-CN" altLang="en-US" sz="1800">
-                  <a:solidFill>
-                    <a:schemeClr val="tx1"/>
-                  </a:solidFill>
-                  <a:latin typeface="Microsoft YaHei UI" panose="020B0503020204020204" charset="-122"/>
-                  <a:ea typeface="Microsoft YaHei UI" panose="020B0503020204020204" charset="-122"/>
-                </a:rPr>
-                <a:t>更多细节</a:t>
-              </a:r>
-              <a:r>
-                <a:rPr lang="en-US" altLang="zh-CN" sz="1800">
-                  <a:solidFill>
-                    <a:schemeClr val="tx1"/>
-                  </a:solidFill>
-                  <a:latin typeface="Microsoft YaHei UI" panose="020B0503020204020204" charset="-122"/>
-                  <a:ea typeface="Microsoft YaHei UI" panose="020B0503020204020204" charset="-122"/>
-                </a:rPr>
-                <a:t>）</a:t>
+                <a:t>claude</a:t>
               </a:r>
               <a:endParaRPr lang="en-US" altLang="zh-CN" sz="1800">
                 <a:solidFill>
@@ -7846,7 +7755,7 @@
         </p:nvSpPr>
         <p:spPr>
           <a:xfrm flipH="1">
-            <a:off x="1908175" y="2646680"/>
+            <a:off x="1890395" y="2885440"/>
             <a:ext cx="76200" cy="283845"/>
           </a:xfrm>
           <a:custGeom>
@@ -8006,7 +7915,7 @@
         </p:nvSpPr>
         <p:spPr>
           <a:xfrm>
-            <a:off x="2060575" y="2625090"/>
+            <a:off x="2042795" y="2863850"/>
             <a:ext cx="5620385" cy="304800"/>
           </a:xfrm>
           <a:prstGeom prst="rect">
@@ -8026,45 +7935,11 @@
             </a:pPr>
             <a:r>
               <a:rPr lang="en-US" altLang="zh-CN" sz="1800">
-                <a:solidFill>
-                  <a:schemeClr val="tx1"/>
-                </a:solidFill>
-                <a:latin typeface="Microsoft YaHei UI" panose="020B0503020204020204" charset="-122"/>
-                <a:ea typeface="Microsoft YaHei UI" panose="020B0503020204020204" charset="-122"/>
-              </a:rPr>
-              <a:t>claude-3.7-sonnet</a:t>
-            </a:r>
-            <a:r>
-              <a:rPr lang="en-US" altLang="zh-CN" sz="1800">
                 <a:latin typeface="Microsoft YaHei UI" panose="020B0503020204020204" charset="-122"/>
                 <a:ea typeface="Microsoft YaHei UI" panose="020B0503020204020204" charset="-122"/>
                 <a:sym typeface="+mn-ea"/>
               </a:rPr>
-              <a:t>（3.7 </a:t>
-            </a:r>
-            <a:r>
-              <a:rPr lang="zh-CN" altLang="en-US" sz="1800">
-                <a:latin typeface="Microsoft YaHei UI" panose="020B0503020204020204" charset="-122"/>
-                <a:ea typeface="Microsoft YaHei UI" panose="020B0503020204020204" charset="-122"/>
-                <a:sym typeface="+mn-ea"/>
-              </a:rPr>
-              <a:t>版本处理代码现在也</a:t>
-            </a:r>
-            <a:r>
-              <a:rPr lang="zh-CN" altLang="en-US" sz="1800">
-                <a:latin typeface="Microsoft YaHei UI" panose="020B0503020204020204" charset="-122"/>
-                <a:ea typeface="Microsoft YaHei UI" panose="020B0503020204020204" charset="-122"/>
-                <a:sym typeface="+mn-ea"/>
-              </a:rPr>
-              <a:t>很强</a:t>
-            </a:r>
-            <a:r>
-              <a:rPr lang="en-US" altLang="zh-CN" sz="1800">
-                <a:latin typeface="Microsoft YaHei UI" panose="020B0503020204020204" charset="-122"/>
-                <a:ea typeface="Microsoft YaHei UI" panose="020B0503020204020204" charset="-122"/>
-                <a:sym typeface="+mn-ea"/>
-              </a:rPr>
-              <a:t>）</a:t>
+              <a:t>deepseeek r1</a:t>
             </a:r>
             <a:endParaRPr lang="en-US" altLang="zh-CN" sz="1800">
               <a:solidFill>
@@ -8088,7 +7963,7 @@
         </p:nvSpPr>
         <p:spPr>
           <a:xfrm flipH="1">
-            <a:off x="1908175" y="3089275"/>
+            <a:off x="1890395" y="3328035"/>
             <a:ext cx="76200" cy="283845"/>
           </a:xfrm>
           <a:custGeom>
@@ -8248,7 +8123,7 @@
         </p:nvSpPr>
         <p:spPr>
           <a:xfrm>
-            <a:off x="2060575" y="3067685"/>
+            <a:off x="2042795" y="3306445"/>
             <a:ext cx="2600325" cy="304800"/>
           </a:xfrm>
           <a:prstGeom prst="rect">
@@ -8274,7 +8149,7 @@
                 <a:latin typeface="Microsoft YaHei UI" panose="020B0503020204020204" charset="-122"/>
                 <a:ea typeface="Microsoft YaHei UI" panose="020B0503020204020204" charset="-122"/>
               </a:rPr>
-              <a:t>gpt-4o</a:t>
+              <a:t>gpt</a:t>
             </a:r>
             <a:endParaRPr lang="en-US" altLang="zh-CN" sz="1800">
               <a:solidFill>
@@ -8298,7 +8173,7 @@
         </p:nvSpPr>
         <p:spPr>
           <a:xfrm flipH="1">
-            <a:off x="1899285" y="3553460"/>
+            <a:off x="1881505" y="3792220"/>
             <a:ext cx="76200" cy="283845"/>
           </a:xfrm>
           <a:custGeom>
@@ -8458,7 +8333,7 @@
         </p:nvSpPr>
         <p:spPr>
           <a:xfrm>
-            <a:off x="2051685" y="3531870"/>
+            <a:off x="2033905" y="3770630"/>
             <a:ext cx="5685790" cy="304800"/>
           </a:xfrm>
           <a:prstGeom prst="rect">
@@ -8495,56 +8370,6 @@
                 <a:ea typeface="Microsoft YaHei UI" panose="020B0503020204020204" charset="-122"/>
               </a:rPr>
               <a:t>...</a:t>
-            </a:r>
-            <a:r>
-              <a:rPr lang="zh-CN" altLang="en-US" sz="1800">
-                <a:solidFill>
-                  <a:schemeClr val="tx1"/>
-                </a:solidFill>
-                <a:latin typeface="Microsoft YaHei UI" panose="020B0503020204020204" charset="-122"/>
-                <a:ea typeface="Microsoft YaHei UI" panose="020B0503020204020204" charset="-122"/>
-              </a:rPr>
-              <a:t>（有的可能</a:t>
-            </a:r>
-            <a:r>
-              <a:rPr lang="zh-CN" altLang="en-US" sz="1800">
-                <a:solidFill>
-                  <a:schemeClr val="tx1"/>
-                </a:solidFill>
-                <a:latin typeface="Microsoft YaHei UI" panose="020B0503020204020204" charset="-122"/>
-                <a:ea typeface="Microsoft YaHei UI" panose="020B0503020204020204" charset="-122"/>
-              </a:rPr>
-              <a:t>仅适合语言交流</a:t>
-            </a:r>
-            <a:r>
-              <a:rPr lang="en-US" altLang="zh-CN" sz="1800">
-                <a:solidFill>
-                  <a:schemeClr val="tx1"/>
-                </a:solidFill>
-                <a:latin typeface="Microsoft YaHei UI" panose="020B0503020204020204" charset="-122"/>
-                <a:ea typeface="Microsoft YaHei UI" panose="020B0503020204020204" charset="-122"/>
-              </a:rPr>
-              <a:t>，</a:t>
-            </a:r>
-            <a:r>
-              <a:rPr lang="zh-CN" altLang="en-US" sz="1800">
-                <a:solidFill>
-                  <a:schemeClr val="tx1"/>
-                </a:solidFill>
-                <a:latin typeface="Microsoft YaHei UI" panose="020B0503020204020204" charset="-122"/>
-                <a:ea typeface="Microsoft YaHei UI" panose="020B0503020204020204" charset="-122"/>
-              </a:rPr>
-              <a:t>不适合写</a:t>
-            </a:r>
-            <a:r>
-              <a:rPr lang="zh-CN" altLang="en-US" sz="1800">
-                <a:solidFill>
-                  <a:schemeClr val="tx1"/>
-                </a:solidFill>
-                <a:latin typeface="Microsoft YaHei UI" panose="020B0503020204020204" charset="-122"/>
-                <a:ea typeface="Microsoft YaHei UI" panose="020B0503020204020204" charset="-122"/>
-              </a:rPr>
-              <a:t>代码）</a:t>
             </a:r>
             <a:endParaRPr lang="zh-CN" altLang="en-US" sz="1800">
               <a:solidFill>
@@ -8783,9 +8608,9 @@
         <p:grpSpPr>
           <a:xfrm>
             <a:off x="1515745" y="2204720"/>
-            <a:ext cx="5600065" cy="2933700"/>
+            <a:ext cx="5600700" cy="2933700"/>
             <a:chOff x="4950" y="4110"/>
-            <a:chExt cx="8819" cy="4620"/>
+            <a:chExt cx="8820" cy="4620"/>
           </a:xfrm>
         </p:grpSpPr>
         <p:sp>
@@ -9206,18 +9031,22 @@
                   <a:latin typeface="Microsoft YaHei UI" panose="020B0503020204020204" charset="-122"/>
                   <a:ea typeface="Microsoft YaHei UI" panose="020B0503020204020204" charset="-122"/>
                 </a:rPr>
-                <a:t>包含头部日历</a:t>
+                <a:t>头部日历；</a:t>
               </a:r>
-              <a:r>
-                <a:rPr lang="en-US" altLang="zh-CN" sz="1200">
-                  <a:solidFill>
-                    <a:schemeClr val="tx1"/>
-                  </a:solidFill>
-                  <a:latin typeface="Microsoft YaHei UI" panose="020B0503020204020204" charset="-122"/>
-                  <a:ea typeface="Microsoft YaHei UI" panose="020B0503020204020204" charset="-122"/>
-                </a:rPr>
-                <a:t>、</a:t>
-              </a:r>
+              <a:endParaRPr lang="zh-CN" altLang="en-US" sz="1200">
+                <a:solidFill>
+                  <a:schemeClr val="tx1"/>
+                </a:solidFill>
+                <a:latin typeface="Microsoft YaHei UI" panose="020B0503020204020204" charset="-122"/>
+                <a:ea typeface="Microsoft YaHei UI" panose="020B0503020204020204" charset="-122"/>
+              </a:endParaRPr>
+            </a:p>
+            <a:p>
+              <a:pPr algn="l">
+                <a:lnSpc>
+                  <a:spcPct val="125000"/>
+                </a:lnSpc>
+              </a:pPr>
               <a:r>
                 <a:rPr lang="zh-CN" altLang="en-US" sz="1200">
                   <a:solidFill>
@@ -9226,7 +9055,7 @@
                   <a:latin typeface="Microsoft YaHei UI" panose="020B0503020204020204" charset="-122"/>
                   <a:ea typeface="Microsoft YaHei UI" panose="020B0503020204020204" charset="-122"/>
                 </a:rPr>
-                <a:t>内容数据区域展示</a:t>
+                <a:t>内容展示</a:t>
               </a:r>
               <a:r>
                 <a:rPr lang="en-US" altLang="zh-CN" sz="1200">
@@ -9260,7 +9089,7 @@
                   <a:latin typeface="Microsoft YaHei UI" panose="020B0503020204020204" charset="-122"/>
                   <a:ea typeface="Microsoft YaHei UI" panose="020B0503020204020204" charset="-122"/>
                 </a:rPr>
-                <a:t>包含今天时间线</a:t>
+                <a:t>今天时间线</a:t>
               </a:r>
               <a:r>
                 <a:rPr lang="en-US" altLang="zh-CN" sz="1200">
@@ -9280,165 +9109,27 @@
                 <a:ea typeface="Microsoft YaHei UI" panose="020B0503020204020204" charset="-122"/>
               </a:endParaRPr>
             </a:p>
-          </p:txBody>
-        </p:sp>
-        <p:sp>
-          <p:nvSpPr>
-            <p:cNvPr id="22" name="任意多边形 21"/>
-            <p:cNvSpPr/>
-            <p:nvPr>
-              <p:custDataLst>
-                <p:tags r:id="rId7"/>
-              </p:custDataLst>
-            </p:nvPr>
-          </p:nvSpPr>
-          <p:spPr>
-            <a:xfrm>
-              <a:off x="9495" y="4110"/>
-              <a:ext cx="60" cy="2040"/>
-            </a:xfrm>
-            <a:custGeom>
-              <a:avLst/>
-              <a:gdLst>
-                <a:gd name="connisteX0" fmla="*/ 0 w 50804"/>
-                <a:gd name="connsiteY0" fmla="*/ 25402 h 1727201"/>
-                <a:gd name="connisteX1" fmla="*/ 25402 w 50804"/>
-                <a:gd name="connsiteY1" fmla="*/ 0 h 1727201"/>
-                <a:gd name="connisteX2" fmla="*/ 25402 w 50804"/>
-                <a:gd name="connsiteY2" fmla="*/ 0 h 1727201"/>
-                <a:gd name="connisteX3" fmla="*/ 50804 w 50804"/>
-                <a:gd name="connsiteY3" fmla="*/ 25402 h 1727201"/>
-                <a:gd name="connisteX4" fmla="*/ 50804 w 50804"/>
-                <a:gd name="connsiteY4" fmla="*/ 1701798 h 1727201"/>
-                <a:gd name="connisteX5" fmla="*/ 25402 w 50804"/>
-                <a:gd name="connsiteY5" fmla="*/ 1727201 h 1727201"/>
-                <a:gd name="connisteX6" fmla="*/ 25402 w 50804"/>
-                <a:gd name="connsiteY6" fmla="*/ 1727201 h 1727201"/>
-                <a:gd name="connisteX7" fmla="*/ 0 w 50804"/>
-                <a:gd name="connsiteY7" fmla="*/ 1701798 h 1727201"/>
-                <a:gd name="connisteX8" fmla="*/ 0 w 50804"/>
-                <a:gd name="connsiteY8" fmla="*/ 25402 h 1727201"/>
-              </a:gdLst>
-              <a:ahLst/>
-              <a:cxnLst>
-                <a:cxn ang="0">
-                  <a:pos x="connisteX0" y="connsiteY0"/>
-                </a:cxn>
-                <a:cxn ang="0">
-                  <a:pos x="connisteX1" y="connsiteY1"/>
-                </a:cxn>
-                <a:cxn ang="0">
-                  <a:pos x="connisteX2" y="connsiteY2"/>
-                </a:cxn>
-                <a:cxn ang="0">
-                  <a:pos x="connisteX3" y="connsiteY3"/>
-                </a:cxn>
-                <a:cxn ang="0">
-                  <a:pos x="connisteX4" y="connsiteY4"/>
-                </a:cxn>
-                <a:cxn ang="0">
-                  <a:pos x="connisteX5" y="connsiteY5"/>
-                </a:cxn>
-                <a:cxn ang="0">
-                  <a:pos x="connisteX6" y="connsiteY6"/>
-                </a:cxn>
-                <a:cxn ang="0">
-                  <a:pos x="connisteX7" y="connsiteY7"/>
-                </a:cxn>
-                <a:cxn ang="0">
-                  <a:pos x="connisteX8" y="connsiteY8"/>
-                </a:cxn>
-              </a:cxnLst>
-              <a:pathLst>
-                <a:path w="50804" h="1727201">
-                  <a:moveTo>
-                    <a:pt x="0" y="25402"/>
-                  </a:moveTo>
-                  <a:cubicBezTo>
-                    <a:pt x="0" y="11375"/>
-                    <a:pt x="11375" y="0"/>
-                    <a:pt x="25402" y="0"/>
-                  </a:cubicBezTo>
-                  <a:lnTo>
-                    <a:pt x="25402" y="0"/>
-                  </a:lnTo>
-                  <a:cubicBezTo>
-                    <a:pt x="39429" y="0"/>
-                    <a:pt x="50804" y="11375"/>
-                    <a:pt x="50804" y="25402"/>
-                  </a:cubicBezTo>
-                  <a:lnTo>
-                    <a:pt x="50804" y="1701799"/>
-                  </a:lnTo>
-                  <a:cubicBezTo>
-                    <a:pt x="50804" y="1715835"/>
-                    <a:pt x="39429" y="1727201"/>
-                    <a:pt x="25402" y="1727201"/>
-                  </a:cubicBezTo>
-                  <a:lnTo>
-                    <a:pt x="25402" y="1727201"/>
-                  </a:lnTo>
-                  <a:cubicBezTo>
-                    <a:pt x="11375" y="1727201"/>
-                    <a:pt x="0" y="1715835"/>
-                    <a:pt x="0" y="1701799"/>
-                  </a:cubicBezTo>
-                  <a:lnTo>
-                    <a:pt x="0" y="25402"/>
-                  </a:lnTo>
-                  <a:close/>
-                </a:path>
-              </a:pathLst>
-            </a:custGeom>
-            <a:gradFill>
-              <a:gsLst>
-                <a:gs pos="0">
-                  <a:schemeClr val="accent4"/>
-                </a:gs>
-                <a:gs pos="100000">
-                  <a:schemeClr val="accent1"/>
-                </a:gs>
-              </a:gsLst>
-              <a:lin ang="5400000"/>
-            </a:gradFill>
-            <a:ln w="0">
-              <a:noFill/>
-            </a:ln>
-            <a:extLst>
-              <a:ext uri="{91240B29-F687-4F45-9708-019B960494DF}">
-                <a14:hiddenLine xmlns:a14="http://schemas.microsoft.com/office/drawing/2010/main" w="0">
-                  <a:pattFill prst="pct5">
-                    <a:fgClr>
-                      <a:schemeClr val="accent1">
-                        <a:lumMod val="75000"/>
-                      </a:schemeClr>
-                    </a:fgClr>
-                  </a:pattFill>
-                </a14:hiddenLine>
-              </a:ext>
-            </a:extLst>
-          </p:spPr>
-          <p:style>
-            <a:lnRef idx="2">
-              <a:schemeClr val="accent1">
-                <a:lumMod val="75000"/>
-              </a:schemeClr>
-            </a:lnRef>
-            <a:fillRef idx="1">
-              <a:schemeClr val="accent1"/>
-            </a:fillRef>
-            <a:effectRef idx="0">
-              <a:srgbClr val="FFFFFF"/>
-            </a:effectRef>
-            <a:fontRef idx="minor">
-              <a:schemeClr val="lt1"/>
-            </a:fontRef>
-          </p:style>
-          <p:txBody>
-            <a:bodyPr rtlCol="0" anchor="ctr"/>
             <a:p>
-              <a:pPr algn="ctr"/>
-              <a:endParaRPr lang="zh-CN" altLang="en-US"/>
+              <a:pPr algn="l">
+                <a:lnSpc>
+                  <a:spcPct val="125000"/>
+                </a:lnSpc>
+              </a:pPr>
+              <a:r>
+                <a:rPr lang="zh-CN" altLang="en-US" sz="1200">
+                  <a:latin typeface="Microsoft YaHei UI" panose="020B0503020204020204" charset="-122"/>
+                  <a:ea typeface="Microsoft YaHei UI" panose="020B0503020204020204" charset="-122"/>
+                  <a:sym typeface="+mn-ea"/>
+                </a:rPr>
+                <a:t>拖拽任务条修改时间；</a:t>
+              </a:r>
+              <a:endParaRPr lang="en-US" altLang="zh-CN" sz="1200">
+                <a:solidFill>
+                  <a:schemeClr val="tx1"/>
+                </a:solidFill>
+                <a:latin typeface="Microsoft YaHei UI" panose="020B0503020204020204" charset="-122"/>
+                <a:ea typeface="Microsoft YaHei UI" panose="020B0503020204020204" charset="-122"/>
+              </a:endParaRPr>
             </a:p>
           </p:txBody>
         </p:sp>
@@ -9448,7 +9139,7 @@
             <p:cNvSpPr txBox="1"/>
             <p:nvPr>
               <p:custDataLst>
-                <p:tags r:id="rId8"/>
+                <p:tags r:id="rId7"/>
               </p:custDataLst>
             </p:nvPr>
           </p:nvSpPr>
@@ -9480,7 +9171,7 @@
                   <a:latin typeface="Microsoft YaHei UI" panose="020B0503020204020204" charset="-122"/>
                   <a:ea typeface="Microsoft YaHei UI" panose="020B0503020204020204" charset="-122"/>
                 </a:rPr>
-                <a:t>图片识别密码输入</a:t>
+                <a:t>图片识别，密码输入</a:t>
               </a:r>
               <a:r>
                 <a:rPr lang="zh-CN" altLang="en-US" sz="1800">
@@ -9508,7 +9199,7 @@
             <p:cNvSpPr txBox="1"/>
             <p:nvPr>
               <p:custDataLst>
-                <p:tags r:id="rId9"/>
+                <p:tags r:id="rId8"/>
               </p:custDataLst>
             </p:nvPr>
           </p:nvSpPr>
@@ -9580,7 +9271,7 @@
                   <a:latin typeface="Microsoft YaHei UI" panose="020B0503020204020204" charset="-122"/>
                   <a:ea typeface="Microsoft YaHei UI" panose="020B0503020204020204" charset="-122"/>
                 </a:rPr>
-                <a:t>生成一个简单的密码输入</a:t>
+                <a:t>生成密码输入</a:t>
               </a:r>
               <a:r>
                 <a:rPr lang="zh-CN" altLang="en-US" sz="1200">
@@ -9604,271 +9295,11 @@
         </p:sp>
         <p:sp>
           <p:nvSpPr>
-            <p:cNvPr id="25" name="任意多边形 24"/>
-            <p:cNvSpPr/>
-            <p:nvPr>
-              <p:custDataLst>
-                <p:tags r:id="rId10"/>
-              </p:custDataLst>
-            </p:nvPr>
-          </p:nvSpPr>
-          <p:spPr>
-            <a:xfrm>
-              <a:off x="9495" y="6690"/>
-              <a:ext cx="60" cy="2040"/>
-            </a:xfrm>
-            <a:custGeom>
-              <a:avLst/>
-              <a:gdLst>
-                <a:gd name="connisteX0" fmla="*/ 0 w 50804"/>
-                <a:gd name="connsiteY0" fmla="*/ 25402 h 1727201"/>
-                <a:gd name="connisteX1" fmla="*/ 25402 w 50804"/>
-                <a:gd name="connsiteY1" fmla="*/ 0 h 1727201"/>
-                <a:gd name="connisteX2" fmla="*/ 25402 w 50804"/>
-                <a:gd name="connsiteY2" fmla="*/ 0 h 1727201"/>
-                <a:gd name="connisteX3" fmla="*/ 50804 w 50804"/>
-                <a:gd name="connsiteY3" fmla="*/ 25402 h 1727201"/>
-                <a:gd name="connisteX4" fmla="*/ 50804 w 50804"/>
-                <a:gd name="connsiteY4" fmla="*/ 1701798 h 1727201"/>
-                <a:gd name="connisteX5" fmla="*/ 25402 w 50804"/>
-                <a:gd name="connsiteY5" fmla="*/ 1727201 h 1727201"/>
-                <a:gd name="connisteX6" fmla="*/ 25402 w 50804"/>
-                <a:gd name="connsiteY6" fmla="*/ 1727201 h 1727201"/>
-                <a:gd name="connisteX7" fmla="*/ 0 w 50804"/>
-                <a:gd name="connsiteY7" fmla="*/ 1701798 h 1727201"/>
-                <a:gd name="connisteX8" fmla="*/ 0 w 50804"/>
-                <a:gd name="connsiteY8" fmla="*/ 25402 h 1727201"/>
-              </a:gdLst>
-              <a:ahLst/>
-              <a:cxnLst>
-                <a:cxn ang="0">
-                  <a:pos x="connisteX0" y="connsiteY0"/>
-                </a:cxn>
-                <a:cxn ang="0">
-                  <a:pos x="connisteX1" y="connsiteY1"/>
-                </a:cxn>
-                <a:cxn ang="0">
-                  <a:pos x="connisteX2" y="connsiteY2"/>
-                </a:cxn>
-                <a:cxn ang="0">
-                  <a:pos x="connisteX3" y="connsiteY3"/>
-                </a:cxn>
-                <a:cxn ang="0">
-                  <a:pos x="connisteX4" y="connsiteY4"/>
-                </a:cxn>
-                <a:cxn ang="0">
-                  <a:pos x="connisteX5" y="connsiteY5"/>
-                </a:cxn>
-                <a:cxn ang="0">
-                  <a:pos x="connisteX6" y="connsiteY6"/>
-                </a:cxn>
-                <a:cxn ang="0">
-                  <a:pos x="connisteX7" y="connsiteY7"/>
-                </a:cxn>
-                <a:cxn ang="0">
-                  <a:pos x="connisteX8" y="connsiteY8"/>
-                </a:cxn>
-              </a:cxnLst>
-              <a:pathLst>
-                <a:path w="50804" h="1727201">
-                  <a:moveTo>
-                    <a:pt x="0" y="25402"/>
-                  </a:moveTo>
-                  <a:cubicBezTo>
-                    <a:pt x="0" y="11375"/>
-                    <a:pt x="11375" y="0"/>
-                    <a:pt x="25402" y="0"/>
-                  </a:cubicBezTo>
-                  <a:lnTo>
-                    <a:pt x="25402" y="0"/>
-                  </a:lnTo>
-                  <a:cubicBezTo>
-                    <a:pt x="39429" y="0"/>
-                    <a:pt x="50804" y="11375"/>
-                    <a:pt x="50804" y="25402"/>
-                  </a:cubicBezTo>
-                  <a:lnTo>
-                    <a:pt x="50804" y="1701799"/>
-                  </a:lnTo>
-                  <a:cubicBezTo>
-                    <a:pt x="50804" y="1715835"/>
-                    <a:pt x="39429" y="1727201"/>
-                    <a:pt x="25402" y="1727201"/>
-                  </a:cubicBezTo>
-                  <a:lnTo>
-                    <a:pt x="25402" y="1727201"/>
-                  </a:lnTo>
-                  <a:cubicBezTo>
-                    <a:pt x="11375" y="1727201"/>
-                    <a:pt x="0" y="1715835"/>
-                    <a:pt x="0" y="1701799"/>
-                  </a:cubicBezTo>
-                  <a:lnTo>
-                    <a:pt x="0" y="25402"/>
-                  </a:lnTo>
-                  <a:close/>
-                </a:path>
-              </a:pathLst>
-            </a:custGeom>
-            <a:gradFill>
-              <a:gsLst>
-                <a:gs pos="0">
-                  <a:schemeClr val="accent4"/>
-                </a:gs>
-                <a:gs pos="100000">
-                  <a:schemeClr val="accent1"/>
-                </a:gs>
-              </a:gsLst>
-              <a:lin ang="5400000"/>
-            </a:gradFill>
-            <a:ln w="0">
-              <a:noFill/>
-            </a:ln>
-            <a:extLst>
-              <a:ext uri="{91240B29-F687-4F45-9708-019B960494DF}">
-                <a14:hiddenLine xmlns:a14="http://schemas.microsoft.com/office/drawing/2010/main" w="0">
-                  <a:pattFill prst="pct5">
-                    <a:fgClr>
-                      <a:schemeClr val="accent1">
-                        <a:lumMod val="75000"/>
-                      </a:schemeClr>
-                    </a:fgClr>
-                  </a:pattFill>
-                </a14:hiddenLine>
-              </a:ext>
-            </a:extLst>
-          </p:spPr>
-          <p:style>
-            <a:lnRef idx="2">
-              <a:schemeClr val="accent1">
-                <a:lumMod val="75000"/>
-              </a:schemeClr>
-            </a:lnRef>
-            <a:fillRef idx="1">
-              <a:schemeClr val="accent1"/>
-            </a:fillRef>
-            <a:effectRef idx="0">
-              <a:srgbClr val="FFFFFF"/>
-            </a:effectRef>
-            <a:fontRef idx="minor">
-              <a:schemeClr val="lt1"/>
-            </a:fontRef>
-          </p:style>
-          <p:txBody>
-            <a:bodyPr rtlCol="0" anchor="ctr"/>
-            <a:p>
-              <a:pPr algn="ctr"/>
-              <a:endParaRPr lang="zh-CN" altLang="en-US"/>
-            </a:p>
-          </p:txBody>
-        </p:sp>
-        <p:sp>
-          <p:nvSpPr>
-            <p:cNvPr id="26" name="文本框 25"/>
-            <p:cNvSpPr txBox="1"/>
-            <p:nvPr>
-              <p:custDataLst>
-                <p:tags r:id="rId11"/>
-              </p:custDataLst>
-            </p:nvPr>
-          </p:nvSpPr>
-          <p:spPr>
-            <a:xfrm>
-              <a:off x="9675" y="4110"/>
-              <a:ext cx="4095" cy="480"/>
-            </a:xfrm>
-            <a:prstGeom prst="rect">
-              <a:avLst/>
-            </a:prstGeom>
-            <a:noFill/>
-          </p:spPr>
-          <p:txBody>
-            <a:bodyPr wrap="square" lIns="0" tIns="0" rIns="0" bIns="0" rtlCol="0" anchor="t">
-              <a:noAutofit/>
-            </a:bodyPr>
-            <a:p>
-              <a:pPr algn="l">
-                <a:lnSpc>
-                  <a:spcPct val="111000"/>
-                </a:lnSpc>
-              </a:pPr>
-              <a:r>
-                <a:rPr lang="zh-CN" altLang="en-US" sz="1800">
-                  <a:solidFill>
-                    <a:schemeClr val="tx1"/>
-                  </a:solidFill>
-                  <a:latin typeface="Microsoft YaHei UI" panose="020B0503020204020204" charset="-122"/>
-                  <a:ea typeface="Microsoft YaHei UI" panose="020B0503020204020204" charset="-122"/>
-                </a:rPr>
-                <a:t>拖拽修改整体时间功能</a:t>
-              </a:r>
-              <a:endParaRPr lang="zh-CN" altLang="en-US" sz="1800">
-                <a:solidFill>
-                  <a:schemeClr val="tx1"/>
-                </a:solidFill>
-                <a:latin typeface="Microsoft YaHei UI" panose="020B0503020204020204" charset="-122"/>
-                <a:ea typeface="Microsoft YaHei UI" panose="020B0503020204020204" charset="-122"/>
-              </a:endParaRPr>
-            </a:p>
-          </p:txBody>
-        </p:sp>
-        <p:sp>
-          <p:nvSpPr>
-            <p:cNvPr id="27" name="文本框 26"/>
-            <p:cNvSpPr txBox="1"/>
-            <p:nvPr>
-              <p:custDataLst>
-                <p:tags r:id="rId12"/>
-              </p:custDataLst>
-            </p:nvPr>
-          </p:nvSpPr>
-          <p:spPr>
-            <a:xfrm>
-              <a:off x="9675" y="4710"/>
-              <a:ext cx="4065" cy="1440"/>
-            </a:xfrm>
-            <a:prstGeom prst="rect">
-              <a:avLst/>
-            </a:prstGeom>
-            <a:noFill/>
-          </p:spPr>
-          <p:txBody>
-            <a:bodyPr wrap="square" lIns="0" tIns="0" rIns="0" bIns="0" rtlCol="0" anchor="t">
-              <a:noAutofit/>
-            </a:bodyPr>
-            <a:p>
-              <a:pPr algn="l">
-                <a:lnSpc>
-                  <a:spcPct val="111000"/>
-                </a:lnSpc>
-              </a:pPr>
-              <a:r>
-                <a:rPr lang="zh-CN" altLang="en-US" sz="1200">
-                  <a:solidFill>
-                    <a:schemeClr val="tx1"/>
-                  </a:solidFill>
-                  <a:latin typeface="Microsoft YaHei UI" panose="020B0503020204020204" charset="-122"/>
-                  <a:ea typeface="Microsoft YaHei UI" panose="020B0503020204020204" charset="-122"/>
-                </a:rPr>
-                <a:t>拖拽整体，调整整个任务条的时间</a:t>
-              </a:r>
-              <a:endParaRPr lang="en-US" altLang="zh-CN" sz="1200">
-                <a:solidFill>
-                  <a:schemeClr val="tx1"/>
-                </a:solidFill>
-                <a:latin typeface="Microsoft YaHei UI" panose="020B0503020204020204" charset="-122"/>
-                <a:ea typeface="Microsoft YaHei UI" panose="020B0503020204020204" charset="-122"/>
-              </a:endParaRPr>
-            </a:p>
-          </p:txBody>
-        </p:sp>
-        <p:sp>
-          <p:nvSpPr>
             <p:cNvPr id="28" name="文本框 27"/>
             <p:cNvSpPr txBox="1"/>
             <p:nvPr>
               <p:custDataLst>
-                <p:tags r:id="rId13"/>
+                <p:tags r:id="rId9"/>
               </p:custDataLst>
             </p:nvPr>
           </p:nvSpPr>
@@ -9892,14 +9323,6 @@
                   <a:spcPct val="111000"/>
                 </a:lnSpc>
               </a:pPr>
-              <a:r>
-                <a:rPr lang="en-US" altLang="zh-CN" sz="1800">
-                  <a:latin typeface="Microsoft YaHei UI" panose="020B0503020204020204" charset="-122"/>
-                  <a:ea typeface="Microsoft YaHei UI" panose="020B0503020204020204" charset="-122"/>
-                  <a:sym typeface="+mn-ea"/>
-                </a:rPr>
-                <a:t>xxxx</a:t>
-              </a:r>
               <a:endParaRPr lang="en-US" altLang="zh-CN" sz="1800">
                 <a:solidFill>
                   <a:schemeClr val="tx1"/>
@@ -9916,7 +9339,7 @@
             <p:cNvSpPr txBox="1"/>
             <p:nvPr>
               <p:custDataLst>
-                <p:tags r:id="rId14"/>
+                <p:tags r:id="rId10"/>
               </p:custDataLst>
             </p:nvPr>
           </p:nvSpPr>
@@ -9940,14 +9363,6 @@
                   <a:spcPct val="111000"/>
                 </a:lnSpc>
               </a:pPr>
-              <a:r>
-                <a:rPr lang="en-US" altLang="zh-CN" sz="1200">
-                  <a:latin typeface="Microsoft YaHei UI" panose="020B0503020204020204" charset="-122"/>
-                  <a:ea typeface="Microsoft YaHei UI" panose="020B0503020204020204" charset="-122"/>
-                  <a:sym typeface="+mn-ea"/>
-                </a:rPr>
-                <a:t>xxxx</a:t>
-              </a:r>
               <a:endParaRPr lang="zh-CN" altLang="en-US" sz="1200">
                 <a:solidFill>
                   <a:schemeClr val="tx1"/>
@@ -9961,7 +9376,7 @@
       </p:grpSp>
     </p:spTree>
     <p:custDataLst>
-      <p:tags r:id="rId15"/>
+      <p:tags r:id="rId11"/>
     </p:custDataLst>
   </p:cSld>
   <p:clrMapOvr>
@@ -10227,6 +9642,16 @@
                 </a:lnSpc>
               </a:pPr>
               <a:r>
+                <a:rPr lang="en-US" altLang="zh-CN" sz="1800">
+                  <a:solidFill>
+                    <a:schemeClr val="bg1"/>
+                  </a:solidFill>
+                  <a:latin typeface="Microsoft YaHei UI" panose="020B0503020204020204" charset="-122"/>
+                  <a:ea typeface="Microsoft YaHei UI" panose="020B0503020204020204" charset="-122"/>
+                </a:rPr>
+                <a:t>1</a:t>
+              </a:r>
+              <a:r>
                 <a:rPr lang="zh-CN" altLang="en-US" sz="1800">
                   <a:solidFill>
                     <a:schemeClr val="bg1"/>
@@ -10234,7 +9659,7 @@
                   <a:latin typeface="Microsoft YaHei UI" panose="020B0503020204020204" charset="-122"/>
                   <a:ea typeface="Microsoft YaHei UI" panose="020B0503020204020204" charset="-122"/>
                 </a:rPr>
-                <a:t>先问简单框架</a:t>
+                <a:t>、先问简单框架</a:t>
               </a:r>
               <a:endParaRPr lang="zh-CN" altLang="en-US" sz="1800">
                 <a:solidFill>
@@ -10284,7 +9709,7 @@
                   <a:latin typeface="Microsoft YaHei UI" panose="020B0503020204020204" charset="-122"/>
                   <a:ea typeface="Microsoft YaHei UI" panose="020B0503020204020204" charset="-122"/>
                 </a:rPr>
-                <a:t>可以先问要实现一个大体的功能框架搭好一个代码架子</a:t>
+                <a:t>可以先问要实现一个大体的功能框架，搭好一个代码架子</a:t>
               </a:r>
               <a:endParaRPr lang="en-US" altLang="zh-CN" sz="1200">
                 <a:solidFill>
@@ -10327,6 +9752,16 @@
                 </a:lnSpc>
               </a:pPr>
               <a:r>
+                <a:rPr lang="en-US" altLang="zh-CN" sz="1800">
+                  <a:solidFill>
+                    <a:schemeClr val="bg1"/>
+                  </a:solidFill>
+                  <a:latin typeface="Microsoft YaHei UI" panose="020B0503020204020204" charset="-122"/>
+                  <a:ea typeface="Microsoft YaHei UI" panose="020B0503020204020204" charset="-122"/>
+                </a:rPr>
+                <a:t>2</a:t>
+              </a:r>
+              <a:r>
                 <a:rPr lang="zh-CN" altLang="en-US" sz="1800">
                   <a:solidFill>
                     <a:schemeClr val="bg1"/>
@@ -10334,7 +9769,7 @@
                   <a:latin typeface="Microsoft YaHei UI" panose="020B0503020204020204" charset="-122"/>
                   <a:ea typeface="Microsoft YaHei UI" panose="020B0503020204020204" charset="-122"/>
                 </a:rPr>
-                <a:t>逐步询问细节</a:t>
+                <a:t>、逐步询问细节</a:t>
               </a:r>
               <a:endParaRPr lang="zh-CN" altLang="en-US" sz="1800">
                 <a:solidFill>
@@ -10384,7 +9819,7 @@
                   <a:latin typeface="Microsoft YaHei UI" panose="020B0503020204020204" charset="-122"/>
                   <a:ea typeface="Microsoft YaHei UI" panose="020B0503020204020204" charset="-122"/>
                 </a:rPr>
-                <a:t>细节提问不要整块调整，只提问每一小段代码节点；并且这时候</a:t>
+                <a:t>提问范围不适合太大，只提问每一小段代码节点；这时候</a:t>
               </a:r>
               <a:r>
                 <a:rPr lang="en-US" altLang="zh-CN" sz="1200">
@@ -10404,7 +9839,7 @@
                   <a:latin typeface="Microsoft YaHei UI" panose="020B0503020204020204" charset="-122"/>
                   <a:ea typeface="Microsoft YaHei UI" panose="020B0503020204020204" charset="-122"/>
                 </a:rPr>
-                <a:t>给出的建议不要一次性全接受，因为已经有了代码量，避免影响没有问题的部分</a:t>
+                <a:t>给出的建议，不要一次性全接受，因为已经有了代码量，避免影响没有问题的部分。</a:t>
               </a:r>
               <a:endParaRPr lang="zh-CN" altLang="en-US" sz="1200">
                 <a:solidFill>
@@ -10567,6 +10002,16 @@
               </a:lnSpc>
             </a:pPr>
             <a:r>
+              <a:rPr lang="en-US" altLang="zh-CN" sz="1800">
+                <a:solidFill>
+                  <a:schemeClr val="bg1"/>
+                </a:solidFill>
+                <a:latin typeface="Microsoft YaHei UI" panose="020B0503020204020204" charset="-122"/>
+                <a:ea typeface="Microsoft YaHei UI" panose="020B0503020204020204" charset="-122"/>
+              </a:rPr>
+              <a:t>3</a:t>
+            </a:r>
+            <a:r>
               <a:rPr lang="zh-CN" altLang="en-US" sz="1800">
                 <a:solidFill>
                   <a:schemeClr val="bg1"/>
@@ -10574,7 +10019,7 @@
                 <a:latin typeface="Microsoft YaHei UI" panose="020B0503020204020204" charset="-122"/>
                 <a:ea typeface="Microsoft YaHei UI" panose="020B0503020204020204" charset="-122"/>
               </a:rPr>
-              <a:t>人工调整细节</a:t>
+              <a:t>、人工调整细节</a:t>
             </a:r>
             <a:endParaRPr lang="zh-CN" altLang="en-US" sz="1800">
               <a:solidFill>
@@ -10648,7 +10093,7 @@
                 <a:latin typeface="Microsoft YaHei UI" panose="020B0503020204020204" charset="-122"/>
                 <a:ea typeface="Microsoft YaHei UI" panose="020B0503020204020204" charset="-122"/>
               </a:rPr>
-              <a:t>这时候问</a:t>
+              <a:t>这时候再让</a:t>
             </a:r>
             <a:r>
               <a:rPr lang="en-US" altLang="zh-CN" sz="1200">
@@ -10668,7 +10113,7 @@
                 <a:latin typeface="Microsoft YaHei UI" panose="020B0503020204020204" charset="-122"/>
                 <a:ea typeface="Microsoft YaHei UI" panose="020B0503020204020204" charset="-122"/>
               </a:rPr>
-              <a:t>反而会比较费时间</a:t>
+              <a:t>干预文件反而会比较费时间</a:t>
             </a:r>
             <a:endParaRPr lang="en-US" altLang="zh-CN" sz="1200">
               <a:solidFill>
@@ -11411,7 +10856,7 @@
                   <a:latin typeface="Microsoft YaHei UI" panose="020B0503020204020204" charset="-122"/>
                   <a:ea typeface="Microsoft YaHei UI" panose="020B0503020204020204" charset="-122"/>
                 </a:rPr>
-                <a:t>通过提问获取到的建议，有些不能满足我们想要的状态；细节过于深，生成的代码就会造成上下文不连贯；需要人工检查</a:t>
+                <a:t>通过提问获取到的建议，有些不能满足我们想要的状态；细节过深，生成的代码就会造成上下文不连贯；需要人工检查</a:t>
               </a:r>
               <a:endParaRPr lang="zh-CN" altLang="en-US" sz="1200">
                 <a:solidFill>
@@ -12205,47 +11650,7 @@
                   <a:latin typeface="Microsoft YaHei UI" panose="020B0503020204020204" charset="-122"/>
                   <a:ea typeface="Microsoft YaHei UI" panose="020B0503020204020204" charset="-122"/>
                 </a:rPr>
-                <a:t>会向无代码</a:t>
-              </a:r>
-              <a:r>
-                <a:rPr lang="en-US" altLang="zh-CN" sz="1200">
-                  <a:solidFill>
-                    <a:schemeClr val="tx1"/>
-                  </a:solidFill>
-                  <a:latin typeface="Microsoft YaHei UI" panose="020B0503020204020204" charset="-122"/>
-                  <a:ea typeface="Microsoft YaHei UI" panose="020B0503020204020204" charset="-122"/>
-                </a:rPr>
-                <a:t>(</a:t>
-              </a:r>
-              <a:r>
-                <a:rPr lang="zh-CN" altLang="en-US" sz="1200">
-                  <a:solidFill>
-                    <a:schemeClr val="tx1"/>
-                  </a:solidFill>
-                  <a:latin typeface="Microsoft YaHei UI" panose="020B0503020204020204" charset="-122"/>
-                  <a:ea typeface="Microsoft YaHei UI" panose="020B0503020204020204" charset="-122"/>
-                </a:rPr>
-                <a:t>人工代码</a:t>
-              </a:r>
-              <a:r>
-                <a:rPr lang="en-US" altLang="zh-CN" sz="1200">
-                  <a:solidFill>
-                    <a:schemeClr val="tx1"/>
-                  </a:solidFill>
-                  <a:latin typeface="Microsoft YaHei UI" panose="020B0503020204020204" charset="-122"/>
-                  <a:ea typeface="Microsoft YaHei UI" panose="020B0503020204020204" charset="-122"/>
-                </a:rPr>
-                <a:t>)</a:t>
-              </a:r>
-              <a:r>
-                <a:rPr lang="zh-CN" altLang="en-US" sz="1200">
-                  <a:solidFill>
-                    <a:schemeClr val="tx1"/>
-                  </a:solidFill>
-                  <a:latin typeface="Microsoft YaHei UI" panose="020B0503020204020204" charset="-122"/>
-                  <a:ea typeface="Microsoft YaHei UI" panose="020B0503020204020204" charset="-122"/>
-                </a:rPr>
-                <a:t>方向发展；</a:t>
+                <a:t>会向无人工代码方向发展；</a:t>
               </a:r>
               <a:endParaRPr lang="zh-CN" altLang="en-US" sz="1200">
                 <a:solidFill>
@@ -14296,7 +13701,7 @@
                   <a:latin typeface="Microsoft YaHei UI" panose="020B0503020204020204" charset="-122"/>
                   <a:ea typeface="Microsoft YaHei UI" panose="020B0503020204020204" charset="-122"/>
                 </a:rPr>
-                <a:t>自动生成代码建议</a:t>
+                <a:t>自动生成代码</a:t>
               </a:r>
               <a:r>
                 <a:rPr lang="en-US" altLang="zh-CN" sz="1200">
@@ -14326,16 +13731,6 @@
                   <a:ea typeface="Microsoft YaHei UI" panose="020B0503020204020204" charset="-122"/>
                 </a:rPr>
                 <a:t>图片识别</a:t>
-              </a:r>
-              <a:r>
-                <a:rPr lang="zh-CN" altLang="en-US" sz="1200">
-                  <a:solidFill>
-                    <a:schemeClr val="tx1"/>
-                  </a:solidFill>
-                  <a:latin typeface="Microsoft YaHei UI" panose="020B0503020204020204" charset="-122"/>
-                  <a:ea typeface="Microsoft YaHei UI" panose="020B0503020204020204" charset="-122"/>
-                </a:rPr>
-                <a:t>功能生成代码</a:t>
               </a:r>
               <a:r>
                 <a:rPr lang="en-US" altLang="zh-CN" sz="1200">
@@ -14369,29 +13764,9 @@
                   <a:latin typeface="Microsoft YaHei UI" panose="020B0503020204020204" charset="-122"/>
                   <a:ea typeface="Microsoft YaHei UI" panose="020B0503020204020204" charset="-122"/>
                 </a:rPr>
-                <a:t>我们能从技术问题转</a:t>
+                <a:t>开发人员从重技术转为重设计；</a:t>
               </a:r>
-              <a:r>
-                <a:rPr lang="zh-CN" altLang="en-US" sz="1200">
-                  <a:solidFill>
-                    <a:schemeClr val="tx1"/>
-                  </a:solidFill>
-                  <a:latin typeface="Microsoft YaHei UI" panose="020B0503020204020204" charset="-122"/>
-                  <a:ea typeface="Microsoft YaHei UI" panose="020B0503020204020204" charset="-122"/>
-                </a:rPr>
-                <a:t>为专注业务设计</a:t>
-              </a:r>
-              <a:r>
-                <a:rPr lang="en-US" altLang="zh-CN" sz="1200">
-                  <a:solidFill>
-                    <a:schemeClr val="tx1"/>
-                  </a:solidFill>
-                  <a:latin typeface="Microsoft YaHei UI" panose="020B0503020204020204" charset="-122"/>
-                  <a:ea typeface="Microsoft YaHei UI" panose="020B0503020204020204" charset="-122"/>
-                </a:rPr>
-                <a:t>；</a:t>
-              </a:r>
-              <a:endParaRPr lang="en-US" altLang="zh-CN" sz="1200">
+              <a:endParaRPr lang="zh-CN" altLang="en-US" sz="1200">
                 <a:solidFill>
                   <a:schemeClr val="tx1"/>
                 </a:solidFill>
@@ -14599,7 +13974,7 @@
                   <a:latin typeface="Microsoft YaHei UI" panose="020B0503020204020204" charset="-122"/>
                   <a:ea typeface="Microsoft YaHei UI" panose="020B0503020204020204" charset="-122"/>
                 </a:rPr>
-                <a:t>适应未来趋势</a:t>
+                <a:t>提前适应未来趋势</a:t>
               </a:r>
               <a:endParaRPr lang="zh-CN" altLang="en-US" sz="1800">
                 <a:solidFill>
@@ -14659,7 +14034,7 @@
                   <a:latin typeface="Microsoft YaHei UI" panose="020B0503020204020204" charset="-122"/>
                   <a:ea typeface="Microsoft YaHei UI" panose="020B0503020204020204" charset="-122"/>
                 </a:rPr>
-                <a:t>肯定是未来发展核心</a:t>
+                <a:t>一定是未来发展核心</a:t>
               </a:r>
               <a:r>
                 <a:rPr lang="en-US" altLang="zh-CN" sz="1200">
@@ -14679,27 +14054,7 @@
                   <a:latin typeface="Microsoft YaHei UI" panose="020B0503020204020204" charset="-122"/>
                   <a:ea typeface="Microsoft YaHei UI" panose="020B0503020204020204" charset="-122"/>
                 </a:rPr>
-                <a:t>我们提前用</a:t>
-              </a:r>
-              <a:r>
-                <a:rPr lang="en-US" altLang="zh-CN" sz="1200">
-                  <a:solidFill>
-                    <a:schemeClr val="tx1"/>
-                  </a:solidFill>
-                  <a:latin typeface="Microsoft YaHei UI" panose="020B0503020204020204" charset="-122"/>
-                  <a:ea typeface="Microsoft YaHei UI" panose="020B0503020204020204" charset="-122"/>
-                </a:rPr>
-                <a:t>AI </a:t>
-              </a:r>
-              <a:r>
-                <a:rPr lang="zh-CN" altLang="en-US" sz="1200">
-                  <a:solidFill>
-                    <a:schemeClr val="tx1"/>
-                  </a:solidFill>
-                  <a:latin typeface="Microsoft YaHei UI" panose="020B0503020204020204" charset="-122"/>
-                  <a:ea typeface="Microsoft YaHei UI" panose="020B0503020204020204" charset="-122"/>
-                </a:rPr>
-                <a:t>也能提前适应使用</a:t>
+                <a:t>提前用</a:t>
               </a:r>
               <a:r>
                 <a:rPr lang="en-US" altLang="zh-CN" sz="1200">
@@ -14719,7 +14074,7 @@
                   <a:latin typeface="Microsoft YaHei UI" panose="020B0503020204020204" charset="-122"/>
                   <a:ea typeface="Microsoft YaHei UI" panose="020B0503020204020204" charset="-122"/>
                 </a:rPr>
-                <a:t>的方式；</a:t>
+                <a:t>也能提前适应未来的生活方式；</a:t>
               </a:r>
               <a:endParaRPr lang="zh-CN" altLang="en-US" sz="1200">
                 <a:solidFill>
@@ -14819,7 +14174,7 @@
                   <a:latin typeface="Microsoft YaHei UI" panose="020B0503020204020204" charset="-122"/>
                   <a:ea typeface="Microsoft YaHei UI" panose="020B0503020204020204" charset="-122"/>
                 </a:rPr>
-                <a:t>对已有代码进行分析</a:t>
+                <a:t>对已有代码分析</a:t>
               </a:r>
               <a:r>
                 <a:rPr lang="en-US" altLang="zh-CN" sz="1200">
@@ -14859,7 +14214,7 @@
                   <a:latin typeface="Microsoft YaHei UI" panose="020B0503020204020204" charset="-122"/>
                   <a:ea typeface="Microsoft YaHei UI" panose="020B0503020204020204" charset="-122"/>
                 </a:rPr>
-                <a:t>遇到问题没头绪的时候有一个引导和启发</a:t>
+                <a:t>遇到问题没头绪的时候，能给一些引导和启发</a:t>
               </a:r>
               <a:r>
                 <a:rPr lang="en-US" altLang="zh-CN" sz="1200">
@@ -15245,7 +14600,7 @@
               <a:rPr lang="zh-CN" altLang="en-US" sz="3300">
                 <a:sym typeface="+mn-ea"/>
               </a:rPr>
-              <a:t>AI编程的开发方式</a:t>
+              <a:t>AI的开发方式</a:t>
             </a:r>
             <a:endParaRPr lang="zh-CN" altLang="en-US" sz="3300">
               <a:solidFill>
@@ -15604,7 +14959,7 @@
           <p:spPr>
             <a:xfrm>
               <a:off x="900" y="7050"/>
-              <a:ext cx="3870" cy="480"/>
+              <a:ext cx="6694" cy="480"/>
             </a:xfrm>
             <a:prstGeom prst="rect">
               <a:avLst/>
@@ -15629,7 +14984,7 @@
                   <a:latin typeface="Microsoft YaHei UI" panose="020B0503020204020204" charset="-122"/>
                   <a:ea typeface="Microsoft YaHei UI" panose="020B0503020204020204" charset="-122"/>
                 </a:rPr>
-                <a:t>代码编辑器内嵌</a:t>
+                <a:t>代码编辑器，内嵌</a:t>
               </a:r>
               <a:r>
                 <a:rPr lang="en-US" altLang="zh-CN" sz="1800">
@@ -15650,6 +15005,46 @@
                   <a:ea typeface="Microsoft YaHei UI" panose="020B0503020204020204" charset="-122"/>
                 </a:rPr>
                 <a:t>插件</a:t>
+              </a:r>
+              <a:r>
+                <a:rPr lang="en-US" altLang="zh-CN" sz="1800">
+                  <a:solidFill>
+                    <a:schemeClr val="tx1"/>
+                  </a:solidFill>
+                  <a:latin typeface="Microsoft YaHei UI" panose="020B0503020204020204" charset="-122"/>
+                  <a:ea typeface="Microsoft YaHei UI" panose="020B0503020204020204" charset="-122"/>
+                </a:rPr>
+                <a:t> (</a:t>
+              </a:r>
+              <a:r>
+                <a:rPr lang="zh-CN" altLang="en-US" sz="1800">
+                  <a:solidFill>
+                    <a:schemeClr val="tx1"/>
+                  </a:solidFill>
+                  <a:latin typeface="Microsoft YaHei UI" panose="020B0503020204020204" charset="-122"/>
+                  <a:ea typeface="Microsoft YaHei UI" panose="020B0503020204020204" charset="-122"/>
+                </a:rPr>
+                <a:t>如</a:t>
+              </a:r>
+              <a:r>
+                <a:rPr lang="en-US" altLang="zh-CN" sz="1800">
+                  <a:solidFill>
+                    <a:schemeClr val="tx1"/>
+                  </a:solidFill>
+                  <a:latin typeface="Microsoft YaHei UI" panose="020B0503020204020204" charset="-122"/>
+                  <a:ea typeface="Microsoft YaHei UI" panose="020B0503020204020204" charset="-122"/>
+                </a:rPr>
+                <a:t> cursor</a:t>
+              </a:r>
+              <a:r>
+                <a:rPr lang="zh-CN" altLang="en-US" sz="1800">
+                  <a:solidFill>
+                    <a:schemeClr val="tx1"/>
+                  </a:solidFill>
+                  <a:latin typeface="Microsoft YaHei UI" panose="020B0503020204020204" charset="-122"/>
+                  <a:ea typeface="Microsoft YaHei UI" panose="020B0503020204020204" charset="-122"/>
+                </a:rPr>
+                <a:t>）</a:t>
               </a:r>
               <a:endParaRPr lang="zh-CN" altLang="en-US" sz="1800">
                 <a:solidFill>
@@ -15709,7 +15104,7 @@
                   <a:latin typeface="Microsoft YaHei UI" panose="020B0503020204020204" charset="-122"/>
                   <a:ea typeface="Microsoft YaHei UI" panose="020B0503020204020204" charset="-122"/>
                 </a:rPr>
-                <a:t>、编码时即时提供代码建议，</a:t>
+                <a:t>、</a:t>
               </a:r>
               <a:r>
                 <a:rPr lang="en-US" altLang="zh-CN" sz="1200">
@@ -15729,7 +15124,7 @@
                   <a:latin typeface="Microsoft YaHei UI" panose="020B0503020204020204" charset="-122"/>
                   <a:ea typeface="Microsoft YaHei UI" panose="020B0503020204020204" charset="-122"/>
                 </a:rPr>
-                <a:t>直接生成代码；</a:t>
+                <a:t>编码中立即提供建议，直接生成代码段落；</a:t>
               </a:r>
               <a:endParaRPr lang="zh-CN" altLang="en-US" sz="1200">
                 <a:solidFill>
@@ -15763,7 +15158,7 @@
                   <a:latin typeface="Microsoft YaHei UI" panose="020B0503020204020204" charset="-122"/>
                   <a:ea typeface="Microsoft YaHei UI" panose="020B0503020204020204" charset="-122"/>
                 </a:rPr>
-                <a:t>、聊天面板</a:t>
+                <a:t>、</a:t>
               </a:r>
               <a:r>
                 <a:rPr lang="en-US" altLang="zh-CN" sz="1200">
@@ -15773,7 +15168,7 @@
                   <a:latin typeface="Microsoft YaHei UI" panose="020B0503020204020204" charset="-122"/>
                   <a:ea typeface="Microsoft YaHei UI" panose="020B0503020204020204" charset="-122"/>
                 </a:rPr>
-                <a:t>，</a:t>
+                <a:t>Chat ask </a:t>
               </a:r>
               <a:r>
                 <a:rPr lang="zh-CN" altLang="en-US" sz="1200">
@@ -15783,7 +15178,17 @@
                   <a:latin typeface="Microsoft YaHei UI" panose="020B0503020204020204" charset="-122"/>
                   <a:ea typeface="Microsoft YaHei UI" panose="020B0503020204020204" charset="-122"/>
                 </a:rPr>
-                <a:t>针对文件内容获取建议，可手动复制建议</a:t>
+                <a:t>模式：提问模式，</a:t>
+              </a:r>
+              <a:r>
+                <a:rPr lang="en-US" altLang="zh-CN" sz="1200">
+                  <a:solidFill>
+                    <a:schemeClr val="tx1"/>
+                  </a:solidFill>
+                  <a:latin typeface="Microsoft YaHei UI" panose="020B0503020204020204" charset="-122"/>
+                  <a:ea typeface="Microsoft YaHei UI" panose="020B0503020204020204" charset="-122"/>
+                </a:rPr>
+                <a:t>AI </a:t>
               </a:r>
               <a:r>
                 <a:rPr lang="zh-CN" altLang="en-US" sz="1200">
@@ -15793,7 +15198,7 @@
                   <a:latin typeface="Microsoft YaHei UI" panose="020B0503020204020204" charset="-122"/>
                   <a:ea typeface="Microsoft YaHei UI" panose="020B0503020204020204" charset="-122"/>
                 </a:rPr>
-                <a:t>代码；</a:t>
+                <a:t>提供建议，不干预文件内容；</a:t>
               </a:r>
               <a:endParaRPr lang="zh-CN" altLang="en-US" sz="1200">
                 <a:solidFill>
@@ -15837,6 +15242,26 @@
                   <a:latin typeface="Microsoft YaHei UI" panose="020B0503020204020204" charset="-122"/>
                   <a:ea typeface="Microsoft YaHei UI" panose="020B0503020204020204" charset="-122"/>
                 </a:rPr>
+                <a:t>Chat agent </a:t>
+              </a:r>
+              <a:r>
+                <a:rPr lang="zh-CN" altLang="en-US" sz="1200">
+                  <a:solidFill>
+                    <a:schemeClr val="tx1"/>
+                  </a:solidFill>
+                  <a:latin typeface="Microsoft YaHei UI" panose="020B0503020204020204" charset="-122"/>
+                  <a:ea typeface="Microsoft YaHei UI" panose="020B0503020204020204" charset="-122"/>
+                </a:rPr>
+                <a:t>模式：代理模式，</a:t>
+              </a:r>
+              <a:r>
+                <a:rPr lang="en-US" altLang="zh-CN" sz="1200">
+                  <a:solidFill>
+                    <a:schemeClr val="tx1"/>
+                  </a:solidFill>
+                  <a:latin typeface="Microsoft YaHei UI" panose="020B0503020204020204" charset="-122"/>
+                  <a:ea typeface="Microsoft YaHei UI" panose="020B0503020204020204" charset="-122"/>
+                </a:rPr>
                 <a:t>AI </a:t>
               </a:r>
               <a:r>
@@ -15847,19 +15272,9 @@
                   <a:latin typeface="Microsoft YaHei UI" panose="020B0503020204020204" charset="-122"/>
                   <a:ea typeface="Microsoft YaHei UI" panose="020B0503020204020204" charset="-122"/>
                 </a:rPr>
-                <a:t>直接编辑文件，提问直接生成代码到文件，我们</a:t>
+                <a:t>直接根据提问，自动修改文件代码；</a:t>
               </a:r>
-              <a:r>
-                <a:rPr lang="zh-CN" altLang="en-US" sz="1200">
-                  <a:solidFill>
-                    <a:schemeClr val="tx1"/>
-                  </a:solidFill>
-                  <a:latin typeface="Microsoft YaHei UI" panose="020B0503020204020204" charset="-122"/>
-                  <a:ea typeface="Microsoft YaHei UI" panose="020B0503020204020204" charset="-122"/>
-                </a:rPr>
-                <a:t>来接受或拒绝。</a:t>
-              </a:r>
-              <a:endParaRPr lang="zh-CN" altLang="en-US" sz="1200">
+              <a:endParaRPr lang="en-US" altLang="zh-CN" sz="1200">
                 <a:solidFill>
                   <a:schemeClr val="tx1"/>
                 </a:solidFill>
@@ -16004,6 +15419,16 @@
                 </a:lnSpc>
               </a:pPr>
               <a:r>
+                <a:rPr lang="en-US" altLang="zh-CN" sz="1200">
+                  <a:solidFill>
+                    <a:schemeClr val="tx1"/>
+                  </a:solidFill>
+                  <a:latin typeface="Microsoft YaHei UI" panose="020B0503020204020204" charset="-122"/>
+                  <a:ea typeface="Microsoft YaHei UI" panose="020B0503020204020204" charset="-122"/>
+                </a:rPr>
+                <a:t>1</a:t>
+              </a:r>
+              <a:r>
                 <a:rPr lang="zh-CN" altLang="en-US" sz="1200">
                   <a:solidFill>
                     <a:schemeClr val="tx1"/>
@@ -16011,7 +15436,27 @@
                   <a:latin typeface="Microsoft YaHei UI" panose="020B0503020204020204" charset="-122"/>
                   <a:ea typeface="Microsoft YaHei UI" panose="020B0503020204020204" charset="-122"/>
                 </a:rPr>
-                <a:t>编辑器和</a:t>
+                <a:t>、</a:t>
+              </a:r>
+              <a:r>
+                <a:rPr lang="en-US" altLang="zh-CN" sz="1200">
+                  <a:solidFill>
+                    <a:schemeClr val="tx1"/>
+                  </a:solidFill>
+                  <a:latin typeface="Microsoft YaHei UI" panose="020B0503020204020204" charset="-122"/>
+                  <a:ea typeface="Microsoft YaHei UI" panose="020B0503020204020204" charset="-122"/>
+                </a:rPr>
+                <a:t>AI </a:t>
+              </a:r>
+              <a:r>
+                <a:rPr lang="zh-CN" altLang="en-US" sz="1200">
+                  <a:solidFill>
+                    <a:schemeClr val="tx1"/>
+                  </a:solidFill>
+                  <a:latin typeface="Microsoft YaHei UI" panose="020B0503020204020204" charset="-122"/>
+                  <a:ea typeface="Microsoft YaHei UI" panose="020B0503020204020204" charset="-122"/>
+                </a:rPr>
+                <a:t>工具不内嵌编辑器，自己手动去</a:t>
               </a:r>
               <a:r>
                 <a:rPr lang="en-US" altLang="zh-CN" sz="1200">
@@ -16031,7 +15476,41 @@
                   <a:latin typeface="Microsoft YaHei UI" panose="020B0503020204020204" charset="-122"/>
                   <a:ea typeface="Microsoft YaHei UI" panose="020B0503020204020204" charset="-122"/>
                 </a:rPr>
-                <a:t>工具是独立的，它不能直接看到我们文件代码，只能通过主动提问，</a:t>
+                <a:t>官网使用工具进行提问；</a:t>
+              </a:r>
+              <a:endParaRPr lang="zh-CN" altLang="en-US" sz="1200">
+                <a:solidFill>
+                  <a:schemeClr val="tx1"/>
+                </a:solidFill>
+                <a:latin typeface="Microsoft YaHei UI" panose="020B0503020204020204" charset="-122"/>
+                <a:ea typeface="Microsoft YaHei UI" panose="020B0503020204020204" charset="-122"/>
+              </a:endParaRPr>
+            </a:p>
+            <a:p>
+              <a:pPr algn="l">
+                <a:lnSpc>
+                  <a:spcPct val="125000"/>
+                </a:lnSpc>
+              </a:pPr>
+              <a:r>
+                <a:rPr lang="en-US" altLang="zh-CN" sz="1200">
+                  <a:solidFill>
+                    <a:schemeClr val="tx1"/>
+                  </a:solidFill>
+                  <a:latin typeface="Microsoft YaHei UI" panose="020B0503020204020204" charset="-122"/>
+                  <a:ea typeface="Microsoft YaHei UI" panose="020B0503020204020204" charset="-122"/>
+                </a:rPr>
+                <a:t>2</a:t>
+              </a:r>
+              <a:r>
+                <a:rPr lang="zh-CN" altLang="en-US" sz="1200">
+                  <a:solidFill>
+                    <a:schemeClr val="tx1"/>
+                  </a:solidFill>
+                  <a:latin typeface="Microsoft YaHei UI" panose="020B0503020204020204" charset="-122"/>
+                  <a:ea typeface="Microsoft YaHei UI" panose="020B0503020204020204" charset="-122"/>
+                </a:rPr>
+                <a:t>、</a:t>
               </a:r>
               <a:r>
                 <a:rPr lang="en-US" altLang="zh-CN" sz="1200">
@@ -16041,7 +15520,7 @@
                   <a:latin typeface="Microsoft YaHei UI" panose="020B0503020204020204" charset="-122"/>
                   <a:ea typeface="Microsoft YaHei UI" panose="020B0503020204020204" charset="-122"/>
                 </a:rPr>
-                <a:t>AI</a:t>
+                <a:t>AI </a:t>
               </a:r>
               <a:r>
                 <a:rPr lang="zh-CN" altLang="en-US" sz="1200">
@@ -16051,7 +15530,7 @@
                   <a:latin typeface="Microsoft YaHei UI" panose="020B0503020204020204" charset="-122"/>
                   <a:ea typeface="Microsoft YaHei UI" panose="020B0503020204020204" charset="-122"/>
                 </a:rPr>
-                <a:t>给出参考意见代码，然后复制粘贴</a:t>
+                <a:t>工具是独立的，不知道项目整体情况</a:t>
               </a:r>
               <a:endParaRPr lang="zh-CN" altLang="en-US" sz="1200">
                 <a:solidFill>
@@ -16690,57 +16169,7 @@
                   <a:latin typeface="Microsoft YaHei UI" panose="020B0503020204020204" charset="-122"/>
                   <a:ea typeface="Microsoft YaHei UI" panose="020B0503020204020204" charset="-122"/>
                 </a:rPr>
-                <a:t>收费：新账号试用</a:t>
-              </a:r>
-              <a:r>
-                <a:rPr lang="en-US" altLang="zh-CN" sz="1200">
-                  <a:solidFill>
-                    <a:schemeClr val="tx1"/>
-                  </a:solidFill>
-                  <a:latin typeface="Microsoft YaHei UI" panose="020B0503020204020204" charset="-122"/>
-                  <a:ea typeface="Microsoft YaHei UI" panose="020B0503020204020204" charset="-122"/>
-                </a:rPr>
-                <a:t> 2 </a:t>
-              </a:r>
-              <a:r>
-                <a:rPr lang="zh-CN" altLang="en-US" sz="1200">
-                  <a:solidFill>
-                    <a:schemeClr val="tx1"/>
-                  </a:solidFill>
-                  <a:latin typeface="Microsoft YaHei UI" panose="020B0503020204020204" charset="-122"/>
-                  <a:ea typeface="Microsoft YaHei UI" panose="020B0503020204020204" charset="-122"/>
-                </a:rPr>
-                <a:t>周，原价贵，淘宝有</a:t>
-              </a:r>
-              <a:r>
-                <a:rPr lang="zh-CN" altLang="en-US" sz="1200">
-                  <a:solidFill>
-                    <a:schemeClr val="tx1"/>
-                  </a:solidFill>
-                  <a:latin typeface="Microsoft YaHei UI" panose="020B0503020204020204" charset="-122"/>
-                  <a:ea typeface="Microsoft YaHei UI" panose="020B0503020204020204" charset="-122"/>
-                </a:rPr>
-                <a:t>稍微便宜的</a:t>
-              </a:r>
-              <a:r>
-                <a:rPr lang="en-US" altLang="zh-CN" sz="1200">
-                  <a:solidFill>
-                    <a:schemeClr val="tx1"/>
-                  </a:solidFill>
-                  <a:latin typeface="Microsoft YaHei UI" panose="020B0503020204020204" charset="-122"/>
-                  <a:ea typeface="Microsoft YaHei UI" panose="020B0503020204020204" charset="-122"/>
-                </a:rPr>
-                <a:t>，</a:t>
-              </a:r>
-              <a:r>
-                <a:rPr lang="zh-CN" altLang="en-US" sz="1200">
-                  <a:solidFill>
-                    <a:schemeClr val="tx1"/>
-                  </a:solidFill>
-                  <a:latin typeface="Microsoft YaHei UI" panose="020B0503020204020204" charset="-122"/>
-                  <a:ea typeface="Microsoft YaHei UI" panose="020B0503020204020204" charset="-122"/>
-                </a:rPr>
-                <a:t>现在官方封控严重</a:t>
+                <a:t>收费</a:t>
               </a:r>
               <a:endParaRPr lang="zh-CN" altLang="en-US" sz="1200">
                 <a:solidFill>
@@ -17040,39 +16469,7 @@
                   <a:latin typeface="Microsoft YaHei UI" panose="020B0503020204020204" charset="-122"/>
                   <a:ea typeface="Microsoft YaHei UI" panose="020B0503020204020204" charset="-122"/>
                 </a:rPr>
-                <a:t>插件，</a:t>
-              </a:r>
-              <a:r>
-                <a:rPr lang="en-US" altLang="zh-CN" sz="1200">
-                  <a:latin typeface="Microsoft YaHei UI" panose="020B0503020204020204" charset="-122"/>
-                  <a:ea typeface="Microsoft YaHei UI" panose="020B0503020204020204" charset="-122"/>
-                  <a:sym typeface="+mn-ea"/>
-                </a:rPr>
-                <a:t>copilot </a:t>
-              </a:r>
-              <a:r>
-                <a:rPr lang="zh-CN" altLang="en-US" sz="1200">
-                  <a:latin typeface="Microsoft YaHei UI" panose="020B0503020204020204" charset="-122"/>
-                  <a:ea typeface="Microsoft YaHei UI" panose="020B0503020204020204" charset="-122"/>
-                  <a:sym typeface="+mn-ea"/>
-                </a:rPr>
-                <a:t>本身收费，淘宝有几十块的激活工具买</a:t>
-              </a:r>
-              <a:r>
-                <a:rPr lang="en-US" altLang="zh-CN" sz="1200">
-                  <a:latin typeface="Microsoft YaHei UI" panose="020B0503020204020204" charset="-122"/>
-                  <a:ea typeface="Microsoft YaHei UI" panose="020B0503020204020204" charset="-122"/>
-                  <a:sym typeface="+mn-ea"/>
-                </a:rPr>
-                <a:t>，</a:t>
-              </a:r>
-              <a:r>
-                <a:rPr lang="zh-CN" altLang="en-US" sz="1200">
-                  <a:latin typeface="Microsoft YaHei UI" panose="020B0503020204020204" charset="-122"/>
-                  <a:ea typeface="Microsoft YaHei UI" panose="020B0503020204020204" charset="-122"/>
-                  <a:sym typeface="+mn-ea"/>
-                </a:rPr>
-                <a:t>国内访问慢</a:t>
+                <a:t>插件，收费；</a:t>
               </a:r>
               <a:endParaRPr lang="zh-CN" altLang="en-US" sz="1200">
                 <a:latin typeface="Microsoft YaHei UI" panose="020B0503020204020204" charset="-122"/>
@@ -17128,29 +16525,7 @@
                   <a:ea typeface="Microsoft YaHei UI" panose="020B0503020204020204" charset="-122"/>
                   <a:sym typeface="+mn-ea"/>
                 </a:rPr>
-                <a:t>插件，阿里的</a:t>
-              </a:r>
-              <a:r>
-                <a:rPr lang="en-US" altLang="zh-CN" sz="1200">
-                  <a:solidFill>
-                    <a:schemeClr val="tx1"/>
-                  </a:solidFill>
-                  <a:latin typeface="Microsoft YaHei UI" panose="020B0503020204020204" charset="-122"/>
-                  <a:ea typeface="Microsoft YaHei UI" panose="020B0503020204020204" charset="-122"/>
-                  <a:sym typeface="+mn-ea"/>
-                </a:rPr>
-                <a:t>，</a:t>
-              </a:r>
-              <a:r>
-                <a:rPr lang="zh-CN" altLang="en-US" sz="1200">
-                  <a:solidFill>
-                    <a:schemeClr val="tx1"/>
-                  </a:solidFill>
-                  <a:latin typeface="Microsoft YaHei UI" panose="020B0503020204020204" charset="-122"/>
-                  <a:ea typeface="Microsoft YaHei UI" panose="020B0503020204020204" charset="-122"/>
-                  <a:sym typeface="+mn-ea"/>
-                </a:rPr>
-                <a:t>之前用过，好像是免费的</a:t>
+                <a:t>插件，阿里的，之前好像免费；</a:t>
               </a:r>
               <a:endParaRPr lang="zh-CN" altLang="en-US" sz="1200">
                 <a:solidFill>
@@ -17508,7 +16883,7 @@
                   <a:latin typeface="Microsoft YaHei UI" panose="020B0503020204020204" charset="-122"/>
                   <a:ea typeface="Microsoft YaHei UI" panose="020B0503020204020204" charset="-122"/>
                 </a:rPr>
-                <a:t>免费，前一段时间非常火的一个国产</a:t>
+                <a:t>免费，之前非常火的国产</a:t>
               </a:r>
               <a:r>
                 <a:rPr lang="en-US" altLang="zh-CN" sz="1200">
@@ -17548,7 +16923,15 @@
                   <a:latin typeface="Microsoft YaHei UI" panose="020B0503020204020204" charset="-122"/>
                   <a:ea typeface="Microsoft YaHei UI" panose="020B0503020204020204" charset="-122"/>
                 </a:rPr>
-                <a:t>深度思考模型对写代码这种逻辑推理型的比较</a:t>
+                <a:t>深度思考</a:t>
+              </a:r>
+              <a:r>
+                <a:rPr lang="zh-CN" altLang="en-US" sz="1200">
+                  <a:latin typeface="Microsoft YaHei UI" panose="020B0503020204020204" charset="-122"/>
+                  <a:ea typeface="Microsoft YaHei UI" panose="020B0503020204020204" charset="-122"/>
+                  <a:sym typeface="+mn-ea"/>
+                </a:rPr>
+                <a:t>推理性</a:t>
               </a:r>
               <a:r>
                 <a:rPr lang="zh-CN" altLang="en-US" sz="1200">
@@ -17558,7 +16941,7 @@
                   <a:latin typeface="Microsoft YaHei UI" panose="020B0503020204020204" charset="-122"/>
                   <a:ea typeface="Microsoft YaHei UI" panose="020B0503020204020204" charset="-122"/>
                 </a:rPr>
-                <a:t>厉害</a:t>
+                <a:t>模型，对编程比较有帮助</a:t>
               </a:r>
               <a:endParaRPr lang="zh-CN" altLang="en-US" sz="1200">
                 <a:solidFill>
@@ -17658,7 +17041,7 @@
                   <a:latin typeface="Microsoft YaHei UI" panose="020B0503020204020204" charset="-122"/>
                   <a:ea typeface="Microsoft YaHei UI" panose="020B0503020204020204" charset="-122"/>
                 </a:rPr>
-                <a:t>免费，字节跳动的</a:t>
+                <a:t>免费，字节跳动</a:t>
               </a:r>
               <a:endParaRPr lang="zh-CN" altLang="en-US" sz="1200">
                 <a:solidFill>
@@ -17710,7 +17093,37 @@
                 </a:rPr>
                 <a:t>chatgpt</a:t>
               </a:r>
-              <a:endParaRPr lang="en-US" altLang="zh-CN" sz="1800">
+              <a:r>
+                <a:rPr lang="zh-CN" altLang="en-US" sz="1800">
+                  <a:solidFill>
+                    <a:schemeClr val="tx1"/>
+                  </a:solidFill>
+                  <a:latin typeface="Microsoft YaHei UI" panose="020B0503020204020204" charset="-122"/>
+                  <a:ea typeface="Microsoft YaHei UI" panose="020B0503020204020204" charset="-122"/>
+                </a:rPr>
+                <a:t>；</a:t>
+              </a:r>
+              <a:r>
+                <a:rPr lang="en-US" altLang="zh-CN" sz="1800">
+                  <a:solidFill>
+                    <a:schemeClr val="tx1"/>
+                  </a:solidFill>
+                  <a:latin typeface="Microsoft YaHei UI" panose="020B0503020204020204" charset="-122"/>
+                  <a:ea typeface="Microsoft YaHei UI" panose="020B0503020204020204" charset="-122"/>
+                </a:rPr>
+                <a:t>claude</a:t>
+              </a:r>
+              <a:r>
+                <a:rPr lang="zh-CN" altLang="en-US" sz="1800">
+                  <a:solidFill>
+                    <a:schemeClr val="tx1"/>
+                  </a:solidFill>
+                  <a:latin typeface="Microsoft YaHei UI" panose="020B0503020204020204" charset="-122"/>
+                  <a:ea typeface="Microsoft YaHei UI" panose="020B0503020204020204" charset="-122"/>
+                </a:rPr>
+                <a:t>；</a:t>
+              </a:r>
+              <a:endParaRPr lang="zh-CN" altLang="en-US" sz="1800">
                 <a:solidFill>
                   <a:schemeClr val="tx1"/>
                 </a:solidFill>
@@ -17732,8 +17145,8 @@
           </p:nvSpPr>
           <p:spPr>
             <a:xfrm>
-              <a:off x="10530" y="7200"/>
-              <a:ext cx="3180" cy="1440"/>
+              <a:off x="10436" y="7200"/>
+              <a:ext cx="3225" cy="931"/>
             </a:xfrm>
             <a:prstGeom prst="rect">
               <a:avLst/>
@@ -17758,37 +17171,7 @@
                   <a:latin typeface="Microsoft YaHei UI" panose="020B0503020204020204" charset="-122"/>
                   <a:ea typeface="Microsoft YaHei UI" panose="020B0503020204020204" charset="-122"/>
                 </a:rPr>
-                <a:t>需要先翻墙，已经翻墙的同学可以找卖</a:t>
-              </a:r>
-              <a:r>
-                <a:rPr lang="en-US" altLang="zh-CN" sz="1200">
-                  <a:solidFill>
-                    <a:schemeClr val="tx1"/>
-                  </a:solidFill>
-                  <a:latin typeface="Microsoft YaHei UI" panose="020B0503020204020204" charset="-122"/>
-                  <a:ea typeface="Microsoft YaHei UI" panose="020B0503020204020204" charset="-122"/>
-                </a:rPr>
-                <a:t> chatgpt </a:t>
-              </a:r>
-              <a:r>
-                <a:rPr lang="zh-CN" altLang="en-US" sz="1200">
-                  <a:solidFill>
-                    <a:schemeClr val="tx1"/>
-                  </a:solidFill>
-                  <a:latin typeface="Microsoft YaHei UI" panose="020B0503020204020204" charset="-122"/>
-                  <a:ea typeface="Microsoft YaHei UI" panose="020B0503020204020204" charset="-122"/>
-                </a:rPr>
-                <a:t>账号的店子，类似这种店</a:t>
-              </a:r>
-              <a:r>
-                <a:rPr lang="en-US" altLang="zh-CN" sz="1200">
-                  <a:solidFill>
-                    <a:schemeClr val="tx1"/>
-                  </a:solidFill>
-                  <a:latin typeface="Microsoft YaHei UI" panose="020B0503020204020204" charset="-122"/>
-                  <a:ea typeface="Microsoft YaHei UI" panose="020B0503020204020204" charset="-122"/>
-                </a:rPr>
-                <a:t>：http://www.thetimework.com/links/7852BB87249C7F7A</a:t>
+                <a:t>需要翻墙</a:t>
               </a:r>
               <a:endParaRPr lang="en-US" altLang="zh-CN" sz="1200">
                 <a:solidFill>
@@ -17839,7 +17222,7 @@
                 <a:latin typeface="Microsoft YaHei UI" panose="020B0503020204020204" charset="-122"/>
                 <a:ea typeface="Microsoft YaHei UI" panose="020B0503020204020204" charset="-122"/>
               </a:rPr>
-              <a:t>独立</a:t>
+              <a:t>非内嵌，独立</a:t>
             </a:r>
             <a:r>
               <a:rPr lang="en-US" altLang="zh-CN" sz="3300">
@@ -17859,7 +17242,7 @@
                 <a:latin typeface="Microsoft YaHei UI" panose="020B0503020204020204" charset="-122"/>
                 <a:ea typeface="Microsoft YaHei UI" panose="020B0503020204020204" charset="-122"/>
               </a:rPr>
-              <a:t>工具</a:t>
+              <a:t>工具，比如：</a:t>
             </a:r>
             <a:endParaRPr lang="zh-CN" altLang="en-US" sz="3300">
               <a:solidFill>
@@ -17929,8 +17312,32 @@
         </p:blipFill>
         <p:spPr>
           <a:xfrm>
-            <a:off x="6677025" y="2493010"/>
-            <a:ext cx="1997710" cy="1215390"/>
+            <a:off x="6948170" y="2493010"/>
+            <a:ext cx="1132205" cy="725170"/>
+          </a:xfrm>
+          <a:prstGeom prst="rect">
+            <a:avLst/>
+          </a:prstGeom>
+        </p:spPr>
+      </p:pic>
+      <p:pic>
+        <p:nvPicPr>
+          <p:cNvPr id="10" name="图片 9"/>
+          <p:cNvPicPr>
+            <a:picLocks noChangeAspect="1"/>
+          </p:cNvPicPr>
+          <p:nvPr/>
+        </p:nvPicPr>
+        <p:blipFill>
+          <a:blip r:embed="rId12"/>
+          <a:stretch>
+            <a:fillRect/>
+          </a:stretch>
+        </p:blipFill>
+        <p:spPr>
+          <a:xfrm>
+            <a:off x="6876415" y="3213100"/>
+            <a:ext cx="1314450" cy="457200"/>
           </a:xfrm>
           <a:prstGeom prst="rect">
             <a:avLst/>
@@ -17939,7 +17346,7 @@
       </p:pic>
     </p:spTree>
     <p:custDataLst>
-      <p:tags r:id="rId12"/>
+      <p:tags r:id="rId13"/>
     </p:custDataLst>
   </p:cSld>
   <p:clrMapOvr>
@@ -17985,21 +17392,13 @@
 <p:tagLst xmlns:p="http://schemas.openxmlformats.org/presentationml/2006/main">
   <p:tag name="KSO_WM_BEAUTIFY_FLAG" val="#wm#"/>
   <p:tag name="KSO_WM_UNIT_INDEX" val="1"/>
-  <p:tag name="KSO_WM_UNIT_TYPE" val="i"/>
-</p:tagLst>
-</file>
-
-<file path=ppt/tags/tag101.xml><?xml version="1.0" encoding="utf-8"?>
-<p:tagLst xmlns:p="http://schemas.openxmlformats.org/presentationml/2006/main">
-  <p:tag name="KSO_WM_BEAUTIFY_FLAG" val="#wm#"/>
-  <p:tag name="KSO_WM_UNIT_INDEX" val="1"/>
   <p:tag name="KSO_WM_UNIT_PRESET_TEXT" val="单击此处添加标题内容"/>
   <p:tag name="KSO_WM_UNIT_TEXT_TYPE" val="1"/>
   <p:tag name="KSO_WM_UNIT_TYPE" val="a"/>
 </p:tagLst>
 </file>
 
-<file path=ppt/tags/tag102.xml><?xml version="1.0" encoding="utf-8"?>
+<file path=ppt/tags/tag101.xml><?xml version="1.0" encoding="utf-8"?>
 <p:tagLst xmlns:p="http://schemas.openxmlformats.org/presentationml/2006/main">
   <p:tag name="KSO_WM_BEAUTIFY_FLAG" val="#fgm#"/>
   <p:tag name="KSO_WM_DIAGRAM_GROUP_CODE" val="1"/>
@@ -18008,7 +17407,7 @@
 </p:tagLst>
 </file>
 
-<file path=ppt/tags/tag103.xml><?xml version="1.0" encoding="utf-8"?>
+<file path=ppt/tags/tag102.xml><?xml version="1.0" encoding="utf-8"?>
 <p:tagLst xmlns:p="http://schemas.openxmlformats.org/presentationml/2006/main">
   <p:tag name="KSO_WM_BEAUTIFY_FLAG" val="#fgm#"/>
   <p:tag name="KSO_WM_DIAGRAM_GROUP_CODE" val="1"/>
@@ -18017,7 +17416,7 @@
 </p:tagLst>
 </file>
 
-<file path=ppt/tags/tag104.xml><?xml version="1.0" encoding="utf-8"?>
+<file path=ppt/tags/tag103.xml><?xml version="1.0" encoding="utf-8"?>
 <p:tagLst xmlns:p="http://schemas.openxmlformats.org/presentationml/2006/main">
   <p:tag name="KSO_WM_BEAUTIFY_FLAG" val="#fgm#"/>
   <p:tag name="KSO_WM_DIAGRAM_GROUP_CODE" val="1"/>
@@ -18028,7 +17427,7 @@
 </p:tagLst>
 </file>
 
-<file path=ppt/tags/tag105.xml><?xml version="1.0" encoding="utf-8"?>
+<file path=ppt/tags/tag104.xml><?xml version="1.0" encoding="utf-8"?>
 <p:tagLst xmlns:p="http://schemas.openxmlformats.org/presentationml/2006/main">
   <p:tag name="KSO_WM_BEAUTIFY_FLAG" val="#fgm#"/>
   <p:tag name="KSO_WM_DIAGRAM_GROUP_CODE" val="1"/>
@@ -18039,7 +17438,7 @@
 </p:tagLst>
 </file>
 
-<file path=ppt/tags/tag106.xml><?xml version="1.0" encoding="utf-8"?>
+<file path=ppt/tags/tag105.xml><?xml version="1.0" encoding="utf-8"?>
 <p:tagLst xmlns:p="http://schemas.openxmlformats.org/presentationml/2006/main">
   <p:tag name="KSO_WM_BEAUTIFY_FLAG" val="#fgm#"/>
   <p:tag name="KSO_WM_DIAGRAM_GROUP_CODE" val="1"/>
@@ -18048,7 +17447,7 @@
 </p:tagLst>
 </file>
 
-<file path=ppt/tags/tag107.xml><?xml version="1.0" encoding="utf-8"?>
+<file path=ppt/tags/tag106.xml><?xml version="1.0" encoding="utf-8"?>
 <p:tagLst xmlns:p="http://schemas.openxmlformats.org/presentationml/2006/main">
   <p:tag name="KSO_WM_BEAUTIFY_FLAG" val="#fgm#"/>
   <p:tag name="KSO_WM_DIAGRAM_GROUP_CODE" val="1"/>
@@ -18059,7 +17458,7 @@
 </p:tagLst>
 </file>
 
-<file path=ppt/tags/tag108.xml><?xml version="1.0" encoding="utf-8"?>
+<file path=ppt/tags/tag107.xml><?xml version="1.0" encoding="utf-8"?>
 <p:tagLst xmlns:p="http://schemas.openxmlformats.org/presentationml/2006/main">
   <p:tag name="KSO_WM_BEAUTIFY_FLAG" val="#fgm#"/>
   <p:tag name="KSO_WM_DIAGRAM_GROUP_CODE" val="1"/>
@@ -18070,7 +17469,7 @@
 </p:tagLst>
 </file>
 
-<file path=ppt/tags/tag109.xml><?xml version="1.0" encoding="utf-8"?>
+<file path=ppt/tags/tag108.xml><?xml version="1.0" encoding="utf-8"?>
 <p:tagLst xmlns:p="http://schemas.openxmlformats.org/presentationml/2006/main">
   <p:tag name="KSO_WM_BEAUTIFY_FLAG" val="#fgm#"/>
   <p:tag name="KSO_WM_DIAGRAM_GROUP_CODE" val="1"/>
@@ -18078,6 +17477,17 @@
   <p:tag name="KSO_WM_UNIT_PRESET_TEXT" val="添加项标题"/>
   <p:tag name="KSO_WM_UNIT_TEXT_TYPE" val="1"/>
   <p:tag name="KSO_WM_UNIT_TYPE" val="l_h_a"/>
+</p:tagLst>
+</file>
+
+<file path=ppt/tags/tag109.xml><?xml version="1.0" encoding="utf-8"?>
+<p:tagLst xmlns:p="http://schemas.openxmlformats.org/presentationml/2006/main">
+  <p:tag name="KSO_WM_BEAUTIFY_FLAG" val="#fgm#"/>
+  <p:tag name="KSO_WM_DIAGRAM_GROUP_CODE" val="1"/>
+  <p:tag name="KSO_WM_UNIT_INDEX" val="1_2_1"/>
+  <p:tag name="KSO_WM_UNIT_PRESET_TEXT" val="单击此处输入项正文，文字是您思想的提炼，请尽量言简意赅的阐述观点。"/>
+  <p:tag name="KSO_WM_UNIT_TEXT_TYPE" val="1"/>
+  <p:tag name="KSO_WM_UNIT_TYPE" val="l_h_f"/>
 </p:tagLst>
 </file>
 
@@ -18096,24 +17506,13 @@
 
 <file path=ppt/tags/tag110.xml><?xml version="1.0" encoding="utf-8"?>
 <p:tagLst xmlns:p="http://schemas.openxmlformats.org/presentationml/2006/main">
-  <p:tag name="KSO_WM_BEAUTIFY_FLAG" val="#fgm#"/>
-  <p:tag name="KSO_WM_DIAGRAM_GROUP_CODE" val="1"/>
-  <p:tag name="KSO_WM_UNIT_INDEX" val="1_2_1"/>
-  <p:tag name="KSO_WM_UNIT_PRESET_TEXT" val="单击此处输入项正文，文字是您思想的提炼，请尽量言简意赅的阐述观点。"/>
-  <p:tag name="KSO_WM_UNIT_TEXT_TYPE" val="1"/>
-  <p:tag name="KSO_WM_UNIT_TYPE" val="l_h_f"/>
-</p:tagLst>
-</file>
-
-<file path=ppt/tags/tag111.xml><?xml version="1.0" encoding="utf-8"?>
-<p:tagLst xmlns:p="http://schemas.openxmlformats.org/presentationml/2006/main">
   <p:tag name="KSO_WM_FIGMA_LIMIT" val=""/>
   <p:tag name="KSO_WM_FIGMA_SLIDE_GROUP" val="28"/>
   <p:tag name="KSO_WM_SLIDE_TYPE" val="text"/>
 </p:tagLst>
 </file>
 
-<file path=ppt/tags/tag112.xml><?xml version="1.0" encoding="utf-8"?>
+<file path=ppt/tags/tag111.xml><?xml version="1.0" encoding="utf-8"?>
 <p:tagLst xmlns:p="http://schemas.openxmlformats.org/presentationml/2006/main">
   <p:tag name="KSO_WM_BEAUTIFY_FLAG" val="#wm#"/>
   <p:tag name="KSO_WM_UNIT_INDEX" val="1"/>
@@ -18121,7 +17520,7 @@
 </p:tagLst>
 </file>
 
-<file path=ppt/tags/tag113.xml><?xml version="1.0" encoding="utf-8"?>
+<file path=ppt/tags/tag112.xml><?xml version="1.0" encoding="utf-8"?>
 <p:tagLst xmlns:p="http://schemas.openxmlformats.org/presentationml/2006/main">
   <p:tag name="KSO_WM_BEAUTIFY_FLAG" val="#wm#"/>
   <p:tag name="KSO_WM_UNIT_INDEX" val="1"/>
@@ -18129,7 +17528,7 @@
 </p:tagLst>
 </file>
 
-<file path=ppt/tags/tag114.xml><?xml version="1.0" encoding="utf-8"?>
+<file path=ppt/tags/tag113.xml><?xml version="1.0" encoding="utf-8"?>
 <p:tagLst xmlns:p="http://schemas.openxmlformats.org/presentationml/2006/main">
   <p:tag name="KSO_WM_FIGMA_LIMIT" val=""/>
   <p:tag name="KSO_WM_FIGMA_SLIDE_GROUP" val="1"/>
@@ -18137,7 +17536,7 @@
 </p:tagLst>
 </file>
 
-<file path=ppt/tags/tag115.xml><?xml version="1.0" encoding="utf-8"?>
+<file path=ppt/tags/tag114.xml><?xml version="1.0" encoding="utf-8"?>
 <p:tagLst xmlns:p="http://schemas.openxmlformats.org/presentationml/2006/main">
   <p:tag name="KSO_WM_BEAUTIFY_FLAG" val="#wm#"/>
   <p:tag name="KSO_WM_UNIT_INDEX" val="1"/>
@@ -18145,7 +17544,7 @@
 </p:tagLst>
 </file>
 
-<file path=ppt/tags/tag116.xml><?xml version="1.0" encoding="utf-8"?>
+<file path=ppt/tags/tag115.xml><?xml version="1.0" encoding="utf-8"?>
 <p:tagLst xmlns:p="http://schemas.openxmlformats.org/presentationml/2006/main">
   <p:tag name="KSO_WM_BEAUTIFY_FLAG" val="#wm#"/>
   <p:tag name="KSO_WM_UNIT_INDEX" val="1"/>
@@ -18154,7 +17553,7 @@
 </p:tagLst>
 </file>
 
-<file path=ppt/tags/tag117.xml><?xml version="1.0" encoding="utf-8"?>
+<file path=ppt/tags/tag116.xml><?xml version="1.0" encoding="utf-8"?>
 <p:tagLst xmlns:p="http://schemas.openxmlformats.org/presentationml/2006/main">
   <p:tag name="KSO_WM_BEAUTIFY_FLAG" val="#wm#"/>
   <p:tag name="KSO_WM_UNIT_INDEX" val="1"/>
@@ -18164,7 +17563,7 @@
 </p:tagLst>
 </file>
 
-<file path=ppt/tags/tag118.xml><?xml version="1.0" encoding="utf-8"?>
+<file path=ppt/tags/tag117.xml><?xml version="1.0" encoding="utf-8"?>
 <p:tagLst xmlns:p="http://schemas.openxmlformats.org/presentationml/2006/main">
   <p:tag name="KSO_WM_BEAUTIFY_FLAG" val="#fgm#"/>
   <p:tag name="KSO_WM_DIAGRAM_GROUP_CODE" val="1"/>
@@ -18173,12 +17572,23 @@
 </p:tagLst>
 </file>
 
-<file path=ppt/tags/tag119.xml><?xml version="1.0" encoding="utf-8"?>
+<file path=ppt/tags/tag118.xml><?xml version="1.0" encoding="utf-8"?>
 <p:tagLst xmlns:p="http://schemas.openxmlformats.org/presentationml/2006/main">
   <p:tag name="KSO_WM_BEAUTIFY_FLAG" val="#fgm#"/>
   <p:tag name="KSO_WM_DIAGRAM_GROUP_CODE" val="1"/>
   <p:tag name="KSO_WM_UNIT_INDEX" val="1_2_1"/>
   <p:tag name="KSO_WM_UNIT_TYPE" val="l_h_i"/>
+</p:tagLst>
+</file>
+
+<file path=ppt/tags/tag119.xml><?xml version="1.0" encoding="utf-8"?>
+<p:tagLst xmlns:p="http://schemas.openxmlformats.org/presentationml/2006/main">
+  <p:tag name="KSO_WM_BEAUTIFY_FLAG" val="#fgm#"/>
+  <p:tag name="KSO_WM_DIAGRAM_GROUP_CODE" val="1"/>
+  <p:tag name="KSO_WM_UNIT_INDEX" val="1_1_1"/>
+  <p:tag name="KSO_WM_UNIT_PRESET_TEXT" val="添加项标题"/>
+  <p:tag name="KSO_WM_UNIT_TEXT_TYPE" val="1"/>
+  <p:tag name="KSO_WM_UNIT_TYPE" val="l_h_a"/>
 </p:tagLst>
 </file>
 
@@ -18200,24 +17610,13 @@
   <p:tag name="KSO_WM_BEAUTIFY_FLAG" val="#fgm#"/>
   <p:tag name="KSO_WM_DIAGRAM_GROUP_CODE" val="1"/>
   <p:tag name="KSO_WM_UNIT_INDEX" val="1_1_1"/>
-  <p:tag name="KSO_WM_UNIT_PRESET_TEXT" val="添加项标题"/>
-  <p:tag name="KSO_WM_UNIT_TEXT_TYPE" val="1"/>
-  <p:tag name="KSO_WM_UNIT_TYPE" val="l_h_a"/>
-</p:tagLst>
-</file>
-
-<file path=ppt/tags/tag121.xml><?xml version="1.0" encoding="utf-8"?>
-<p:tagLst xmlns:p="http://schemas.openxmlformats.org/presentationml/2006/main">
-  <p:tag name="KSO_WM_BEAUTIFY_FLAG" val="#fgm#"/>
-  <p:tag name="KSO_WM_DIAGRAM_GROUP_CODE" val="1"/>
-  <p:tag name="KSO_WM_UNIT_INDEX" val="1_1_1"/>
   <p:tag name="KSO_WM_UNIT_PRESET_TEXT" val="单击此处输入项正文，文字是您思想的提炼，请尽量言简意赅的阐述观点。"/>
   <p:tag name="KSO_WM_UNIT_TEXT_TYPE" val="1"/>
   <p:tag name="KSO_WM_UNIT_TYPE" val="l_h_f"/>
 </p:tagLst>
 </file>
 
-<file path=ppt/tags/tag122.xml><?xml version="1.0" encoding="utf-8"?>
+<file path=ppt/tags/tag121.xml><?xml version="1.0" encoding="utf-8"?>
 <p:tagLst xmlns:p="http://schemas.openxmlformats.org/presentationml/2006/main">
   <p:tag name="KSO_WM_BEAUTIFY_FLAG" val="#fgm#"/>
   <p:tag name="KSO_WM_DIAGRAM_GROUP_CODE" val="1"/>
@@ -18228,7 +17627,7 @@
 </p:tagLst>
 </file>
 
-<file path=ppt/tags/tag123.xml><?xml version="1.0" encoding="utf-8"?>
+<file path=ppt/tags/tag122.xml><?xml version="1.0" encoding="utf-8"?>
 <p:tagLst xmlns:p="http://schemas.openxmlformats.org/presentationml/2006/main">
   <p:tag name="KSO_WM_BEAUTIFY_FLAG" val="#fgm#"/>
   <p:tag name="KSO_WM_DIAGRAM_GROUP_CODE" val="1"/>
@@ -18239,7 +17638,7 @@
 </p:tagLst>
 </file>
 
-<file path=ppt/tags/tag124.xml><?xml version="1.0" encoding="utf-8"?>
+<file path=ppt/tags/tag123.xml><?xml version="1.0" encoding="utf-8"?>
 <p:tagLst xmlns:p="http://schemas.openxmlformats.org/presentationml/2006/main">
   <p:tag name="KSO_WM_FIGMA_LIMIT" val=""/>
   <p:tag name="KSO_WM_FIGMA_SLIDE_GROUP" val="49"/>
@@ -18247,7 +17646,7 @@
 </p:tagLst>
 </file>
 
-<file path=ppt/tags/tag125.xml><?xml version="1.0" encoding="utf-8"?>
+<file path=ppt/tags/tag124.xml><?xml version="1.0" encoding="utf-8"?>
 <p:tagLst xmlns:p="http://schemas.openxmlformats.org/presentationml/2006/main">
   <p:tag name="KSO_WM_BEAUTIFY_FLAG" val="#wm#"/>
   <p:tag name="KSO_WM_UNIT_INDEX" val="1"/>
@@ -18255,7 +17654,7 @@
 </p:tagLst>
 </file>
 
-<file path=ppt/tags/tag126.xml><?xml version="1.0" encoding="utf-8"?>
+<file path=ppt/tags/tag125.xml><?xml version="1.0" encoding="utf-8"?>
 <p:tagLst xmlns:p="http://schemas.openxmlformats.org/presentationml/2006/main">
   <p:tag name="KSO_WM_BEAUTIFY_FLAG" val="#wm#"/>
   <p:tag name="KSO_WM_UNIT_INDEX" val="1"/>
@@ -18263,7 +17662,7 @@
 </p:tagLst>
 </file>
 
-<file path=ppt/tags/tag127.xml><?xml version="1.0" encoding="utf-8"?>
+<file path=ppt/tags/tag126.xml><?xml version="1.0" encoding="utf-8"?>
 <p:tagLst xmlns:p="http://schemas.openxmlformats.org/presentationml/2006/main">
   <p:tag name="KSO_WM_FIGMA_LIMIT" val=""/>
   <p:tag name="KSO_WM_FIGMA_SLIDE_GROUP" val="1"/>
@@ -18271,7 +17670,7 @@
 </p:tagLst>
 </file>
 
-<file path=ppt/tags/tag128.xml><?xml version="1.0" encoding="utf-8"?>
+<file path=ppt/tags/tag127.xml><?xml version="1.0" encoding="utf-8"?>
 <p:tagLst xmlns:p="http://schemas.openxmlformats.org/presentationml/2006/main">
   <p:tag name="KSO_WM_BEAUTIFY_FLAG" val="#wm#"/>
   <p:tag name="KSO_WM_UNIT_INDEX" val="1"/>
@@ -18281,11 +17680,20 @@
 </p:tagLst>
 </file>
 
-<file path=ppt/tags/tag129.xml><?xml version="1.0" encoding="utf-8"?>
+<file path=ppt/tags/tag128.xml><?xml version="1.0" encoding="utf-8"?>
 <p:tagLst xmlns:p="http://schemas.openxmlformats.org/presentationml/2006/main">
   <p:tag name="KSO_WM_BEAUTIFY_FLAG" val="#wm#"/>
   <p:tag name="KSO_WM_UNIT_INDEX" val="1"/>
   <p:tag name="KSO_WM_UNIT_TYPE" val="i"/>
+</p:tagLst>
+</file>
+
+<file path=ppt/tags/tag129.xml><?xml version="1.0" encoding="utf-8"?>
+<p:tagLst xmlns:p="http://schemas.openxmlformats.org/presentationml/2006/main">
+  <p:tag name="KSO_WM_BEAUTIFY_FLAG" val="#fgm#"/>
+  <p:tag name="KSO_WM_DIAGRAM_GROUP_CODE" val="1"/>
+  <p:tag name="KSO_WM_UNIT_INDEX" val="1_1_1"/>
+  <p:tag name="KSO_WM_UNIT_TYPE" val="l_h_i"/>
 </p:tagLst>
 </file>
 
@@ -18307,11 +17715,80 @@
   <p:tag name="KSO_WM_BEAUTIFY_FLAG" val="#fgm#"/>
   <p:tag name="KSO_WM_DIAGRAM_GROUP_CODE" val="1"/>
   <p:tag name="KSO_WM_UNIT_INDEX" val="1_1_1"/>
+  <p:tag name="KSO_WM_UNIT_PRESET_TEXT" val="添加项标题"/>
+  <p:tag name="KSO_WM_UNIT_TEXT_TYPE" val="1"/>
+  <p:tag name="KSO_WM_UNIT_TYPE" val="l_h_a"/>
+</p:tagLst>
+</file>
+
+<file path=ppt/tags/tag131.xml><?xml version="1.0" encoding="utf-8"?>
+<p:tagLst xmlns:p="http://schemas.openxmlformats.org/presentationml/2006/main">
+  <p:tag name="KSO_WM_BEAUTIFY_FLAG" val="#fgm#"/>
+  <p:tag name="KSO_WM_DIAGRAM_GROUP_CODE" val="1"/>
+  <p:tag name="KSO_WM_UNIT_INDEX" val="1_1_1"/>
+  <p:tag name="KSO_WM_UNIT_PRESET_TEXT" val="单击此处输入项正文，文字是您思想的提炼，请尽量言简意赅的阐述观点。"/>
+  <p:tag name="KSO_WM_UNIT_TEXT_TYPE" val="1"/>
+  <p:tag name="KSO_WM_UNIT_TYPE" val="l_h_f"/>
+</p:tagLst>
+</file>
+
+<file path=ppt/tags/tag132.xml><?xml version="1.0" encoding="utf-8"?>
+<p:tagLst xmlns:p="http://schemas.openxmlformats.org/presentationml/2006/main">
+  <p:tag name="KSO_WM_BEAUTIFY_FLAG" val="#fgm#"/>
+  <p:tag name="KSO_WM_DIAGRAM_GROUP_CODE" val="1"/>
+  <p:tag name="KSO_WM_UNIT_INDEX" val="1_2_1"/>
   <p:tag name="KSO_WM_UNIT_TYPE" val="l_h_i"/>
 </p:tagLst>
 </file>
 
-<file path=ppt/tags/tag131.xml><?xml version="1.0" encoding="utf-8"?>
+<file path=ppt/tags/tag133.xml><?xml version="1.0" encoding="utf-8"?>
+<p:tagLst xmlns:p="http://schemas.openxmlformats.org/presentationml/2006/main">
+  <p:tag name="KSO_WM_BEAUTIFY_FLAG" val="#fgm#"/>
+  <p:tag name="KSO_WM_DIAGRAM_GROUP_CODE" val="1"/>
+  <p:tag name="KSO_WM_UNIT_INDEX" val="1_2_1"/>
+  <p:tag name="KSO_WM_UNIT_PRESET_TEXT" val="添加项标题"/>
+  <p:tag name="KSO_WM_UNIT_TEXT_TYPE" val="1"/>
+  <p:tag name="KSO_WM_UNIT_TYPE" val="l_h_a"/>
+</p:tagLst>
+</file>
+
+<file path=ppt/tags/tag134.xml><?xml version="1.0" encoding="utf-8"?>
+<p:tagLst xmlns:p="http://schemas.openxmlformats.org/presentationml/2006/main">
+  <p:tag name="KSO_WM_BEAUTIFY_FLAG" val="#fgm#"/>
+  <p:tag name="KSO_WM_DIAGRAM_GROUP_CODE" val="1"/>
+  <p:tag name="KSO_WM_UNIT_INDEX" val="1_2_1"/>
+  <p:tag name="KSO_WM_UNIT_PRESET_TEXT" val="单击此处输入项正文，文字是您思想的提炼，请尽量言简意赅的阐述观点。"/>
+  <p:tag name="KSO_WM_UNIT_TEXT_TYPE" val="1"/>
+  <p:tag name="KSO_WM_UNIT_TYPE" val="l_h_f"/>
+</p:tagLst>
+</file>
+
+<file path=ppt/tags/tag135.xml><?xml version="1.0" encoding="utf-8"?>
+<p:tagLst xmlns:p="http://schemas.openxmlformats.org/presentationml/2006/main">
+  <p:tag name="KSO_WM_BEAUTIFY_FLAG" val="#wm#"/>
+  <p:tag name="KSO_WM_UNIT_INDEX" val="1"/>
+  <p:tag name="KSO_WM_UNIT_TYPE" val="d"/>
+  <p:tag name="MH_PIC_SOURCE_TYPE" val="generate_slide_ai*http://zh-ai-group.ks3-cn-beijing.ksyun.com/image_generate/image_process/production/202502/37579432-1d7c-49e2-a5c7-31eff21156af.jpg?Expires=1770123524&amp;AWSAccessKeyId=AKLT9NSy7kh8TIS1UzNqLRY2&amp;Signature=A7skmyCbYRFMRKi2Q8iXd7UoZLc%3D**1738587519077_2.195_466483fda765-slide-11"/>
+</p:tagLst>
+</file>
+
+<file path=ppt/tags/tag136.xml><?xml version="1.0" encoding="utf-8"?>
+<p:tagLst xmlns:p="http://schemas.openxmlformats.org/presentationml/2006/main">
+  <p:tag name="KSO_WM_FIGMA_LIMIT" val=""/>
+  <p:tag name="KSO_WM_FIGMA_SLIDE_GROUP" val="58"/>
+  <p:tag name="KSO_WM_SLIDE_TYPE" val="text"/>
+</p:tagLst>
+</file>
+
+<file path=ppt/tags/tag137.xml><?xml version="1.0" encoding="utf-8"?>
+<p:tagLst xmlns:p="http://schemas.openxmlformats.org/presentationml/2006/main">
+  <p:tag name="KSO_WM_BEAUTIFY_FLAG" val="#wm#"/>
+  <p:tag name="KSO_WM_UNIT_INDEX" val="1"/>
+  <p:tag name="KSO_WM_UNIT_TYPE" val="i"/>
+</p:tagLst>
+</file>
+
+<file path=ppt/tags/tag138.xml><?xml version="1.0" encoding="utf-8"?>
 <p:tagLst xmlns:p="http://schemas.openxmlformats.org/presentationml/2006/main">
   <p:tag name="KSO_WM_BEAUTIFY_FLAG" val="#fgm#"/>
   <p:tag name="KSO_WM_DIAGRAM_GROUP_CODE" val="1"/>
@@ -18322,7 +17799,7 @@
 </p:tagLst>
 </file>
 
-<file path=ppt/tags/tag132.xml><?xml version="1.0" encoding="utf-8"?>
+<file path=ppt/tags/tag139.xml><?xml version="1.0" encoding="utf-8"?>
 <p:tagLst xmlns:p="http://schemas.openxmlformats.org/presentationml/2006/main">
   <p:tag name="KSO_WM_BEAUTIFY_FLAG" val="#fgm#"/>
   <p:tag name="KSO_WM_DIAGRAM_GROUP_CODE" val="1"/>
@@ -18333,16 +17810,15 @@
 </p:tagLst>
 </file>
 
-<file path=ppt/tags/tag133.xml><?xml version="1.0" encoding="utf-8"?>
+<file path=ppt/tags/tag14.xml><?xml version="1.0" encoding="utf-8"?>
 <p:tagLst xmlns:p="http://schemas.openxmlformats.org/presentationml/2006/main">
-  <p:tag name="KSO_WM_BEAUTIFY_FLAG" val="#fgm#"/>
-  <p:tag name="KSO_WM_DIAGRAM_GROUP_CODE" val="1"/>
-  <p:tag name="KSO_WM_UNIT_INDEX" val="1_2_1"/>
-  <p:tag name="KSO_WM_UNIT_TYPE" val="l_h_i"/>
+  <p:tag name="KSO_WM_BEAUTIFY_FLAG" val="#wm#"/>
+  <p:tag name="KSO_WM_UNIT_INDEX" val="1"/>
+  <p:tag name="KSO_WM_UNIT_TYPE" val="i"/>
 </p:tagLst>
 </file>
 
-<file path=ppt/tags/tag134.xml><?xml version="1.0" encoding="utf-8"?>
+<file path=ppt/tags/tag140.xml><?xml version="1.0" encoding="utf-8"?>
 <p:tagLst xmlns:p="http://schemas.openxmlformats.org/presentationml/2006/main">
   <p:tag name="KSO_WM_BEAUTIFY_FLAG" val="#fgm#"/>
   <p:tag name="KSO_WM_DIAGRAM_GROUP_CODE" val="1"/>
@@ -18353,7 +17829,7 @@
 </p:tagLst>
 </file>
 
-<file path=ppt/tags/tag135.xml><?xml version="1.0" encoding="utf-8"?>
+<file path=ppt/tags/tag141.xml><?xml version="1.0" encoding="utf-8"?>
 <p:tagLst xmlns:p="http://schemas.openxmlformats.org/presentationml/2006/main">
   <p:tag name="KSO_WM_BEAUTIFY_FLAG" val="#fgm#"/>
   <p:tag name="KSO_WM_DIAGRAM_GROUP_CODE" val="1"/>
@@ -18364,24 +17840,47 @@
 </p:tagLst>
 </file>
 
-<file path=ppt/tags/tag136.xml><?xml version="1.0" encoding="utf-8"?>
+<file path=ppt/tags/tag142.xml><?xml version="1.0" encoding="utf-8"?>
+<p:tagLst xmlns:p="http://schemas.openxmlformats.org/presentationml/2006/main">
+  <p:tag name="KSO_WM_BEAUTIFY_FLAG" val="#fgm#"/>
+  <p:tag name="KSO_WM_DIAGRAM_GROUP_CODE" val="1"/>
+  <p:tag name="KSO_WM_UNIT_INDEX" val="1_3_1"/>
+  <p:tag name="KSO_WM_UNIT_PRESET_TEXT" val="添加项标题"/>
+  <p:tag name="KSO_WM_UNIT_TEXT_TYPE" val="1"/>
+  <p:tag name="KSO_WM_UNIT_TYPE" val="l_h_a"/>
+</p:tagLst>
+</file>
+
+<file path=ppt/tags/tag143.xml><?xml version="1.0" encoding="utf-8"?>
+<p:tagLst xmlns:p="http://schemas.openxmlformats.org/presentationml/2006/main">
+  <p:tag name="KSO_WM_BEAUTIFY_FLAG" val="#fgm#"/>
+  <p:tag name="KSO_WM_DIAGRAM_GROUP_CODE" val="1"/>
+  <p:tag name="KSO_WM_UNIT_INDEX" val="1_3_1"/>
+  <p:tag name="KSO_WM_UNIT_PRESET_TEXT" val="单击此处输入项正文，文字是您思想的提炼，请尽量言简意赅的阐述观点。"/>
+  <p:tag name="KSO_WM_UNIT_TEXT_TYPE" val="1"/>
+  <p:tag name="KSO_WM_UNIT_TYPE" val="l_h_f"/>
+</p:tagLst>
+</file>
+
+<file path=ppt/tags/tag144.xml><?xml version="1.0" encoding="utf-8"?>
 <p:tagLst xmlns:p="http://schemas.openxmlformats.org/presentationml/2006/main">
   <p:tag name="KSO_WM_BEAUTIFY_FLAG" val="#wm#"/>
   <p:tag name="KSO_WM_UNIT_INDEX" val="1"/>
-  <p:tag name="KSO_WM_UNIT_TYPE" val="d"/>
-  <p:tag name="MH_PIC_SOURCE_TYPE" val="generate_slide_ai*http://zh-ai-group.ks3-cn-beijing.ksyun.com/image_generate/image_process/production/202502/37579432-1d7c-49e2-a5c7-31eff21156af.jpg?Expires=1770123524&amp;AWSAccessKeyId=AKLT9NSy7kh8TIS1UzNqLRY2&amp;Signature=A7skmyCbYRFMRKi2Q8iXd7UoZLc%3D**1738587519077_2.195_466483fda765-slide-11"/>
+  <p:tag name="KSO_WM_UNIT_PRESET_TEXT" val="单击此处添加标题内容"/>
+  <p:tag name="KSO_WM_UNIT_TEXT_TYPE" val="1"/>
+  <p:tag name="KSO_WM_UNIT_TYPE" val="a"/>
 </p:tagLst>
 </file>
 
-<file path=ppt/tags/tag137.xml><?xml version="1.0" encoding="utf-8"?>
+<file path=ppt/tags/tag145.xml><?xml version="1.0" encoding="utf-8"?>
 <p:tagLst xmlns:p="http://schemas.openxmlformats.org/presentationml/2006/main">
   <p:tag name="KSO_WM_FIGMA_LIMIT" val=""/>
-  <p:tag name="KSO_WM_FIGMA_SLIDE_GROUP" val="58"/>
+  <p:tag name="KSO_WM_FIGMA_SLIDE_GROUP" val="32"/>
   <p:tag name="KSO_WM_SLIDE_TYPE" val="text"/>
 </p:tagLst>
 </file>
 
-<file path=ppt/tags/tag138.xml><?xml version="1.0" encoding="utf-8"?>
+<file path=ppt/tags/tag146.xml><?xml version="1.0" encoding="utf-8"?>
 <p:tagLst xmlns:p="http://schemas.openxmlformats.org/presentationml/2006/main">
   <p:tag name="KSO_WM_BEAUTIFY_FLAG" val="#wm#"/>
   <p:tag name="KSO_WM_UNIT_INDEX" val="1"/>
@@ -18389,7 +17888,26 @@
 </p:tagLst>
 </file>
 
-<file path=ppt/tags/tag139.xml><?xml version="1.0" encoding="utf-8"?>
+<file path=ppt/tags/tag147.xml><?xml version="1.0" encoding="utf-8"?>
+<p:tagLst xmlns:p="http://schemas.openxmlformats.org/presentationml/2006/main">
+  <p:tag name="KSO_WM_BEAUTIFY_FLAG" val="#wm#"/>
+  <p:tag name="KSO_WM_UNIT_INDEX" val="1"/>
+  <p:tag name="KSO_WM_UNIT_PRESET_TEXT" val="单击此处添加标题内容"/>
+  <p:tag name="KSO_WM_UNIT_TEXT_TYPE" val="1"/>
+  <p:tag name="KSO_WM_UNIT_TYPE" val="a"/>
+</p:tagLst>
+</file>
+
+<file path=ppt/tags/tag148.xml><?xml version="1.0" encoding="utf-8"?>
+<p:tagLst xmlns:p="http://schemas.openxmlformats.org/presentationml/2006/main">
+  <p:tag name="KSO_WM_BEAUTIFY_FLAG" val="#fgm#"/>
+  <p:tag name="KSO_WM_DIAGRAM_GROUP_CODE" val="1"/>
+  <p:tag name="KSO_WM_UNIT_INDEX" val="1_1_1"/>
+  <p:tag name="KSO_WM_UNIT_TYPE" val="l_h_i"/>
+</p:tagLst>
+</file>
+
+<file path=ppt/tags/tag149.xml><?xml version="1.0" encoding="utf-8"?>
 <p:tagLst xmlns:p="http://schemas.openxmlformats.org/presentationml/2006/main">
   <p:tag name="KSO_WM_BEAUTIFY_FLAG" val="#fgm#"/>
   <p:tag name="KSO_WM_DIAGRAM_GROUP_CODE" val="1"/>
@@ -18400,106 +17918,15 @@
 </p:tagLst>
 </file>
 
-<file path=ppt/tags/tag14.xml><?xml version="1.0" encoding="utf-8"?>
+<file path=ppt/tags/tag15.xml><?xml version="1.0" encoding="utf-8"?>
 <p:tagLst xmlns:p="http://schemas.openxmlformats.org/presentationml/2006/main">
   <p:tag name="KSO_WM_BEAUTIFY_FLAG" val="#wm#"/>
-  <p:tag name="KSO_WM_UNIT_INDEX" val="1"/>
+  <p:tag name="KSO_WM_UNIT_INDEX" val="2"/>
   <p:tag name="KSO_WM_UNIT_TYPE" val="i"/>
 </p:tagLst>
 </file>
 
-<file path=ppt/tags/tag140.xml><?xml version="1.0" encoding="utf-8"?>
-<p:tagLst xmlns:p="http://schemas.openxmlformats.org/presentationml/2006/main">
-  <p:tag name="KSO_WM_BEAUTIFY_FLAG" val="#fgm#"/>
-  <p:tag name="KSO_WM_DIAGRAM_GROUP_CODE" val="1"/>
-  <p:tag name="KSO_WM_UNIT_INDEX" val="1_1_1"/>
-  <p:tag name="KSO_WM_UNIT_PRESET_TEXT" val="单击此处输入项正文，文字是您思想的提炼，请尽量言简意赅的阐述观点。"/>
-  <p:tag name="KSO_WM_UNIT_TEXT_TYPE" val="1"/>
-  <p:tag name="KSO_WM_UNIT_TYPE" val="l_h_f"/>
-</p:tagLst>
-</file>
-
-<file path=ppt/tags/tag141.xml><?xml version="1.0" encoding="utf-8"?>
-<p:tagLst xmlns:p="http://schemas.openxmlformats.org/presentationml/2006/main">
-  <p:tag name="KSO_WM_BEAUTIFY_FLAG" val="#fgm#"/>
-  <p:tag name="KSO_WM_DIAGRAM_GROUP_CODE" val="1"/>
-  <p:tag name="KSO_WM_UNIT_INDEX" val="1_2_1"/>
-  <p:tag name="KSO_WM_UNIT_PRESET_TEXT" val="添加项标题"/>
-  <p:tag name="KSO_WM_UNIT_TEXT_TYPE" val="1"/>
-  <p:tag name="KSO_WM_UNIT_TYPE" val="l_h_a"/>
-</p:tagLst>
-</file>
-
-<file path=ppt/tags/tag142.xml><?xml version="1.0" encoding="utf-8"?>
-<p:tagLst xmlns:p="http://schemas.openxmlformats.org/presentationml/2006/main">
-  <p:tag name="KSO_WM_BEAUTIFY_FLAG" val="#fgm#"/>
-  <p:tag name="KSO_WM_DIAGRAM_GROUP_CODE" val="1"/>
-  <p:tag name="KSO_WM_UNIT_INDEX" val="1_2_1"/>
-  <p:tag name="KSO_WM_UNIT_PRESET_TEXT" val="单击此处输入项正文，文字是您思想的提炼，请尽量言简意赅的阐述观点。"/>
-  <p:tag name="KSO_WM_UNIT_TEXT_TYPE" val="1"/>
-  <p:tag name="KSO_WM_UNIT_TYPE" val="l_h_f"/>
-</p:tagLst>
-</file>
-
-<file path=ppt/tags/tag143.xml><?xml version="1.0" encoding="utf-8"?>
-<p:tagLst xmlns:p="http://schemas.openxmlformats.org/presentationml/2006/main">
-  <p:tag name="KSO_WM_BEAUTIFY_FLAG" val="#fgm#"/>
-  <p:tag name="KSO_WM_DIAGRAM_GROUP_CODE" val="1"/>
-  <p:tag name="KSO_WM_UNIT_INDEX" val="1_3_1"/>
-  <p:tag name="KSO_WM_UNIT_PRESET_TEXT" val="添加项标题"/>
-  <p:tag name="KSO_WM_UNIT_TEXT_TYPE" val="1"/>
-  <p:tag name="KSO_WM_UNIT_TYPE" val="l_h_a"/>
-</p:tagLst>
-</file>
-
-<file path=ppt/tags/tag144.xml><?xml version="1.0" encoding="utf-8"?>
-<p:tagLst xmlns:p="http://schemas.openxmlformats.org/presentationml/2006/main">
-  <p:tag name="KSO_WM_BEAUTIFY_FLAG" val="#fgm#"/>
-  <p:tag name="KSO_WM_DIAGRAM_GROUP_CODE" val="1"/>
-  <p:tag name="KSO_WM_UNIT_INDEX" val="1_3_1"/>
-  <p:tag name="KSO_WM_UNIT_PRESET_TEXT" val="单击此处输入项正文，文字是您思想的提炼，请尽量言简意赅的阐述观点。"/>
-  <p:tag name="KSO_WM_UNIT_TEXT_TYPE" val="1"/>
-  <p:tag name="KSO_WM_UNIT_TYPE" val="l_h_f"/>
-</p:tagLst>
-</file>
-
-<file path=ppt/tags/tag145.xml><?xml version="1.0" encoding="utf-8"?>
-<p:tagLst xmlns:p="http://schemas.openxmlformats.org/presentationml/2006/main">
-  <p:tag name="KSO_WM_BEAUTIFY_FLAG" val="#wm#"/>
-  <p:tag name="KSO_WM_UNIT_INDEX" val="1"/>
-  <p:tag name="KSO_WM_UNIT_PRESET_TEXT" val="单击此处添加标题内容"/>
-  <p:tag name="KSO_WM_UNIT_TEXT_TYPE" val="1"/>
-  <p:tag name="KSO_WM_UNIT_TYPE" val="a"/>
-</p:tagLst>
-</file>
-
-<file path=ppt/tags/tag146.xml><?xml version="1.0" encoding="utf-8"?>
-<p:tagLst xmlns:p="http://schemas.openxmlformats.org/presentationml/2006/main">
-  <p:tag name="KSO_WM_FIGMA_LIMIT" val=""/>
-  <p:tag name="KSO_WM_FIGMA_SLIDE_GROUP" val="32"/>
-  <p:tag name="KSO_WM_SLIDE_TYPE" val="text"/>
-</p:tagLst>
-</file>
-
-<file path=ppt/tags/tag147.xml><?xml version="1.0" encoding="utf-8"?>
-<p:tagLst xmlns:p="http://schemas.openxmlformats.org/presentationml/2006/main">
-  <p:tag name="KSO_WM_BEAUTIFY_FLAG" val="#wm#"/>
-  <p:tag name="KSO_WM_UNIT_INDEX" val="1"/>
-  <p:tag name="KSO_WM_UNIT_TYPE" val="i"/>
-</p:tagLst>
-</file>
-
-<file path=ppt/tags/tag148.xml><?xml version="1.0" encoding="utf-8"?>
-<p:tagLst xmlns:p="http://schemas.openxmlformats.org/presentationml/2006/main">
-  <p:tag name="KSO_WM_BEAUTIFY_FLAG" val="#wm#"/>
-  <p:tag name="KSO_WM_UNIT_INDEX" val="1"/>
-  <p:tag name="KSO_WM_UNIT_PRESET_TEXT" val="单击此处添加标题内容"/>
-  <p:tag name="KSO_WM_UNIT_TEXT_TYPE" val="1"/>
-  <p:tag name="KSO_WM_UNIT_TYPE" val="a"/>
-</p:tagLst>
-</file>
-
-<file path=ppt/tags/tag149.xml><?xml version="1.0" encoding="utf-8"?>
+<file path=ppt/tags/tag150.xml><?xml version="1.0" encoding="utf-8"?>
 <p:tagLst xmlns:p="http://schemas.openxmlformats.org/presentationml/2006/main">
   <p:tag name="KSO_WM_BEAUTIFY_FLAG" val="#fgm#"/>
   <p:tag name="KSO_WM_DIAGRAM_GROUP_CODE" val="1"/>
@@ -18508,15 +17935,7 @@
 </p:tagLst>
 </file>
 
-<file path=ppt/tags/tag15.xml><?xml version="1.0" encoding="utf-8"?>
-<p:tagLst xmlns:p="http://schemas.openxmlformats.org/presentationml/2006/main">
-  <p:tag name="KSO_WM_BEAUTIFY_FLAG" val="#wm#"/>
-  <p:tag name="KSO_WM_UNIT_INDEX" val="2"/>
-  <p:tag name="KSO_WM_UNIT_TYPE" val="i"/>
-</p:tagLst>
-</file>
-
-<file path=ppt/tags/tag150.xml><?xml version="1.0" encoding="utf-8"?>
+<file path=ppt/tags/tag151.xml><?xml version="1.0" encoding="utf-8"?>
 <p:tagLst xmlns:p="http://schemas.openxmlformats.org/presentationml/2006/main">
   <p:tag name="KSO_WM_BEAUTIFY_FLAG" val="#fgm#"/>
   <p:tag name="KSO_WM_DIAGRAM_GROUP_CODE" val="1"/>
@@ -18527,7 +17946,7 @@
 </p:tagLst>
 </file>
 
-<file path=ppt/tags/tag151.xml><?xml version="1.0" encoding="utf-8"?>
+<file path=ppt/tags/tag152.xml><?xml version="1.0" encoding="utf-8"?>
 <p:tagLst xmlns:p="http://schemas.openxmlformats.org/presentationml/2006/main">
   <p:tag name="KSO_WM_BEAUTIFY_FLAG" val="#fgm#"/>
   <p:tag name="KSO_WM_DIAGRAM_GROUP_CODE" val="1"/>
@@ -18536,7 +17955,7 @@
 </p:tagLst>
 </file>
 
-<file path=ppt/tags/tag152.xml><?xml version="1.0" encoding="utf-8"?>
+<file path=ppt/tags/tag153.xml><?xml version="1.0" encoding="utf-8"?>
 <p:tagLst xmlns:p="http://schemas.openxmlformats.org/presentationml/2006/main">
   <p:tag name="KSO_WM_BEAUTIFY_FLAG" val="#fgm#"/>
   <p:tag name="KSO_WM_DIAGRAM_GROUP_CODE" val="1"/>
@@ -18547,7 +17966,7 @@
 </p:tagLst>
 </file>
 
-<file path=ppt/tags/tag153.xml><?xml version="1.0" encoding="utf-8"?>
+<file path=ppt/tags/tag154.xml><?xml version="1.0" encoding="utf-8"?>
 <p:tagLst xmlns:p="http://schemas.openxmlformats.org/presentationml/2006/main">
   <p:tag name="KSO_WM_BEAUTIFY_FLAG" val="#fgm#"/>
   <p:tag name="KSO_WM_DIAGRAM_GROUP_CODE" val="1"/>
@@ -18556,7 +17975,7 @@
 </p:tagLst>
 </file>
 
-<file path=ppt/tags/tag154.xml><?xml version="1.0" encoding="utf-8"?>
+<file path=ppt/tags/tag155.xml><?xml version="1.0" encoding="utf-8"?>
 <p:tagLst xmlns:p="http://schemas.openxmlformats.org/presentationml/2006/main">
   <p:tag name="KSO_WM_BEAUTIFY_FLAG" val="#fgm#"/>
   <p:tag name="KSO_WM_DIAGRAM_GROUP_CODE" val="1"/>
@@ -18567,27 +17986,7 @@
 </p:tagLst>
 </file>
 
-<file path=ppt/tags/tag155.xml><?xml version="1.0" encoding="utf-8"?>
-<p:tagLst xmlns:p="http://schemas.openxmlformats.org/presentationml/2006/main">
-  <p:tag name="KSO_WM_BEAUTIFY_FLAG" val="#fgm#"/>
-  <p:tag name="KSO_WM_DIAGRAM_GROUP_CODE" val="1"/>
-  <p:tag name="KSO_WM_UNIT_INDEX" val="1_1_1"/>
-  <p:tag name="KSO_WM_UNIT_TYPE" val="l_h_i"/>
-</p:tagLst>
-</file>
-
 <file path=ppt/tags/tag156.xml><?xml version="1.0" encoding="utf-8"?>
-<p:tagLst xmlns:p="http://schemas.openxmlformats.org/presentationml/2006/main">
-  <p:tag name="KSO_WM_BEAUTIFY_FLAG" val="#fgm#"/>
-  <p:tag name="KSO_WM_DIAGRAM_GROUP_CODE" val="1"/>
-  <p:tag name="KSO_WM_UNIT_INDEX" val="1_1_1"/>
-  <p:tag name="KSO_WM_UNIT_PRESET_TEXT" val="添加项标题"/>
-  <p:tag name="KSO_WM_UNIT_TEXT_TYPE" val="1"/>
-  <p:tag name="KSO_WM_UNIT_TYPE" val="l_h_a"/>
-</p:tagLst>
-</file>
-
-<file path=ppt/tags/tag157.xml><?xml version="1.0" encoding="utf-8"?>
 <p:tagLst xmlns:p="http://schemas.openxmlformats.org/presentationml/2006/main">
   <p:tag name="KSO_WM_FIGMA_LIMIT" val=""/>
   <p:tag name="KSO_WM_FIGMA_SLIDE_GROUP" val="32"/>
@@ -18595,7 +17994,7 @@
 </p:tagLst>
 </file>
 
-<file path=ppt/tags/tag158.xml><?xml version="1.0" encoding="utf-8"?>
+<file path=ppt/tags/tag157.xml><?xml version="1.0" encoding="utf-8"?>
 <p:tagLst xmlns:p="http://schemas.openxmlformats.org/presentationml/2006/main">
   <p:tag name="KSO_WM_BEAUTIFY_FLAG" val="#wm#"/>
   <p:tag name="KSO_WM_UNIT_INDEX" val="1"/>
@@ -18603,11 +18002,19 @@
 </p:tagLst>
 </file>
 
-<file path=ppt/tags/tag159.xml><?xml version="1.0" encoding="utf-8"?>
+<file path=ppt/tags/tag158.xml><?xml version="1.0" encoding="utf-8"?>
 <p:tagLst xmlns:p="http://schemas.openxmlformats.org/presentationml/2006/main">
   <p:tag name="KSO_WM_BEAUTIFY_FLAG" val="#wm#"/>
   <p:tag name="KSO_WM_UNIT_INDEX" val="1"/>
   <p:tag name="KSO_WM_UNIT_TYPE" val="e"/>
+</p:tagLst>
+</file>
+
+<file path=ppt/tags/tag159.xml><?xml version="1.0" encoding="utf-8"?>
+<p:tagLst xmlns:p="http://schemas.openxmlformats.org/presentationml/2006/main">
+  <p:tag name="KSO_WM_FIGMA_LIMIT" val=""/>
+  <p:tag name="KSO_WM_FIGMA_SLIDE_GROUP" val="1"/>
+  <p:tag name="KSO_WM_SLIDE_TYPE" val="sectionTitle"/>
 </p:tagLst>
 </file>
 
@@ -18626,14 +18033,6 @@
 
 <file path=ppt/tags/tag160.xml><?xml version="1.0" encoding="utf-8"?>
 <p:tagLst xmlns:p="http://schemas.openxmlformats.org/presentationml/2006/main">
-  <p:tag name="KSO_WM_FIGMA_LIMIT" val=""/>
-  <p:tag name="KSO_WM_FIGMA_SLIDE_GROUP" val="1"/>
-  <p:tag name="KSO_WM_SLIDE_TYPE" val="sectionTitle"/>
-</p:tagLst>
-</file>
-
-<file path=ppt/tags/tag161.xml><?xml version="1.0" encoding="utf-8"?>
-<p:tagLst xmlns:p="http://schemas.openxmlformats.org/presentationml/2006/main">
   <p:tag name="KSO_WM_BEAUTIFY_FLAG" val="#wm#"/>
   <p:tag name="KSO_WM_UNIT_INDEX" val="1"/>
   <p:tag name="KSO_WM_UNIT_PRESET_TEXT" val="单击此处添加标题内容"/>
@@ -18642,7 +18041,7 @@
 </p:tagLst>
 </file>
 
-<file path=ppt/tags/tag162.xml><?xml version="1.0" encoding="utf-8"?>
+<file path=ppt/tags/tag161.xml><?xml version="1.0" encoding="utf-8"?>
 <p:tagLst xmlns:p="http://schemas.openxmlformats.org/presentationml/2006/main">
   <p:tag name="KSO_WM_BEAUTIFY_FLAG" val="#fgm#"/>
   <p:tag name="KSO_WM_DIAGRAM_GROUP_CODE" val="1"/>
@@ -18651,7 +18050,7 @@
 </p:tagLst>
 </file>
 
-<file path=ppt/tags/tag163.xml><?xml version="1.0" encoding="utf-8"?>
+<file path=ppt/tags/tag162.xml><?xml version="1.0" encoding="utf-8"?>
 <p:tagLst xmlns:p="http://schemas.openxmlformats.org/presentationml/2006/main">
   <p:tag name="KSO_WM_BEAUTIFY_FLAG" val="#fgm#"/>
   <p:tag name="KSO_WM_DIAGRAM_GROUP_CODE" val="1"/>
@@ -18660,7 +18059,7 @@
 </p:tagLst>
 </file>
 
-<file path=ppt/tags/tag164.xml><?xml version="1.0" encoding="utf-8"?>
+<file path=ppt/tags/tag163.xml><?xml version="1.0" encoding="utf-8"?>
 <p:tagLst xmlns:p="http://schemas.openxmlformats.org/presentationml/2006/main">
   <p:tag name="KSO_WM_BEAUTIFY_FLAG" val="#fgm#"/>
   <p:tag name="KSO_WM_DIAGRAM_GROUP_CODE" val="1"/>
@@ -18671,7 +18070,7 @@
 </p:tagLst>
 </file>
 
-<file path=ppt/tags/tag165.xml><?xml version="1.0" encoding="utf-8"?>
+<file path=ppt/tags/tag164.xml><?xml version="1.0" encoding="utf-8"?>
 <p:tagLst xmlns:p="http://schemas.openxmlformats.org/presentationml/2006/main">
   <p:tag name="KSO_WM_BEAUTIFY_FLAG" val="#fgm#"/>
   <p:tag name="KSO_WM_DIAGRAM_GROUP_CODE" val="1"/>
@@ -18682,16 +18081,7 @@
 </p:tagLst>
 </file>
 
-<file path=ppt/tags/tag166.xml><?xml version="1.0" encoding="utf-8"?>
-<p:tagLst xmlns:p="http://schemas.openxmlformats.org/presentationml/2006/main">
-  <p:tag name="KSO_WM_BEAUTIFY_FLAG" val="#fgm#"/>
-  <p:tag name="KSO_WM_DIAGRAM_GROUP_CODE" val="1"/>
-  <p:tag name="KSO_WM_UNIT_INDEX" val="1_2_1"/>
-  <p:tag name="KSO_WM_UNIT_TYPE" val="l_h_i"/>
-</p:tagLst>
-</file>
-
-<file path=ppt/tags/tag167.xml><?xml version="1.0" encoding="utf-8"?>
+<file path=ppt/tags/tag165.xml><?xml version="1.0" encoding="utf-8"?>
 <p:tagLst xmlns:p="http://schemas.openxmlformats.org/presentationml/2006/main">
   <p:tag name="KSO_WM_BEAUTIFY_FLAG" val="#fgm#"/>
   <p:tag name="KSO_WM_DIAGRAM_GROUP_CODE" val="1"/>
@@ -18702,7 +18092,7 @@
 </p:tagLst>
 </file>
 
-<file path=ppt/tags/tag168.xml><?xml version="1.0" encoding="utf-8"?>
+<file path=ppt/tags/tag166.xml><?xml version="1.0" encoding="utf-8"?>
 <p:tagLst xmlns:p="http://schemas.openxmlformats.org/presentationml/2006/main">
   <p:tag name="KSO_WM_BEAUTIFY_FLAG" val="#fgm#"/>
   <p:tag name="KSO_WM_DIAGRAM_GROUP_CODE" val="1"/>
@@ -18713,12 +18103,33 @@
 </p:tagLst>
 </file>
 
-<file path=ppt/tags/tag169.xml><?xml version="1.0" encoding="utf-8"?>
+<file path=ppt/tags/tag167.xml><?xml version="1.0" encoding="utf-8"?>
 <p:tagLst xmlns:p="http://schemas.openxmlformats.org/presentationml/2006/main">
   <p:tag name="KSO_WM_BEAUTIFY_FLAG" val="#fgm#"/>
   <p:tag name="KSO_WM_DIAGRAM_GROUP_CODE" val="1"/>
   <p:tag name="KSO_WM_UNIT_INDEX" val="1_4_1"/>
-  <p:tag name="KSO_WM_UNIT_TYPE" val="l_h_i"/>
+  <p:tag name="KSO_WM_UNIT_PRESET_TEXT" val="添加项标题"/>
+  <p:tag name="KSO_WM_UNIT_TEXT_TYPE" val="1"/>
+  <p:tag name="KSO_WM_UNIT_TYPE" val="l_h_a"/>
+</p:tagLst>
+</file>
+
+<file path=ppt/tags/tag168.xml><?xml version="1.0" encoding="utf-8"?>
+<p:tagLst xmlns:p="http://schemas.openxmlformats.org/presentationml/2006/main">
+  <p:tag name="KSO_WM_BEAUTIFY_FLAG" val="#fgm#"/>
+  <p:tag name="KSO_WM_DIAGRAM_GROUP_CODE" val="1"/>
+  <p:tag name="KSO_WM_UNIT_INDEX" val="1_4_1"/>
+  <p:tag name="KSO_WM_UNIT_PRESET_TEXT" val="单击此处输入项正文，文字是您思想的提炼，请尽量言简意赅的阐述观点。"/>
+  <p:tag name="KSO_WM_UNIT_TEXT_TYPE" val="1"/>
+  <p:tag name="KSO_WM_UNIT_TYPE" val="l_h_f"/>
+</p:tagLst>
+</file>
+
+<file path=ppt/tags/tag169.xml><?xml version="1.0" encoding="utf-8"?>
+<p:tagLst xmlns:p="http://schemas.openxmlformats.org/presentationml/2006/main">
+  <p:tag name="KSO_WM_FIGMA_LIMIT" val=""/>
+  <p:tag name="KSO_WM_FIGMA_SLIDE_GROUP" val="32"/>
+  <p:tag name="KSO_WM_SLIDE_TYPE" val="text"/>
 </p:tagLst>
 </file>
 
@@ -18737,6 +18148,46 @@
 
 <file path=ppt/tags/tag170.xml><?xml version="1.0" encoding="utf-8"?>
 <p:tagLst xmlns:p="http://schemas.openxmlformats.org/presentationml/2006/main">
+  <p:tag name="KSO_WM_BEAUTIFY_FLAG" val="#wm#"/>
+  <p:tag name="KSO_WM_UNIT_INDEX" val="1"/>
+  <p:tag name="KSO_WM_UNIT_PRESET_TEXT" val="单击此处添加标题内容"/>
+  <p:tag name="KSO_WM_UNIT_TEXT_TYPE" val="1"/>
+  <p:tag name="KSO_WM_UNIT_TYPE" val="a"/>
+</p:tagLst>
+</file>
+
+<file path=ppt/tags/tag171.xml><?xml version="1.0" encoding="utf-8"?>
+<p:tagLst xmlns:p="http://schemas.openxmlformats.org/presentationml/2006/main">
+  <p:tag name="KSO_WM_BEAUTIFY_FLAG" val="#wm#"/>
+  <p:tag name="KSO_WM_UNIT_INDEX" val="1"/>
+  <p:tag name="KSO_WM_UNIT_TYPE" val="i"/>
+</p:tagLst>
+</file>
+
+<file path=ppt/tags/tag172.xml><?xml version="1.0" encoding="utf-8"?>
+<p:tagLst xmlns:p="http://schemas.openxmlformats.org/presentationml/2006/main">
+  <p:tag name="KSO_WM_BEAUTIFY_FLAG" val="#fgm#"/>
+  <p:tag name="KSO_WM_DIAGRAM_GROUP_CODE" val="1"/>
+  <p:tag name="KSO_WM_UNIT_INDEX" val="1_1_1"/>
+  <p:tag name="KSO_WM_UNIT_PRESET_TEXT" val="添加项标题"/>
+  <p:tag name="KSO_WM_UNIT_TEXT_TYPE" val="1"/>
+  <p:tag name="KSO_WM_UNIT_TYPE" val="l_h_a"/>
+</p:tagLst>
+</file>
+
+<file path=ppt/tags/tag173.xml><?xml version="1.0" encoding="utf-8"?>
+<p:tagLst xmlns:p="http://schemas.openxmlformats.org/presentationml/2006/main">
+  <p:tag name="KSO_WM_BEAUTIFY_FLAG" val="#fgm#"/>
+  <p:tag name="KSO_WM_DIAGRAM_GROUP_CODE" val="1"/>
+  <p:tag name="KSO_WM_UNIT_INDEX" val="1_1_1"/>
+  <p:tag name="KSO_WM_UNIT_PRESET_TEXT" val="单击此处输入项正文，文字是您思想的提炼，请尽量言简意赅的阐述观点。"/>
+  <p:tag name="KSO_WM_UNIT_TEXT_TYPE" val="1"/>
+  <p:tag name="KSO_WM_UNIT_TYPE" val="l_h_f"/>
+</p:tagLst>
+</file>
+
+<file path=ppt/tags/tag174.xml><?xml version="1.0" encoding="utf-8"?>
+<p:tagLst xmlns:p="http://schemas.openxmlformats.org/presentationml/2006/main">
   <p:tag name="KSO_WM_BEAUTIFY_FLAG" val="#fgm#"/>
   <p:tag name="KSO_WM_DIAGRAM_GROUP_CODE" val="1"/>
   <p:tag name="KSO_WM_UNIT_INDEX" val="1_2_1"/>
@@ -18746,7 +18197,7 @@
 </p:tagLst>
 </file>
 
-<file path=ppt/tags/tag171.xml><?xml version="1.0" encoding="utf-8"?>
+<file path=ppt/tags/tag175.xml><?xml version="1.0" encoding="utf-8"?>
 <p:tagLst xmlns:p="http://schemas.openxmlformats.org/presentationml/2006/main">
   <p:tag name="KSO_WM_BEAUTIFY_FLAG" val="#fgm#"/>
   <p:tag name="KSO_WM_DIAGRAM_GROUP_CODE" val="1"/>
@@ -18757,51 +18208,12 @@
 </p:tagLst>
 </file>
 
-<file path=ppt/tags/tag172.xml><?xml version="1.0" encoding="utf-8"?>
-<p:tagLst xmlns:p="http://schemas.openxmlformats.org/presentationml/2006/main">
-  <p:tag name="KSO_WM_BEAUTIFY_FLAG" val="#fgm#"/>
-  <p:tag name="KSO_WM_DIAGRAM_GROUP_CODE" val="1"/>
-  <p:tag name="KSO_WM_UNIT_INDEX" val="1_4_1"/>
-  <p:tag name="KSO_WM_UNIT_PRESET_TEXT" val="添加项标题"/>
-  <p:tag name="KSO_WM_UNIT_TEXT_TYPE" val="1"/>
-  <p:tag name="KSO_WM_UNIT_TYPE" val="l_h_a"/>
-</p:tagLst>
-</file>
-
-<file path=ppt/tags/tag173.xml><?xml version="1.0" encoding="utf-8"?>
-<p:tagLst xmlns:p="http://schemas.openxmlformats.org/presentationml/2006/main">
-  <p:tag name="KSO_WM_BEAUTIFY_FLAG" val="#fgm#"/>
-  <p:tag name="KSO_WM_DIAGRAM_GROUP_CODE" val="1"/>
-  <p:tag name="KSO_WM_UNIT_INDEX" val="1_4_1"/>
-  <p:tag name="KSO_WM_UNIT_PRESET_TEXT" val="单击此处输入项正文，文字是您思想的提炼，请尽量言简意赅的阐述观点。"/>
-  <p:tag name="KSO_WM_UNIT_TEXT_TYPE" val="1"/>
-  <p:tag name="KSO_WM_UNIT_TYPE" val="l_h_f"/>
-</p:tagLst>
-</file>
-
-<file path=ppt/tags/tag174.xml><?xml version="1.0" encoding="utf-8"?>
-<p:tagLst xmlns:p="http://schemas.openxmlformats.org/presentationml/2006/main">
-  <p:tag name="KSO_WM_FIGMA_LIMIT" val=""/>
-  <p:tag name="KSO_WM_FIGMA_SLIDE_GROUP" val="32"/>
-  <p:tag name="KSO_WM_SLIDE_TYPE" val="text"/>
-</p:tagLst>
-</file>
-
-<file path=ppt/tags/tag175.xml><?xml version="1.0" encoding="utf-8"?>
-<p:tagLst xmlns:p="http://schemas.openxmlformats.org/presentationml/2006/main">
-  <p:tag name="KSO_WM_BEAUTIFY_FLAG" val="#wm#"/>
-  <p:tag name="KSO_WM_UNIT_INDEX" val="1"/>
-  <p:tag name="KSO_WM_UNIT_PRESET_TEXT" val="单击此处添加标题内容"/>
-  <p:tag name="KSO_WM_UNIT_TEXT_TYPE" val="1"/>
-  <p:tag name="KSO_WM_UNIT_TYPE" val="a"/>
-</p:tagLst>
-</file>
-
 <file path=ppt/tags/tag176.xml><?xml version="1.0" encoding="utf-8"?>
 <p:tagLst xmlns:p="http://schemas.openxmlformats.org/presentationml/2006/main">
   <p:tag name="KSO_WM_BEAUTIFY_FLAG" val="#wm#"/>
   <p:tag name="KSO_WM_UNIT_INDEX" val="1"/>
-  <p:tag name="KSO_WM_UNIT_TYPE" val="i"/>
+  <p:tag name="KSO_WM_UNIT_TYPE" val="d"/>
+  <p:tag name="MH_PIC_SOURCE_TYPE" val="generate_slide_ai*VCG41N1481618700**1738587519077_2.195_466483fda765-slide-18"/>
 </p:tagLst>
 </file>
 
@@ -18829,12 +18241,9 @@
 
 <file path=ppt/tags/tag179.xml><?xml version="1.0" encoding="utf-8"?>
 <p:tagLst xmlns:p="http://schemas.openxmlformats.org/presentationml/2006/main">
-  <p:tag name="KSO_WM_BEAUTIFY_FLAG" val="#fgm#"/>
-  <p:tag name="KSO_WM_DIAGRAM_GROUP_CODE" val="1"/>
-  <p:tag name="KSO_WM_UNIT_INDEX" val="1_2_1"/>
-  <p:tag name="KSO_WM_UNIT_PRESET_TEXT" val="添加项标题"/>
-  <p:tag name="KSO_WM_UNIT_TEXT_TYPE" val="1"/>
-  <p:tag name="KSO_WM_UNIT_TYPE" val="l_h_a"/>
+  <p:tag name="KSO_WM_FIGMA_LIMIT" val=""/>
+  <p:tag name="KSO_WM_FIGMA_SLIDE_GROUP" val="57"/>
+  <p:tag name="KSO_WM_SLIDE_TYPE" val="text"/>
 </p:tagLst>
 </file>
 
@@ -18853,12 +18262,9 @@
 
 <file path=ppt/tags/tag180.xml><?xml version="1.0" encoding="utf-8"?>
 <p:tagLst xmlns:p="http://schemas.openxmlformats.org/presentationml/2006/main">
-  <p:tag name="KSO_WM_BEAUTIFY_FLAG" val="#fgm#"/>
-  <p:tag name="KSO_WM_DIAGRAM_GROUP_CODE" val="1"/>
-  <p:tag name="KSO_WM_UNIT_INDEX" val="1_2_1"/>
-  <p:tag name="KSO_WM_UNIT_PRESET_TEXT" val="单击此处输入项正文，文字是您思想的提炼，请尽量言简意赅的阐述观点。"/>
-  <p:tag name="KSO_WM_UNIT_TEXT_TYPE" val="1"/>
-  <p:tag name="KSO_WM_UNIT_TYPE" val="l_h_f"/>
+  <p:tag name="KSO_WM_BEAUTIFY_FLAG" val="#wm#"/>
+  <p:tag name="KSO_WM_UNIT_INDEX" val="1"/>
+  <p:tag name="KSO_WM_UNIT_TYPE" val="a"/>
 </p:tagLst>
 </file>
 
@@ -18866,12 +18272,56 @@
 <p:tagLst xmlns:p="http://schemas.openxmlformats.org/presentationml/2006/main">
   <p:tag name="KSO_WM_BEAUTIFY_FLAG" val="#wm#"/>
   <p:tag name="KSO_WM_UNIT_INDEX" val="1"/>
+  <p:tag name="KSO_WM_UNIT_TYPE" val="e"/>
+</p:tagLst>
+</file>
+
+<file path=ppt/tags/tag182.xml><?xml version="1.0" encoding="utf-8"?>
+<p:tagLst xmlns:p="http://schemas.openxmlformats.org/presentationml/2006/main">
+  <p:tag name="KSO_WM_FIGMA_LIMIT" val=""/>
+  <p:tag name="KSO_WM_FIGMA_SLIDE_GROUP" val="1"/>
+  <p:tag name="KSO_WM_SLIDE_TYPE" val="sectionTitle"/>
+</p:tagLst>
+</file>
+
+<file path=ppt/tags/tag183.xml><?xml version="1.0" encoding="utf-8"?>
+<p:tagLst xmlns:p="http://schemas.openxmlformats.org/presentationml/2006/main">
+  <p:tag name="KSO_WM_BEAUTIFY_FLAG" val="#wm#"/>
+  <p:tag name="KSO_WM_UNIT_INDEX" val="1"/>
   <p:tag name="KSO_WM_UNIT_TYPE" val="d"/>
-  <p:tag name="MH_PIC_SOURCE_TYPE" val="generate_slide_ai*VCG41N1481618700**1738587519077_2.195_466483fda765-slide-18"/>
+  <p:tag name="MH_PIC_SOURCE_TYPE" val="generate_slide_ai*{&quot;ai_type&quot;:&quot;generate_single_page&quot;,&quot;id&quot;:&quot;VCG41N1453799090&quot;}*galley_galley_ai_*1738683196107_2.195_09fa79163269-slide-0"/>
 </p:tagLst>
 </file>
 
-<file path=ppt/tags/tag182.xml><?xml version="1.0" encoding="utf-8"?>
+<file path=ppt/tags/tag184.xml><?xml version="1.0" encoding="utf-8"?>
+<p:tagLst xmlns:p="http://schemas.openxmlformats.org/presentationml/2006/main">
+  <p:tag name="KSO_WM_BEAUTIFY_FLAG" val="#wm#"/>
+  <p:tag name="KSO_WM_UNIT_INDEX" val="1"/>
+  <p:tag name="KSO_WM_UNIT_PRESET_TEXT" val="单击此处添加标题内容"/>
+  <p:tag name="KSO_WM_UNIT_TEXT_TYPE" val="1"/>
+  <p:tag name="KSO_WM_UNIT_TYPE" val="a"/>
+</p:tagLst>
+</file>
+
+<file path=ppt/tags/tag185.xml><?xml version="1.0" encoding="utf-8"?>
+<p:tagLst xmlns:p="http://schemas.openxmlformats.org/presentationml/2006/main">
+  <p:tag name="KSO_WM_BEAUTIFY_FLAG" val="#fgm#"/>
+  <p:tag name="KSO_WM_DIAGRAM_GROUP_CODE" val="1"/>
+  <p:tag name="KSO_WM_UNIT_INDEX" val="1_1_1"/>
+  <p:tag name="KSO_WM_UNIT_TYPE" val="l_h_i"/>
+</p:tagLst>
+</file>
+
+<file path=ppt/tags/tag186.xml><?xml version="1.0" encoding="utf-8"?>
+<p:tagLst xmlns:p="http://schemas.openxmlformats.org/presentationml/2006/main">
+  <p:tag name="KSO_WM_BEAUTIFY_FLAG" val="#fgm#"/>
+  <p:tag name="KSO_WM_DIAGRAM_GROUP_CODE" val="1"/>
+  <p:tag name="KSO_WM_UNIT_INDEX" val="1_3_1"/>
+  <p:tag name="KSO_WM_UNIT_TYPE" val="l_h_i"/>
+</p:tagLst>
+</file>
+
+<file path=ppt/tags/tag187.xml><?xml version="1.0" encoding="utf-8"?>
 <p:tagLst xmlns:p="http://schemas.openxmlformats.org/presentationml/2006/main">
   <p:tag name="KSO_WM_BEAUTIFY_FLAG" val="#fgm#"/>
   <p:tag name="KSO_WM_DIAGRAM_GROUP_CODE" val="1"/>
@@ -18882,7 +18332,7 @@
 </p:tagLst>
 </file>
 
-<file path=ppt/tags/tag183.xml><?xml version="1.0" encoding="utf-8"?>
+<file path=ppt/tags/tag188.xml><?xml version="1.0" encoding="utf-8"?>
 <p:tagLst xmlns:p="http://schemas.openxmlformats.org/presentationml/2006/main">
   <p:tag name="KSO_WM_BEAUTIFY_FLAG" val="#fgm#"/>
   <p:tag name="KSO_WM_DIAGRAM_GROUP_CODE" val="1"/>
@@ -18893,54 +18343,12 @@
 </p:tagLst>
 </file>
 
-<file path=ppt/tags/tag184.xml><?xml version="1.0" encoding="utf-8"?>
-<p:tagLst xmlns:p="http://schemas.openxmlformats.org/presentationml/2006/main">
-  <p:tag name="KSO_WM_FIGMA_LIMIT" val=""/>
-  <p:tag name="KSO_WM_FIGMA_SLIDE_GROUP" val="57"/>
-  <p:tag name="KSO_WM_SLIDE_TYPE" val="text"/>
-</p:tagLst>
-</file>
-
-<file path=ppt/tags/tag185.xml><?xml version="1.0" encoding="utf-8"?>
-<p:tagLst xmlns:p="http://schemas.openxmlformats.org/presentationml/2006/main">
-  <p:tag name="KSO_WM_BEAUTIFY_FLAG" val="#wm#"/>
-  <p:tag name="KSO_WM_UNIT_INDEX" val="1"/>
-  <p:tag name="KSO_WM_UNIT_TYPE" val="a"/>
-</p:tagLst>
-</file>
-
-<file path=ppt/tags/tag186.xml><?xml version="1.0" encoding="utf-8"?>
-<p:tagLst xmlns:p="http://schemas.openxmlformats.org/presentationml/2006/main">
-  <p:tag name="KSO_WM_BEAUTIFY_FLAG" val="#wm#"/>
-  <p:tag name="KSO_WM_UNIT_INDEX" val="1"/>
-  <p:tag name="KSO_WM_UNIT_TYPE" val="e"/>
-</p:tagLst>
-</file>
-
-<file path=ppt/tags/tag187.xml><?xml version="1.0" encoding="utf-8"?>
-<p:tagLst xmlns:p="http://schemas.openxmlformats.org/presentationml/2006/main">
-  <p:tag name="KSO_WM_FIGMA_LIMIT" val=""/>
-  <p:tag name="KSO_WM_FIGMA_SLIDE_GROUP" val="1"/>
-  <p:tag name="KSO_WM_SLIDE_TYPE" val="sectionTitle"/>
-</p:tagLst>
-</file>
-
-<file path=ppt/tags/tag188.xml><?xml version="1.0" encoding="utf-8"?>
-<p:tagLst xmlns:p="http://schemas.openxmlformats.org/presentationml/2006/main">
-  <p:tag name="KSO_WM_BEAUTIFY_FLAG" val="#wm#"/>
-  <p:tag name="KSO_WM_UNIT_INDEX" val="1"/>
-  <p:tag name="KSO_WM_UNIT_TYPE" val="d"/>
-  <p:tag name="MH_PIC_SOURCE_TYPE" val="generate_slide_ai*{&quot;ai_type&quot;:&quot;generate_single_page&quot;,&quot;id&quot;:&quot;VCG41N1453799090&quot;}*galley_galley_ai_*1738683196107_2.195_09fa79163269-slide-0"/>
-</p:tagLst>
-</file>
-
 <file path=ppt/tags/tag189.xml><?xml version="1.0" encoding="utf-8"?>
 <p:tagLst xmlns:p="http://schemas.openxmlformats.org/presentationml/2006/main">
-  <p:tag name="KSO_WM_BEAUTIFY_FLAG" val="#wm#"/>
-  <p:tag name="KSO_WM_UNIT_INDEX" val="1"/>
-  <p:tag name="KSO_WM_UNIT_PRESET_TEXT" val="单击此处添加标题内容"/>
-  <p:tag name="KSO_WM_UNIT_TEXT_TYPE" val="1"/>
-  <p:tag name="KSO_WM_UNIT_TYPE" val="a"/>
+  <p:tag name="KSO_WM_BEAUTIFY_FLAG" val="#fgm#"/>
+  <p:tag name="KSO_WM_DIAGRAM_GROUP_CODE" val="1"/>
+  <p:tag name="KSO_WM_UNIT_INDEX" val="1_2_1"/>
+  <p:tag name="KSO_WM_UNIT_TYPE" val="l_h_i"/>
 </p:tagLst>
 </file>
 
@@ -18953,55 +18361,6 @@
 </file>
 
 <file path=ppt/tags/tag190.xml><?xml version="1.0" encoding="utf-8"?>
-<p:tagLst xmlns:p="http://schemas.openxmlformats.org/presentationml/2006/main">
-  <p:tag name="KSO_WM_BEAUTIFY_FLAG" val="#fgm#"/>
-  <p:tag name="KSO_WM_DIAGRAM_GROUP_CODE" val="1"/>
-  <p:tag name="KSO_WM_UNIT_INDEX" val="1_1_1"/>
-  <p:tag name="KSO_WM_UNIT_TYPE" val="l_h_i"/>
-</p:tagLst>
-</file>
-
-<file path=ppt/tags/tag191.xml><?xml version="1.0" encoding="utf-8"?>
-<p:tagLst xmlns:p="http://schemas.openxmlformats.org/presentationml/2006/main">
-  <p:tag name="KSO_WM_BEAUTIFY_FLAG" val="#fgm#"/>
-  <p:tag name="KSO_WM_DIAGRAM_GROUP_CODE" val="1"/>
-  <p:tag name="KSO_WM_UNIT_INDEX" val="1_3_1"/>
-  <p:tag name="KSO_WM_UNIT_TYPE" val="l_h_i"/>
-</p:tagLst>
-</file>
-
-<file path=ppt/tags/tag192.xml><?xml version="1.0" encoding="utf-8"?>
-<p:tagLst xmlns:p="http://schemas.openxmlformats.org/presentationml/2006/main">
-  <p:tag name="KSO_WM_BEAUTIFY_FLAG" val="#fgm#"/>
-  <p:tag name="KSO_WM_DIAGRAM_GROUP_CODE" val="1"/>
-  <p:tag name="KSO_WM_UNIT_INDEX" val="1_1_1"/>
-  <p:tag name="KSO_WM_UNIT_PRESET_TEXT" val="添加项标题"/>
-  <p:tag name="KSO_WM_UNIT_TEXT_TYPE" val="1"/>
-  <p:tag name="KSO_WM_UNIT_TYPE" val="l_h_a"/>
-</p:tagLst>
-</file>
-
-<file path=ppt/tags/tag193.xml><?xml version="1.0" encoding="utf-8"?>
-<p:tagLst xmlns:p="http://schemas.openxmlformats.org/presentationml/2006/main">
-  <p:tag name="KSO_WM_BEAUTIFY_FLAG" val="#fgm#"/>
-  <p:tag name="KSO_WM_DIAGRAM_GROUP_CODE" val="1"/>
-  <p:tag name="KSO_WM_UNIT_INDEX" val="1_1_1"/>
-  <p:tag name="KSO_WM_UNIT_PRESET_TEXT" val="单击此处输入项正文，文字是您思想的提炼，请尽量言简意赅的阐述观点。"/>
-  <p:tag name="KSO_WM_UNIT_TEXT_TYPE" val="1"/>
-  <p:tag name="KSO_WM_UNIT_TYPE" val="l_h_f"/>
-</p:tagLst>
-</file>
-
-<file path=ppt/tags/tag194.xml><?xml version="1.0" encoding="utf-8"?>
-<p:tagLst xmlns:p="http://schemas.openxmlformats.org/presentationml/2006/main">
-  <p:tag name="KSO_WM_BEAUTIFY_FLAG" val="#fgm#"/>
-  <p:tag name="KSO_WM_DIAGRAM_GROUP_CODE" val="1"/>
-  <p:tag name="KSO_WM_UNIT_INDEX" val="1_2_1"/>
-  <p:tag name="KSO_WM_UNIT_TYPE" val="l_h_i"/>
-</p:tagLst>
-</file>
-
-<file path=ppt/tags/tag195.xml><?xml version="1.0" encoding="utf-8"?>
 <p:tagLst xmlns:p="http://schemas.openxmlformats.org/presentationml/2006/main">
   <p:tag name="KSO_WM_BEAUTIFY_FLAG" val="#fgm#"/>
   <p:tag name="KSO_WM_DIAGRAM_GROUP_CODE" val="1"/>
@@ -19012,7 +18371,7 @@
 </p:tagLst>
 </file>
 
-<file path=ppt/tags/tag196.xml><?xml version="1.0" encoding="utf-8"?>
+<file path=ppt/tags/tag191.xml><?xml version="1.0" encoding="utf-8"?>
 <p:tagLst xmlns:p="http://schemas.openxmlformats.org/presentationml/2006/main">
   <p:tag name="KSO_WM_BEAUTIFY_FLAG" val="#fgm#"/>
   <p:tag name="KSO_WM_DIAGRAM_GROUP_CODE" val="1"/>
@@ -19023,7 +18382,7 @@
 </p:tagLst>
 </file>
 
-<file path=ppt/tags/tag197.xml><?xml version="1.0" encoding="utf-8"?>
+<file path=ppt/tags/tag192.xml><?xml version="1.0" encoding="utf-8"?>
 <p:tagLst xmlns:p="http://schemas.openxmlformats.org/presentationml/2006/main">
   <p:tag name="KSO_WM_BEAUTIFY_FLAG" val="#fgm#"/>
   <p:tag name="KSO_WM_DIAGRAM_GROUP_CODE" val="1"/>
@@ -19032,7 +18391,7 @@
 </p:tagLst>
 </file>
 
-<file path=ppt/tags/tag198.xml><?xml version="1.0" encoding="utf-8"?>
+<file path=ppt/tags/tag193.xml><?xml version="1.0" encoding="utf-8"?>
 <p:tagLst xmlns:p="http://schemas.openxmlformats.org/presentationml/2006/main">
   <p:tag name="KSO_WM_BEAUTIFY_FLAG" val="#fgm#"/>
   <p:tag name="KSO_WM_DIAGRAM_GROUP_CODE" val="1"/>
@@ -19043,7 +18402,7 @@
 </p:tagLst>
 </file>
 
-<file path=ppt/tags/tag199.xml><?xml version="1.0" encoding="utf-8"?>
+<file path=ppt/tags/tag194.xml><?xml version="1.0" encoding="utf-8"?>
 <p:tagLst xmlns:p="http://schemas.openxmlformats.org/presentationml/2006/main">
   <p:tag name="KSO_WM_BEAUTIFY_FLAG" val="#fgm#"/>
   <p:tag name="KSO_WM_DIAGRAM_GROUP_CODE" val="1"/>
@@ -19054,23 +18413,7 @@
 </p:tagLst>
 </file>
 
-<file path=ppt/tags/tag2.xml><?xml version="1.0" encoding="utf-8"?>
-<p:tagLst xmlns:p="http://schemas.openxmlformats.org/presentationml/2006/main">
-  <p:tag name="KSO_WM_BEAUTIFY_FLAG" val="#wm#"/>
-  <p:tag name="KSO_WM_UNIT_INDEX" val="2"/>
-  <p:tag name="KSO_WM_UNIT_TYPE" val="i"/>
-</p:tagLst>
-</file>
-
-<file path=ppt/tags/tag20.xml><?xml version="1.0" encoding="utf-8"?>
-<p:tagLst xmlns:p="http://schemas.openxmlformats.org/presentationml/2006/main">
-  <p:tag name="KSO_WM_BEAUTIFY_FLAG" val="#wm#"/>
-  <p:tag name="KSO_WM_UNIT_INDEX" val="1"/>
-  <p:tag name="KSO_WM_UNIT_TYPE" val="e"/>
-</p:tagLst>
-</file>
-
-<file path=ppt/tags/tag200.xml><?xml version="1.0" encoding="utf-8"?>
+<file path=ppt/tags/tag195.xml><?xml version="1.0" encoding="utf-8"?>
 <p:tagLst xmlns:p="http://schemas.openxmlformats.org/presentationml/2006/main">
   <p:tag name="KSO_WM_BEAUTIFY_FLAG" val="#fgm#"/>
   <p:tag name="KSO_WM_DIAGRAM_GROUP_CODE" val="1"/>
@@ -19081,7 +18424,7 @@
 </p:tagLst>
 </file>
 
-<file path=ppt/tags/tag201.xml><?xml version="1.0" encoding="utf-8"?>
+<file path=ppt/tags/tag196.xml><?xml version="1.0" encoding="utf-8"?>
 <p:tagLst xmlns:p="http://schemas.openxmlformats.org/presentationml/2006/main">
   <p:tag name="KSO_WM_BEAUTIFY_FLAG" val="#fgm#"/>
   <p:tag name="KSO_WM_DIAGRAM_GROUP_CODE" val="1"/>
@@ -19092,7 +18435,7 @@
 </p:tagLst>
 </file>
 
-<file path=ppt/tags/tag202.xml><?xml version="1.0" encoding="utf-8"?>
+<file path=ppt/tags/tag197.xml><?xml version="1.0" encoding="utf-8"?>
 <p:tagLst xmlns:p="http://schemas.openxmlformats.org/presentationml/2006/main">
   <p:tag name="KSO_WM_FIGMA_LIMIT" val=""/>
   <p:tag name="KSO_WM_FIGMA_SLIDE_GROUP" val="28"/>
@@ -19102,7 +18445,7 @@
 </p:tagLst>
 </file>
 
-<file path=ppt/tags/tag203.xml><?xml version="1.0" encoding="utf-8"?>
+<file path=ppt/tags/tag198.xml><?xml version="1.0" encoding="utf-8"?>
 <p:tagLst xmlns:p="http://schemas.openxmlformats.org/presentationml/2006/main">
   <p:tag name="KSO_WM_BEAUTIFY_FLAG" val="#wm#"/>
   <p:tag name="KSO_WM_UNIT_INDEX" val="1"/>
@@ -19110,7 +18453,7 @@
 </p:tagLst>
 </file>
 
-<file path=ppt/tags/tag204.xml><?xml version="1.0" encoding="utf-8"?>
+<file path=ppt/tags/tag199.xml><?xml version="1.0" encoding="utf-8"?>
 <p:tagLst xmlns:p="http://schemas.openxmlformats.org/presentationml/2006/main">
   <p:tag name="KSO_WM_BEAUTIFY_FLAG" val="#wm#"/>
   <p:tag name="KSO_WM_UNIT_INDEX" val="1"/>
@@ -19118,7 +18461,23 @@
 </p:tagLst>
 </file>
 
-<file path=ppt/tags/tag205.xml><?xml version="1.0" encoding="utf-8"?>
+<file path=ppt/tags/tag2.xml><?xml version="1.0" encoding="utf-8"?>
+<p:tagLst xmlns:p="http://schemas.openxmlformats.org/presentationml/2006/main">
+  <p:tag name="KSO_WM_BEAUTIFY_FLAG" val="#wm#"/>
+  <p:tag name="KSO_WM_UNIT_INDEX" val="2"/>
+  <p:tag name="KSO_WM_UNIT_TYPE" val="i"/>
+</p:tagLst>
+</file>
+
+<file path=ppt/tags/tag20.xml><?xml version="1.0" encoding="utf-8"?>
+<p:tagLst xmlns:p="http://schemas.openxmlformats.org/presentationml/2006/main">
+  <p:tag name="KSO_WM_BEAUTIFY_FLAG" val="#wm#"/>
+  <p:tag name="KSO_WM_UNIT_INDEX" val="1"/>
+  <p:tag name="KSO_WM_UNIT_TYPE" val="e"/>
+</p:tagLst>
+</file>
+
+<file path=ppt/tags/tag200.xml><?xml version="1.0" encoding="utf-8"?>
 <p:tagLst xmlns:p="http://schemas.openxmlformats.org/presentationml/2006/main">
   <p:tag name="KSO_WM_FIGMA_LIMIT" val=""/>
   <p:tag name="KSO_WM_FIGMA_SLIDE_GROUP" val="1"/>
@@ -19126,7 +18485,7 @@
 </p:tagLst>
 </file>
 
-<file path=ppt/tags/tag206.xml><?xml version="1.0" encoding="utf-8"?>
+<file path=ppt/tags/tag201.xml><?xml version="1.0" encoding="utf-8"?>
 <p:tagLst xmlns:p="http://schemas.openxmlformats.org/presentationml/2006/main">
   <p:tag name="KSO_WM_PRESENTATION_SOURCE" val="WPPAIGeneratePPT"/>
 </p:tagLst>
@@ -19847,20 +19206,11 @@
 <p:tagLst xmlns:p="http://schemas.openxmlformats.org/presentationml/2006/main">
   <p:tag name="KSO_WM_BEAUTIFY_FLAG" val="#wm#"/>
   <p:tag name="KSO_WM_UNIT_INDEX" val="1"/>
-  <p:tag name="KSO_WM_UNIT_SUBTYPE" val="c"/>
-  <p:tag name="KSO_WM_UNIT_TYPE" val="f"/>
-</p:tagLst>
-</file>
-
-<file path=ppt/tags/tag75.xml><?xml version="1.0" encoding="utf-8"?>
-<p:tagLst xmlns:p="http://schemas.openxmlformats.org/presentationml/2006/main">
-  <p:tag name="KSO_WM_BEAUTIFY_FLAG" val="#wm#"/>
-  <p:tag name="KSO_WM_UNIT_INDEX" val="1"/>
   <p:tag name="KSO_WM_UNIT_TYPE" val="a"/>
 </p:tagLst>
 </file>
 
-<file path=ppt/tags/tag76.xml><?xml version="1.0" encoding="utf-8"?>
+<file path=ppt/tags/tag75.xml><?xml version="1.0" encoding="utf-8"?>
 <p:tagLst xmlns:p="http://schemas.openxmlformats.org/presentationml/2006/main">
   <p:tag name="KSO_WM_BEAUTIFY_FLAG" val="#wm#"/>
   <p:tag name="KSO_WM_UNIT_INDEX" val="2"/>
@@ -19869,7 +19219,7 @@
 </p:tagLst>
 </file>
 
-<file path=ppt/tags/tag77.xml><?xml version="1.0" encoding="utf-8"?>
+<file path=ppt/tags/tag76.xml><?xml version="1.0" encoding="utf-8"?>
 <p:tagLst xmlns:p="http://schemas.openxmlformats.org/presentationml/2006/main">
   <p:tag name="KSO_WM_FIGMA_LIMIT" val=""/>
   <p:tag name="KSO_WM_FIGMA_SLIDE_GROUP" val="1"/>
@@ -19877,7 +19227,7 @@
 </p:tagLst>
 </file>
 
-<file path=ppt/tags/tag78.xml><?xml version="1.0" encoding="utf-8"?>
+<file path=ppt/tags/tag77.xml><?xml version="1.0" encoding="utf-8"?>
 <p:tagLst xmlns:p="http://schemas.openxmlformats.org/presentationml/2006/main">
   <p:tag name="KSO_WM_BEAUTIFY_FLAG" val="#wm#"/>
   <p:tag name="KSO_WM_UNIT_INDEX" val="1"/>
@@ -19885,7 +19235,7 @@
 </p:tagLst>
 </file>
 
-<file path=ppt/tags/tag79.xml><?xml version="1.0" encoding="utf-8"?>
+<file path=ppt/tags/tag78.xml><?xml version="1.0" encoding="utf-8"?>
 <p:tagLst xmlns:p="http://schemas.openxmlformats.org/presentationml/2006/main">
   <p:tag name="KSO_WM_BEAUTIFY_FLAG" val="#wm#"/>
   <p:tag name="KSO_WM_UNIT_INDEX" val="1"/>
@@ -19893,16 +19243,7 @@
 </p:tagLst>
 </file>
 
-<file path=ppt/tags/tag8.xml><?xml version="1.0" encoding="utf-8"?>
-<p:tagLst xmlns:p="http://schemas.openxmlformats.org/presentationml/2006/main">
-  <p:tag name="KSO_WM_BEAUTIFY_FLAG" val="#wm#"/>
-  <p:tag name="KSO_WM_UNIT_INDEX" val="2"/>
-  <p:tag name="KSO_WM_UNIT_SUBTYPE" val="b"/>
-  <p:tag name="KSO_WM_UNIT_TYPE" val="f"/>
-</p:tagLst>
-</file>
-
-<file path=ppt/tags/tag80.xml><?xml version="1.0" encoding="utf-8"?>
+<file path=ppt/tags/tag79.xml><?xml version="1.0" encoding="utf-8"?>
 <p:tagLst xmlns:p="http://schemas.openxmlformats.org/presentationml/2006/main">
   <p:tag name="KSO_WM_BEAUTIFY_FLAG" val="#fgm#"/>
   <p:tag name="KSO_WM_DIAGRAM_GROUP_CODE" val="1"/>
@@ -19913,7 +19254,16 @@
 </p:tagLst>
 </file>
 
-<file path=ppt/tags/tag81.xml><?xml version="1.0" encoding="utf-8"?>
+<file path=ppt/tags/tag8.xml><?xml version="1.0" encoding="utf-8"?>
+<p:tagLst xmlns:p="http://schemas.openxmlformats.org/presentationml/2006/main">
+  <p:tag name="KSO_WM_BEAUTIFY_FLAG" val="#wm#"/>
+  <p:tag name="KSO_WM_UNIT_INDEX" val="2"/>
+  <p:tag name="KSO_WM_UNIT_SUBTYPE" val="b"/>
+  <p:tag name="KSO_WM_UNIT_TYPE" val="f"/>
+</p:tagLst>
+</file>
+
+<file path=ppt/tags/tag80.xml><?xml version="1.0" encoding="utf-8"?>
 <p:tagLst xmlns:p="http://schemas.openxmlformats.org/presentationml/2006/main">
   <p:tag name="KSO_WM_BEAUTIFY_FLAG" val="#fgm#"/>
   <p:tag name="KSO_WM_DIAGRAM_GROUP_CODE" val="1"/>
@@ -19922,7 +19272,7 @@
 </p:tagLst>
 </file>
 
-<file path=ppt/tags/tag82.xml><?xml version="1.0" encoding="utf-8"?>
+<file path=ppt/tags/tag81.xml><?xml version="1.0" encoding="utf-8"?>
 <p:tagLst xmlns:p="http://schemas.openxmlformats.org/presentationml/2006/main">
   <p:tag name="KSO_WM_BEAUTIFY_FLAG" val="#fgm#"/>
   <p:tag name="KSO_WM_DIAGRAM_GROUP_CODE" val="1"/>
@@ -19933,7 +19283,7 @@
 </p:tagLst>
 </file>
 
-<file path=ppt/tags/tag83.xml><?xml version="1.0" encoding="utf-8"?>
+<file path=ppt/tags/tag82.xml><?xml version="1.0" encoding="utf-8"?>
 <p:tagLst xmlns:p="http://schemas.openxmlformats.org/presentationml/2006/main">
   <p:tag name="KSO_WM_BEAUTIFY_FLAG" val="#fgm#"/>
   <p:tag name="KSO_WM_DIAGRAM_GROUP_CODE" val="1"/>
@@ -19944,7 +19294,7 @@
 </p:tagLst>
 </file>
 
-<file path=ppt/tags/tag84.xml><?xml version="1.0" encoding="utf-8"?>
+<file path=ppt/tags/tag83.xml><?xml version="1.0" encoding="utf-8"?>
 <p:tagLst xmlns:p="http://schemas.openxmlformats.org/presentationml/2006/main">
   <p:tag name="KSO_WM_BEAUTIFY_FLAG" val="#fgm#"/>
   <p:tag name="KSO_WM_DIAGRAM_GROUP_CODE" val="1"/>
@@ -19953,7 +19303,7 @@
 </p:tagLst>
 </file>
 
-<file path=ppt/tags/tag85.xml><?xml version="1.0" encoding="utf-8"?>
+<file path=ppt/tags/tag84.xml><?xml version="1.0" encoding="utf-8"?>
 <p:tagLst xmlns:p="http://schemas.openxmlformats.org/presentationml/2006/main">
   <p:tag name="KSO_WM_BEAUTIFY_FLAG" val="#fgm#"/>
   <p:tag name="KSO_WM_DIAGRAM_GROUP_CODE" val="1"/>
@@ -19964,7 +19314,7 @@
 </p:tagLst>
 </file>
 
-<file path=ppt/tags/tag86.xml><?xml version="1.0" encoding="utf-8"?>
+<file path=ppt/tags/tag85.xml><?xml version="1.0" encoding="utf-8"?>
 <p:tagLst xmlns:p="http://schemas.openxmlformats.org/presentationml/2006/main">
   <p:tag name="KSO_WM_BEAUTIFY_FLAG" val="#fgm#"/>
   <p:tag name="KSO_WM_DIAGRAM_GROUP_CODE" val="1"/>
@@ -19975,7 +19325,7 @@
 </p:tagLst>
 </file>
 
-<file path=ppt/tags/tag87.xml><?xml version="1.0" encoding="utf-8"?>
+<file path=ppt/tags/tag86.xml><?xml version="1.0" encoding="utf-8"?>
 <p:tagLst xmlns:p="http://schemas.openxmlformats.org/presentationml/2006/main">
   <p:tag name="KSO_WM_BEAUTIFY_FLAG" val="#fgm#"/>
   <p:tag name="KSO_WM_DIAGRAM_GROUP_CODE" val="1"/>
@@ -19984,7 +19334,7 @@
 </p:tagLst>
 </file>
 
-<file path=ppt/tags/tag88.xml><?xml version="1.0" encoding="utf-8"?>
+<file path=ppt/tags/tag87.xml><?xml version="1.0" encoding="utf-8"?>
 <p:tagLst xmlns:p="http://schemas.openxmlformats.org/presentationml/2006/main">
   <p:tag name="KSO_WM_BEAUTIFY_FLAG" val="#fgm#"/>
   <p:tag name="KSO_WM_DIAGRAM_GROUP_CODE" val="1"/>
@@ -19995,7 +19345,7 @@
 </p:tagLst>
 </file>
 
-<file path=ppt/tags/tag89.xml><?xml version="1.0" encoding="utf-8"?>
+<file path=ppt/tags/tag88.xml><?xml version="1.0" encoding="utf-8"?>
 <p:tagLst xmlns:p="http://schemas.openxmlformats.org/presentationml/2006/main">
   <p:tag name="KSO_WM_BEAUTIFY_FLAG" val="#fgm#"/>
   <p:tag name="KSO_WM_DIAGRAM_GROUP_CODE" val="1"/>
@@ -20003,6 +19353,15 @@
   <p:tag name="KSO_WM_UNIT_SUBTYPE" val="d"/>
   <p:tag name="KSO_WM_UNIT_TYPE" val="l_h_i"/>
   <p:tag name="KSO_WM_UNIT_PRESET_TEXT" val="04"/>
+</p:tagLst>
+</file>
+
+<file path=ppt/tags/tag89.xml><?xml version="1.0" encoding="utf-8"?>
+<p:tagLst xmlns:p="http://schemas.openxmlformats.org/presentationml/2006/main">
+  <p:tag name="KSO_WM_BEAUTIFY_FLAG" val="#fgm#"/>
+  <p:tag name="KSO_WM_DIAGRAM_GROUP_CODE" val="1"/>
+  <p:tag name="KSO_WM_UNIT_INDEX" val="1_4_2"/>
+  <p:tag name="KSO_WM_UNIT_TYPE" val="l_h_i"/>
 </p:tagLst>
 </file>
 
@@ -20023,12 +19382,34 @@
 <p:tagLst xmlns:p="http://schemas.openxmlformats.org/presentationml/2006/main">
   <p:tag name="KSO_WM_BEAUTIFY_FLAG" val="#fgm#"/>
   <p:tag name="KSO_WM_DIAGRAM_GROUP_CODE" val="1"/>
+  <p:tag name="KSO_WM_UNIT_INDEX" val="1_4_1"/>
+  <p:tag name="KSO_WM_UNIT_PRESET_TEXT" val="单击此处添加标题内容单击此处添加标题内容"/>
+  <p:tag name="KSO_WM_UNIT_TEXT_TYPE" val="1"/>
+  <p:tag name="KSO_WM_UNIT_TYPE" val="l_h_a"/>
+</p:tagLst>
+</file>
+
+<file path=ppt/tags/tag91.xml><?xml version="1.0" encoding="utf-8"?>
+<p:tagLst xmlns:p="http://schemas.openxmlformats.org/presentationml/2006/main">
+  <p:tag name="KSO_WM_BEAUTIFY_FLAG" val="#fgm#"/>
+  <p:tag name="KSO_WM_DIAGRAM_GROUP_CODE" val="1"/>
+  <p:tag name="KSO_WM_UNIT_INDEX" val="1_4_1"/>
+  <p:tag name="KSO_WM_UNIT_SUBTYPE" val="d"/>
+  <p:tag name="KSO_WM_UNIT_TYPE" val="l_h_i"/>
+  <p:tag name="KSO_WM_UNIT_PRESET_TEXT" val="04"/>
+</p:tagLst>
+</file>
+
+<file path=ppt/tags/tag92.xml><?xml version="1.0" encoding="utf-8"?>
+<p:tagLst xmlns:p="http://schemas.openxmlformats.org/presentationml/2006/main">
+  <p:tag name="KSO_WM_BEAUTIFY_FLAG" val="#fgm#"/>
+  <p:tag name="KSO_WM_DIAGRAM_GROUP_CODE" val="1"/>
   <p:tag name="KSO_WM_UNIT_INDEX" val="1_4_2"/>
   <p:tag name="KSO_WM_UNIT_TYPE" val="l_h_i"/>
 </p:tagLst>
 </file>
 
-<file path=ppt/tags/tag91.xml><?xml version="1.0" encoding="utf-8"?>
+<file path=ppt/tags/tag93.xml><?xml version="1.0" encoding="utf-8"?>
 <p:tagLst xmlns:p="http://schemas.openxmlformats.org/presentationml/2006/main">
   <p:tag name="KSO_WM_BEAUTIFY_FLAG" val="#fgm#"/>
   <p:tag name="KSO_WM_DIAGRAM_GROUP_CODE" val="1"/>
@@ -20039,38 +19420,7 @@
 </p:tagLst>
 </file>
 
-<file path=ppt/tags/tag92.xml><?xml version="1.0" encoding="utf-8"?>
-<p:tagLst xmlns:p="http://schemas.openxmlformats.org/presentationml/2006/main">
-  <p:tag name="KSO_WM_BEAUTIFY_FLAG" val="#fgm#"/>
-  <p:tag name="KSO_WM_DIAGRAM_GROUP_CODE" val="1"/>
-  <p:tag name="KSO_WM_UNIT_INDEX" val="1_4_1"/>
-  <p:tag name="KSO_WM_UNIT_SUBTYPE" val="d"/>
-  <p:tag name="KSO_WM_UNIT_TYPE" val="l_h_i"/>
-  <p:tag name="KSO_WM_UNIT_PRESET_TEXT" val="04"/>
-</p:tagLst>
-</file>
-
-<file path=ppt/tags/tag93.xml><?xml version="1.0" encoding="utf-8"?>
-<p:tagLst xmlns:p="http://schemas.openxmlformats.org/presentationml/2006/main">
-  <p:tag name="KSO_WM_BEAUTIFY_FLAG" val="#fgm#"/>
-  <p:tag name="KSO_WM_DIAGRAM_GROUP_CODE" val="1"/>
-  <p:tag name="KSO_WM_UNIT_INDEX" val="1_4_2"/>
-  <p:tag name="KSO_WM_UNIT_TYPE" val="l_h_i"/>
-</p:tagLst>
-</file>
-
 <file path=ppt/tags/tag94.xml><?xml version="1.0" encoding="utf-8"?>
-<p:tagLst xmlns:p="http://schemas.openxmlformats.org/presentationml/2006/main">
-  <p:tag name="KSO_WM_BEAUTIFY_FLAG" val="#fgm#"/>
-  <p:tag name="KSO_WM_DIAGRAM_GROUP_CODE" val="1"/>
-  <p:tag name="KSO_WM_UNIT_INDEX" val="1_4_1"/>
-  <p:tag name="KSO_WM_UNIT_PRESET_TEXT" val="单击此处添加标题内容单击此处添加标题内容"/>
-  <p:tag name="KSO_WM_UNIT_TEXT_TYPE" val="1"/>
-  <p:tag name="KSO_WM_UNIT_TYPE" val="l_h_a"/>
-</p:tagLst>
-</file>
-
-<file path=ppt/tags/tag95.xml><?xml version="1.0" encoding="utf-8"?>
 <p:tagLst xmlns:p="http://schemas.openxmlformats.org/presentationml/2006/main">
   <p:tag name="KSO_WM_FIGMA_LIMIT" val=""/>
   <p:tag name="KSO_WM_FIGMA_SLIDE_GROUP" val="1"/>
@@ -20078,7 +19428,7 @@
 </p:tagLst>
 </file>
 
-<file path=ppt/tags/tag96.xml><?xml version="1.0" encoding="utf-8"?>
+<file path=ppt/tags/tag95.xml><?xml version="1.0" encoding="utf-8"?>
 <p:tagLst xmlns:p="http://schemas.openxmlformats.org/presentationml/2006/main">
   <p:tag name="KSO_WM_BEAUTIFY_FLAG" val="#wm#"/>
   <p:tag name="KSO_WM_UNIT_INDEX" val="1"/>
@@ -20086,7 +19436,7 @@
 </p:tagLst>
 </file>
 
-<file path=ppt/tags/tag97.xml><?xml version="1.0" encoding="utf-8"?>
+<file path=ppt/tags/tag96.xml><?xml version="1.0" encoding="utf-8"?>
 <p:tagLst xmlns:p="http://schemas.openxmlformats.org/presentationml/2006/main">
   <p:tag name="KSO_WM_BEAUTIFY_FLAG" val="#wm#"/>
   <p:tag name="KSO_WM_UNIT_INDEX" val="1"/>
@@ -20094,7 +19444,7 @@
 </p:tagLst>
 </file>
 
-<file path=ppt/tags/tag98.xml><?xml version="1.0" encoding="utf-8"?>
+<file path=ppt/tags/tag97.xml><?xml version="1.0" encoding="utf-8"?>
 <p:tagLst xmlns:p="http://schemas.openxmlformats.org/presentationml/2006/main">
   <p:tag name="KSO_WM_FIGMA_LIMIT" val=""/>
   <p:tag name="KSO_WM_FIGMA_SLIDE_GROUP" val="1"/>
@@ -20102,12 +19452,20 @@
 </p:tagLst>
 </file>
 
-<file path=ppt/tags/tag99.xml><?xml version="1.0" encoding="utf-8"?>
+<file path=ppt/tags/tag98.xml><?xml version="1.0" encoding="utf-8"?>
 <p:tagLst xmlns:p="http://schemas.openxmlformats.org/presentationml/2006/main">
   <p:tag name="KSO_WM_BEAUTIFY_FLAG" val="#wm#"/>
   <p:tag name="KSO_WM_UNIT_INDEX" val="1"/>
   <p:tag name="KSO_WM_UNIT_TYPE" val="d"/>
   <p:tag name="MH_PIC_SOURCE_TYPE" val="generate_slide_ai*VCG41N1323477179**1738587519077_2.195_466483fda765-slide-4"/>
+</p:tagLst>
+</file>
+
+<file path=ppt/tags/tag99.xml><?xml version="1.0" encoding="utf-8"?>
+<p:tagLst xmlns:p="http://schemas.openxmlformats.org/presentationml/2006/main">
+  <p:tag name="KSO_WM_BEAUTIFY_FLAG" val="#wm#"/>
+  <p:tag name="KSO_WM_UNIT_INDEX" val="1"/>
+  <p:tag name="KSO_WM_UNIT_TYPE" val="i"/>
 </p:tagLst>
 </file>
 
